--- a/TreeAlchemist/Code/TreeAlchemizer/Input-Files/test-tree/tree.pptx
+++ b/TreeAlchemist/Code/TreeAlchemizer/Input-Files/test-tree/tree.pptx
@@ -4,8 +4,12 @@
   <p:sldMasterIdLst>
     <p:sldMasterId id="2147483648" r:id="rId1"/>
   </p:sldMasterIdLst>
+  <p:notesMasterIdLst>
+    <p:notesMasterId r:id="rId4"/>
+  </p:notesMasterIdLst>
   <p:sldIdLst>
     <p:sldId id="256" r:id="rId2"/>
+    <p:sldId id="257" r:id="rId3"/>
   </p:sldIdLst>
   <p:sldSz cx="12192000" cy="6858000"/>
   <p:notesSz cx="6858000" cy="9144000"/>
@@ -112,6 +116,548 @@
 </p:presentation>
 </file>
 
+<file path=ppt/notesMasters/notesMaster1.xml><?xml version="1.0" encoding="utf-8"?>
+<p:notesMaster xmlns:a="http://schemas.openxmlformats.org/drawingml/2006/main" xmlns:r="http://schemas.openxmlformats.org/officeDocument/2006/relationships" xmlns:p="http://schemas.openxmlformats.org/presentationml/2006/main">
+  <p:cSld>
+    <p:bg>
+      <p:bgRef idx="1001">
+        <a:schemeClr val="bg1"/>
+      </p:bgRef>
+    </p:bg>
+    <p:spTree>
+      <p:nvGrpSpPr>
+        <p:cNvPr id="1" name=""/>
+        <p:cNvGrpSpPr/>
+        <p:nvPr/>
+      </p:nvGrpSpPr>
+      <p:grpSpPr>
+        <a:xfrm>
+          <a:off x="0" y="0"/>
+          <a:ext cx="0" cy="0"/>
+          <a:chOff x="0" y="0"/>
+          <a:chExt cx="0" cy="0"/>
+        </a:xfrm>
+      </p:grpSpPr>
+      <p:sp>
+        <p:nvSpPr>
+          <p:cNvPr id="2" name="Header Placeholder 1"/>
+          <p:cNvSpPr>
+            <a:spLocks noGrp="1"/>
+          </p:cNvSpPr>
+          <p:nvPr>
+            <p:ph type="hdr" sz="quarter"/>
+          </p:nvPr>
+        </p:nvSpPr>
+        <p:spPr>
+          <a:xfrm>
+            <a:off x="0" y="0"/>
+            <a:ext cx="2971800" cy="458788"/>
+          </a:xfrm>
+          <a:prstGeom prst="rect">
+            <a:avLst/>
+          </a:prstGeom>
+        </p:spPr>
+        <p:txBody>
+          <a:bodyPr vert="horz" lIns="91440" tIns="45720" rIns="91440" bIns="45720" rtlCol="0"/>
+          <a:lstStyle>
+            <a:lvl1pPr algn="l">
+              <a:defRPr sz="1200"/>
+            </a:lvl1pPr>
+          </a:lstStyle>
+          <a:p>
+            <a:endParaRPr lang="it-IT"/>
+          </a:p>
+        </p:txBody>
+      </p:sp>
+      <p:sp>
+        <p:nvSpPr>
+          <p:cNvPr id="3" name="Date Placeholder 2"/>
+          <p:cNvSpPr>
+            <a:spLocks noGrp="1"/>
+          </p:cNvSpPr>
+          <p:nvPr>
+            <p:ph type="dt" idx="1"/>
+          </p:nvPr>
+        </p:nvSpPr>
+        <p:spPr>
+          <a:xfrm>
+            <a:off x="3884613" y="0"/>
+            <a:ext cx="2971800" cy="458788"/>
+          </a:xfrm>
+          <a:prstGeom prst="rect">
+            <a:avLst/>
+          </a:prstGeom>
+        </p:spPr>
+        <p:txBody>
+          <a:bodyPr vert="horz" lIns="91440" tIns="45720" rIns="91440" bIns="45720" rtlCol="0"/>
+          <a:lstStyle>
+            <a:lvl1pPr algn="r">
+              <a:defRPr sz="1200"/>
+            </a:lvl1pPr>
+          </a:lstStyle>
+          <a:p>
+            <a:fld id="{DD08A70E-2FB1-49B9-8D38-24EE02AAC688}" type="datetimeFigureOut">
+              <a:rPr lang="it-IT" smtClean="0"/>
+              <a:t>05/12/2024</a:t>
+            </a:fld>
+            <a:endParaRPr lang="it-IT"/>
+          </a:p>
+        </p:txBody>
+      </p:sp>
+      <p:sp>
+        <p:nvSpPr>
+          <p:cNvPr id="4" name="Slide Image Placeholder 3"/>
+          <p:cNvSpPr>
+            <a:spLocks noGrp="1" noRot="1" noChangeAspect="1"/>
+          </p:cNvSpPr>
+          <p:nvPr>
+            <p:ph type="sldImg" idx="2"/>
+          </p:nvPr>
+        </p:nvSpPr>
+        <p:spPr>
+          <a:xfrm>
+            <a:off x="685800" y="1143000"/>
+            <a:ext cx="5486400" cy="3086100"/>
+          </a:xfrm>
+          <a:prstGeom prst="rect">
+            <a:avLst/>
+          </a:prstGeom>
+          <a:noFill/>
+          <a:ln w="12700">
+            <a:solidFill>
+              <a:prstClr val="black"/>
+            </a:solidFill>
+          </a:ln>
+        </p:spPr>
+        <p:txBody>
+          <a:bodyPr vert="horz" lIns="91440" tIns="45720" rIns="91440" bIns="45720" rtlCol="0" anchor="ctr"/>
+          <a:lstStyle/>
+          <a:p>
+            <a:endParaRPr lang="it-IT"/>
+          </a:p>
+        </p:txBody>
+      </p:sp>
+      <p:sp>
+        <p:nvSpPr>
+          <p:cNvPr id="5" name="Notes Placeholder 4"/>
+          <p:cNvSpPr>
+            <a:spLocks noGrp="1"/>
+          </p:cNvSpPr>
+          <p:nvPr>
+            <p:ph type="body" sz="quarter" idx="3"/>
+          </p:nvPr>
+        </p:nvSpPr>
+        <p:spPr>
+          <a:xfrm>
+            <a:off x="685800" y="4400550"/>
+            <a:ext cx="5486400" cy="3600450"/>
+          </a:xfrm>
+          <a:prstGeom prst="rect">
+            <a:avLst/>
+          </a:prstGeom>
+        </p:spPr>
+        <p:txBody>
+          <a:bodyPr vert="horz" lIns="91440" tIns="45720" rIns="91440" bIns="45720" rtlCol="0"/>
+          <a:lstStyle/>
+          <a:p>
+            <a:pPr lvl="0"/>
+            <a:r>
+              <a:rPr lang="en-GB"/>
+              <a:t>Click to edit Master text styles</a:t>
+            </a:r>
+          </a:p>
+          <a:p>
+            <a:pPr lvl="1"/>
+            <a:r>
+              <a:rPr lang="en-GB"/>
+              <a:t>Second level</a:t>
+            </a:r>
+          </a:p>
+          <a:p>
+            <a:pPr lvl="2"/>
+            <a:r>
+              <a:rPr lang="en-GB"/>
+              <a:t>Third level</a:t>
+            </a:r>
+          </a:p>
+          <a:p>
+            <a:pPr lvl="3"/>
+            <a:r>
+              <a:rPr lang="en-GB"/>
+              <a:t>Fourth level</a:t>
+            </a:r>
+          </a:p>
+          <a:p>
+            <a:pPr lvl="4"/>
+            <a:r>
+              <a:rPr lang="en-GB"/>
+              <a:t>Fifth level</a:t>
+            </a:r>
+            <a:endParaRPr lang="it-IT"/>
+          </a:p>
+        </p:txBody>
+      </p:sp>
+      <p:sp>
+        <p:nvSpPr>
+          <p:cNvPr id="6" name="Footer Placeholder 5"/>
+          <p:cNvSpPr>
+            <a:spLocks noGrp="1"/>
+          </p:cNvSpPr>
+          <p:nvPr>
+            <p:ph type="ftr" sz="quarter" idx="4"/>
+          </p:nvPr>
+        </p:nvSpPr>
+        <p:spPr>
+          <a:xfrm>
+            <a:off x="0" y="8685213"/>
+            <a:ext cx="2971800" cy="458787"/>
+          </a:xfrm>
+          <a:prstGeom prst="rect">
+            <a:avLst/>
+          </a:prstGeom>
+        </p:spPr>
+        <p:txBody>
+          <a:bodyPr vert="horz" lIns="91440" tIns="45720" rIns="91440" bIns="45720" rtlCol="0" anchor="b"/>
+          <a:lstStyle>
+            <a:lvl1pPr algn="l">
+              <a:defRPr sz="1200"/>
+            </a:lvl1pPr>
+          </a:lstStyle>
+          <a:p>
+            <a:endParaRPr lang="it-IT"/>
+          </a:p>
+        </p:txBody>
+      </p:sp>
+      <p:sp>
+        <p:nvSpPr>
+          <p:cNvPr id="7" name="Slide Number Placeholder 6"/>
+          <p:cNvSpPr>
+            <a:spLocks noGrp="1"/>
+          </p:cNvSpPr>
+          <p:nvPr>
+            <p:ph type="sldNum" sz="quarter" idx="5"/>
+          </p:nvPr>
+        </p:nvSpPr>
+        <p:spPr>
+          <a:xfrm>
+            <a:off x="3884613" y="8685213"/>
+            <a:ext cx="2971800" cy="458787"/>
+          </a:xfrm>
+          <a:prstGeom prst="rect">
+            <a:avLst/>
+          </a:prstGeom>
+        </p:spPr>
+        <p:txBody>
+          <a:bodyPr vert="horz" lIns="91440" tIns="45720" rIns="91440" bIns="45720" rtlCol="0" anchor="b"/>
+          <a:lstStyle>
+            <a:lvl1pPr algn="r">
+              <a:defRPr sz="1200"/>
+            </a:lvl1pPr>
+          </a:lstStyle>
+          <a:p>
+            <a:fld id="{FF159D09-06E0-4732-B940-003DD2D0BA27}" type="slidenum">
+              <a:rPr lang="it-IT" smtClean="0"/>
+              <a:t>‹#›</a:t>
+            </a:fld>
+            <a:endParaRPr lang="it-IT"/>
+          </a:p>
+        </p:txBody>
+      </p:sp>
+    </p:spTree>
+    <p:extLst>
+      <p:ext uri="{BB962C8B-B14F-4D97-AF65-F5344CB8AC3E}">
+        <p14:creationId xmlns:p14="http://schemas.microsoft.com/office/powerpoint/2010/main" val="1996423126"/>
+      </p:ext>
+    </p:extLst>
+  </p:cSld>
+  <p:clrMap bg1="lt1" tx1="dk1" bg2="lt2" tx2="dk2" accent1="accent1" accent2="accent2" accent3="accent3" accent4="accent4" accent5="accent5" accent6="accent6" hlink="hlink" folHlink="folHlink"/>
+  <p:notesStyle>
+    <a:lvl1pPr marL="0" algn="l" defTabSz="914400" rtl="0" eaLnBrk="1" latinLnBrk="0" hangingPunct="1">
+      <a:defRPr sz="1200" kern="1200">
+        <a:solidFill>
+          <a:schemeClr val="tx1"/>
+        </a:solidFill>
+        <a:latin typeface="+mn-lt"/>
+        <a:ea typeface="+mn-ea"/>
+        <a:cs typeface="+mn-cs"/>
+      </a:defRPr>
+    </a:lvl1pPr>
+    <a:lvl2pPr marL="457200" algn="l" defTabSz="914400" rtl="0" eaLnBrk="1" latinLnBrk="0" hangingPunct="1">
+      <a:defRPr sz="1200" kern="1200">
+        <a:solidFill>
+          <a:schemeClr val="tx1"/>
+        </a:solidFill>
+        <a:latin typeface="+mn-lt"/>
+        <a:ea typeface="+mn-ea"/>
+        <a:cs typeface="+mn-cs"/>
+      </a:defRPr>
+    </a:lvl2pPr>
+    <a:lvl3pPr marL="914400" algn="l" defTabSz="914400" rtl="0" eaLnBrk="1" latinLnBrk="0" hangingPunct="1">
+      <a:defRPr sz="1200" kern="1200">
+        <a:solidFill>
+          <a:schemeClr val="tx1"/>
+        </a:solidFill>
+        <a:latin typeface="+mn-lt"/>
+        <a:ea typeface="+mn-ea"/>
+        <a:cs typeface="+mn-cs"/>
+      </a:defRPr>
+    </a:lvl3pPr>
+    <a:lvl4pPr marL="1371600" algn="l" defTabSz="914400" rtl="0" eaLnBrk="1" latinLnBrk="0" hangingPunct="1">
+      <a:defRPr sz="1200" kern="1200">
+        <a:solidFill>
+          <a:schemeClr val="tx1"/>
+        </a:solidFill>
+        <a:latin typeface="+mn-lt"/>
+        <a:ea typeface="+mn-ea"/>
+        <a:cs typeface="+mn-cs"/>
+      </a:defRPr>
+    </a:lvl4pPr>
+    <a:lvl5pPr marL="1828800" algn="l" defTabSz="914400" rtl="0" eaLnBrk="1" latinLnBrk="0" hangingPunct="1">
+      <a:defRPr sz="1200" kern="1200">
+        <a:solidFill>
+          <a:schemeClr val="tx1"/>
+        </a:solidFill>
+        <a:latin typeface="+mn-lt"/>
+        <a:ea typeface="+mn-ea"/>
+        <a:cs typeface="+mn-cs"/>
+      </a:defRPr>
+    </a:lvl5pPr>
+    <a:lvl6pPr marL="2286000" algn="l" defTabSz="914400" rtl="0" eaLnBrk="1" latinLnBrk="0" hangingPunct="1">
+      <a:defRPr sz="1200" kern="1200">
+        <a:solidFill>
+          <a:schemeClr val="tx1"/>
+        </a:solidFill>
+        <a:latin typeface="+mn-lt"/>
+        <a:ea typeface="+mn-ea"/>
+        <a:cs typeface="+mn-cs"/>
+      </a:defRPr>
+    </a:lvl6pPr>
+    <a:lvl7pPr marL="2743200" algn="l" defTabSz="914400" rtl="0" eaLnBrk="1" latinLnBrk="0" hangingPunct="1">
+      <a:defRPr sz="1200" kern="1200">
+        <a:solidFill>
+          <a:schemeClr val="tx1"/>
+        </a:solidFill>
+        <a:latin typeface="+mn-lt"/>
+        <a:ea typeface="+mn-ea"/>
+        <a:cs typeface="+mn-cs"/>
+      </a:defRPr>
+    </a:lvl7pPr>
+    <a:lvl8pPr marL="3200400" algn="l" defTabSz="914400" rtl="0" eaLnBrk="1" latinLnBrk="0" hangingPunct="1">
+      <a:defRPr sz="1200" kern="1200">
+        <a:solidFill>
+          <a:schemeClr val="tx1"/>
+        </a:solidFill>
+        <a:latin typeface="+mn-lt"/>
+        <a:ea typeface="+mn-ea"/>
+        <a:cs typeface="+mn-cs"/>
+      </a:defRPr>
+    </a:lvl8pPr>
+    <a:lvl9pPr marL="3657600" algn="l" defTabSz="914400" rtl="0" eaLnBrk="1" latinLnBrk="0" hangingPunct="1">
+      <a:defRPr sz="1200" kern="1200">
+        <a:solidFill>
+          <a:schemeClr val="tx1"/>
+        </a:solidFill>
+        <a:latin typeface="+mn-lt"/>
+        <a:ea typeface="+mn-ea"/>
+        <a:cs typeface="+mn-cs"/>
+      </a:defRPr>
+    </a:lvl9pPr>
+  </p:notesStyle>
+</p:notesMaster>
+</file>
+
+<file path=ppt/notesSlides/notesSlide1.xml><?xml version="1.0" encoding="utf-8"?>
+<p:notes xmlns:a="http://schemas.openxmlformats.org/drawingml/2006/main" xmlns:r="http://schemas.openxmlformats.org/officeDocument/2006/relationships" xmlns:p="http://schemas.openxmlformats.org/presentationml/2006/main">
+  <p:cSld>
+    <p:spTree>
+      <p:nvGrpSpPr>
+        <p:cNvPr id="1" name=""/>
+        <p:cNvGrpSpPr/>
+        <p:nvPr/>
+      </p:nvGrpSpPr>
+      <p:grpSpPr>
+        <a:xfrm>
+          <a:off x="0" y="0"/>
+          <a:ext cx="0" cy="0"/>
+          <a:chOff x="0" y="0"/>
+          <a:chExt cx="0" cy="0"/>
+        </a:xfrm>
+      </p:grpSpPr>
+      <p:sp>
+        <p:nvSpPr>
+          <p:cNvPr id="2" name="Slide Image Placeholder 1"/>
+          <p:cNvSpPr>
+            <a:spLocks noGrp="1" noRot="1" noChangeAspect="1"/>
+          </p:cNvSpPr>
+          <p:nvPr>
+            <p:ph type="sldImg"/>
+          </p:nvPr>
+        </p:nvSpPr>
+        <p:spPr/>
+      </p:sp>
+      <p:sp>
+        <p:nvSpPr>
+          <p:cNvPr id="3" name="Notes Placeholder 2"/>
+          <p:cNvSpPr>
+            <a:spLocks noGrp="1"/>
+          </p:cNvSpPr>
+          <p:nvPr>
+            <p:ph type="body" idx="1"/>
+          </p:nvPr>
+        </p:nvSpPr>
+        <p:spPr/>
+        <p:txBody>
+          <a:bodyPr/>
+          <a:lstStyle/>
+          <a:p>
+            <a:endParaRPr lang="it-IT" dirty="0"/>
+          </a:p>
+        </p:txBody>
+      </p:sp>
+      <p:sp>
+        <p:nvSpPr>
+          <p:cNvPr id="4" name="Slide Number Placeholder 3"/>
+          <p:cNvSpPr>
+            <a:spLocks noGrp="1"/>
+          </p:cNvSpPr>
+          <p:nvPr>
+            <p:ph type="sldNum" sz="quarter" idx="5"/>
+          </p:nvPr>
+        </p:nvSpPr>
+        <p:spPr/>
+        <p:txBody>
+          <a:bodyPr/>
+          <a:lstStyle/>
+          <a:p>
+            <a:fld id="{FF159D09-06E0-4732-B940-003DD2D0BA27}" type="slidenum">
+              <a:rPr lang="it-IT" smtClean="0"/>
+              <a:t>1</a:t>
+            </a:fld>
+            <a:endParaRPr lang="it-IT"/>
+          </a:p>
+        </p:txBody>
+      </p:sp>
+    </p:spTree>
+    <p:extLst>
+      <p:ext uri="{BB962C8B-B14F-4D97-AF65-F5344CB8AC3E}">
+        <p14:creationId xmlns:p14="http://schemas.microsoft.com/office/powerpoint/2010/main" val="2078091347"/>
+      </p:ext>
+    </p:extLst>
+  </p:cSld>
+  <p:clrMapOvr>
+    <a:masterClrMapping/>
+  </p:clrMapOvr>
+</p:notes>
+</file>
+
+<file path=ppt/notesSlides/notesSlide2.xml><?xml version="1.0" encoding="utf-8"?>
+<p:notes xmlns:a="http://schemas.openxmlformats.org/drawingml/2006/main" xmlns:r="http://schemas.openxmlformats.org/officeDocument/2006/relationships" xmlns:p="http://schemas.openxmlformats.org/presentationml/2006/main">
+  <p:cSld>
+    <p:spTree>
+      <p:nvGrpSpPr>
+        <p:cNvPr id="1" name="">
+          <a:extLst>
+            <a:ext uri="{FF2B5EF4-FFF2-40B4-BE49-F238E27FC236}">
+              <a16:creationId xmlns:a16="http://schemas.microsoft.com/office/drawing/2014/main" id="{C845F96C-0060-8F2A-9EEC-E681CAEBB37D}"/>
+            </a:ext>
+          </a:extLst>
+        </p:cNvPr>
+        <p:cNvGrpSpPr/>
+        <p:nvPr/>
+      </p:nvGrpSpPr>
+      <p:grpSpPr>
+        <a:xfrm>
+          <a:off x="0" y="0"/>
+          <a:ext cx="0" cy="0"/>
+          <a:chOff x="0" y="0"/>
+          <a:chExt cx="0" cy="0"/>
+        </a:xfrm>
+      </p:grpSpPr>
+      <p:sp>
+        <p:nvSpPr>
+          <p:cNvPr id="2" name="Slide Image Placeholder 1">
+            <a:extLst>
+              <a:ext uri="{FF2B5EF4-FFF2-40B4-BE49-F238E27FC236}">
+                <a16:creationId xmlns:a16="http://schemas.microsoft.com/office/drawing/2014/main" id="{FF297763-CA99-19A9-9646-ED6A5158028B}"/>
+              </a:ext>
+            </a:extLst>
+          </p:cNvPr>
+          <p:cNvSpPr>
+            <a:spLocks noGrp="1" noRot="1" noChangeAspect="1"/>
+          </p:cNvSpPr>
+          <p:nvPr>
+            <p:ph type="sldImg"/>
+          </p:nvPr>
+        </p:nvSpPr>
+        <p:spPr/>
+      </p:sp>
+      <p:sp>
+        <p:nvSpPr>
+          <p:cNvPr id="3" name="Notes Placeholder 2">
+            <a:extLst>
+              <a:ext uri="{FF2B5EF4-FFF2-40B4-BE49-F238E27FC236}">
+                <a16:creationId xmlns:a16="http://schemas.microsoft.com/office/drawing/2014/main" id="{CA2613CF-2B8F-1904-1C18-E515DEA2D921}"/>
+              </a:ext>
+            </a:extLst>
+          </p:cNvPr>
+          <p:cNvSpPr>
+            <a:spLocks noGrp="1"/>
+          </p:cNvSpPr>
+          <p:nvPr>
+            <p:ph type="body" idx="1"/>
+          </p:nvPr>
+        </p:nvSpPr>
+        <p:spPr/>
+        <p:txBody>
+          <a:bodyPr/>
+          <a:lstStyle/>
+          <a:p>
+            <a:endParaRPr lang="it-IT" dirty="0"/>
+          </a:p>
+        </p:txBody>
+      </p:sp>
+      <p:sp>
+        <p:nvSpPr>
+          <p:cNvPr id="4" name="Slide Number Placeholder 3">
+            <a:extLst>
+              <a:ext uri="{FF2B5EF4-FFF2-40B4-BE49-F238E27FC236}">
+                <a16:creationId xmlns:a16="http://schemas.microsoft.com/office/drawing/2014/main" id="{9BC632D0-5D88-BD36-A4E8-03B617FFCFB2}"/>
+              </a:ext>
+            </a:extLst>
+          </p:cNvPr>
+          <p:cNvSpPr>
+            <a:spLocks noGrp="1"/>
+          </p:cNvSpPr>
+          <p:nvPr>
+            <p:ph type="sldNum" sz="quarter" idx="5"/>
+          </p:nvPr>
+        </p:nvSpPr>
+        <p:spPr/>
+        <p:txBody>
+          <a:bodyPr/>
+          <a:lstStyle/>
+          <a:p>
+            <a:fld id="{FF159D09-06E0-4732-B940-003DD2D0BA27}" type="slidenum">
+              <a:rPr lang="it-IT" smtClean="0"/>
+              <a:t>2</a:t>
+            </a:fld>
+            <a:endParaRPr lang="it-IT"/>
+          </a:p>
+        </p:txBody>
+      </p:sp>
+    </p:spTree>
+    <p:extLst>
+      <p:ext uri="{BB962C8B-B14F-4D97-AF65-F5344CB8AC3E}">
+        <p14:creationId xmlns:p14="http://schemas.microsoft.com/office/powerpoint/2010/main" val="1929281087"/>
+      </p:ext>
+    </p:extLst>
+  </p:cSld>
+  <p:clrMapOvr>
+    <a:masterClrMapping/>
+  </p:clrMapOvr>
+</p:notes>
+</file>
+
 <file path=ppt/slideLayouts/slideLayout1.xml><?xml version="1.0" encoding="utf-8"?>
 <p:sldLayout xmlns:a="http://schemas.openxmlformats.org/drawingml/2006/main" xmlns:r="http://schemas.openxmlformats.org/officeDocument/2006/relationships" xmlns:p="http://schemas.openxmlformats.org/presentationml/2006/main" type="title" preserve="1">
   <p:cSld name="Diapositiva titolo">
@@ -259,7 +805,7 @@
           <a:p>
             <a:fld id="{46FB4D6B-BD55-42BC-B59A-94D153871167}" type="datetimeFigureOut">
               <a:rPr lang="it-IT" smtClean="0"/>
-              <a:t>09/11/2024</a:t>
+              <a:t>05/12/2024</a:t>
             </a:fld>
             <a:endParaRPr lang="it-IT"/>
           </a:p>
@@ -457,7 +1003,7 @@
           <a:p>
             <a:fld id="{46FB4D6B-BD55-42BC-B59A-94D153871167}" type="datetimeFigureOut">
               <a:rPr lang="it-IT" smtClean="0"/>
-              <a:t>09/11/2024</a:t>
+              <a:t>05/12/2024</a:t>
             </a:fld>
             <a:endParaRPr lang="it-IT"/>
           </a:p>
@@ -665,7 +1211,7 @@
           <a:p>
             <a:fld id="{46FB4D6B-BD55-42BC-B59A-94D153871167}" type="datetimeFigureOut">
               <a:rPr lang="it-IT" smtClean="0"/>
-              <a:t>09/11/2024</a:t>
+              <a:t>05/12/2024</a:t>
             </a:fld>
             <a:endParaRPr lang="it-IT"/>
           </a:p>
@@ -863,7 +1409,7 @@
           <a:p>
             <a:fld id="{46FB4D6B-BD55-42BC-B59A-94D153871167}" type="datetimeFigureOut">
               <a:rPr lang="it-IT" smtClean="0"/>
-              <a:t>09/11/2024</a:t>
+              <a:t>05/12/2024</a:t>
             </a:fld>
             <a:endParaRPr lang="it-IT"/>
           </a:p>
@@ -1138,7 +1684,7 @@
           <a:p>
             <a:fld id="{46FB4D6B-BD55-42BC-B59A-94D153871167}" type="datetimeFigureOut">
               <a:rPr lang="it-IT" smtClean="0"/>
-              <a:t>09/11/2024</a:t>
+              <a:t>05/12/2024</a:t>
             </a:fld>
             <a:endParaRPr lang="it-IT"/>
           </a:p>
@@ -1403,7 +1949,7 @@
           <a:p>
             <a:fld id="{46FB4D6B-BD55-42BC-B59A-94D153871167}" type="datetimeFigureOut">
               <a:rPr lang="it-IT" smtClean="0"/>
-              <a:t>09/11/2024</a:t>
+              <a:t>05/12/2024</a:t>
             </a:fld>
             <a:endParaRPr lang="it-IT"/>
           </a:p>
@@ -1815,7 +2361,7 @@
           <a:p>
             <a:fld id="{46FB4D6B-BD55-42BC-B59A-94D153871167}" type="datetimeFigureOut">
               <a:rPr lang="it-IT" smtClean="0"/>
-              <a:t>09/11/2024</a:t>
+              <a:t>05/12/2024</a:t>
             </a:fld>
             <a:endParaRPr lang="it-IT"/>
           </a:p>
@@ -1956,7 +2502,7 @@
           <a:p>
             <a:fld id="{46FB4D6B-BD55-42BC-B59A-94D153871167}" type="datetimeFigureOut">
               <a:rPr lang="it-IT" smtClean="0"/>
-              <a:t>09/11/2024</a:t>
+              <a:t>05/12/2024</a:t>
             </a:fld>
             <a:endParaRPr lang="it-IT"/>
           </a:p>
@@ -2069,7 +2615,7 @@
           <a:p>
             <a:fld id="{46FB4D6B-BD55-42BC-B59A-94D153871167}" type="datetimeFigureOut">
               <a:rPr lang="it-IT" smtClean="0"/>
-              <a:t>09/11/2024</a:t>
+              <a:t>05/12/2024</a:t>
             </a:fld>
             <a:endParaRPr lang="it-IT"/>
           </a:p>
@@ -2380,7 +2926,7 @@
           <a:p>
             <a:fld id="{46FB4D6B-BD55-42BC-B59A-94D153871167}" type="datetimeFigureOut">
               <a:rPr lang="it-IT" smtClean="0"/>
-              <a:t>09/11/2024</a:t>
+              <a:t>05/12/2024</a:t>
             </a:fld>
             <a:endParaRPr lang="it-IT"/>
           </a:p>
@@ -2668,7 +3214,7 @@
           <a:p>
             <a:fld id="{46FB4D6B-BD55-42BC-B59A-94D153871167}" type="datetimeFigureOut">
               <a:rPr lang="it-IT" smtClean="0"/>
-              <a:t>09/11/2024</a:t>
+              <a:t>05/12/2024</a:t>
             </a:fld>
             <a:endParaRPr lang="it-IT"/>
           </a:p>
@@ -2909,7 +3455,7 @@
           <a:p>
             <a:fld id="{46FB4D6B-BD55-42BC-B59A-94D153871167}" type="datetimeFigureOut">
               <a:rPr lang="it-IT" smtClean="0"/>
-              <a:t>09/11/2024</a:t>
+              <a:t>05/12/2024</a:t>
             </a:fld>
             <a:endParaRPr lang="it-IT"/>
           </a:p>
@@ -3340,8 +3886,8 @@
         </p:nvSpPr>
         <p:spPr>
           <a:xfrm>
-            <a:off x="5353246" y="345651"/>
-            <a:ext cx="1485508" cy="527901"/>
+            <a:off x="5691643" y="198183"/>
+            <a:ext cx="800419" cy="435364"/>
           </a:xfrm>
           <a:prstGeom prst="ellipse">
             <a:avLst/>
@@ -3375,7 +3921,7 @@
           <a:p>
             <a:pPr algn="ctr"/>
             <a:r>
-              <a:rPr lang="it-IT" dirty="0">
+              <a:rPr lang="it-IT" sz="1400" dirty="0">
                 <a:solidFill>
                   <a:schemeClr val="tx1"/>
                 </a:solidFill>
@@ -3387,10 +3933,10 @@
       </p:sp>
       <p:sp>
         <p:nvSpPr>
-          <p:cNvPr id="5" name="Ovale 4">
-            <a:extLst>
-              <a:ext uri="{FF2B5EF4-FFF2-40B4-BE49-F238E27FC236}">
-                <a16:creationId xmlns:a16="http://schemas.microsoft.com/office/drawing/2014/main" id="{4F035D2C-036E-C0DC-847A-F88F479D8800}"/>
+          <p:cNvPr id="6" name="Ovale 5">
+            <a:extLst>
+              <a:ext uri="{FF2B5EF4-FFF2-40B4-BE49-F238E27FC236}">
+                <a16:creationId xmlns:a16="http://schemas.microsoft.com/office/drawing/2014/main" id="{9C7D4885-8133-E2CB-79F5-1C874FF02769}"/>
               </a:ext>
             </a:extLst>
           </p:cNvPr>
@@ -3399,8 +3945,8 @@
         </p:nvSpPr>
         <p:spPr>
           <a:xfrm>
-            <a:off x="1042447" y="2091180"/>
-            <a:ext cx="2190947" cy="527901"/>
+            <a:off x="4326508" y="2147396"/>
+            <a:ext cx="1569173" cy="341069"/>
           </a:xfrm>
           <a:prstGeom prst="ellipse">
             <a:avLst/>
@@ -3434,22 +3980,22 @@
           <a:p>
             <a:pPr algn="ctr"/>
             <a:r>
-              <a:rPr lang="it-IT" dirty="0">
+              <a:rPr lang="it-IT" sz="1400" dirty="0">
                 <a:solidFill>
                   <a:schemeClr val="tx1"/>
                 </a:solidFill>
               </a:rPr>
-              <a:t>Child1 </a:t>
-            </a:r>
-            <a:r>
-              <a:rPr lang="it-IT" dirty="0" err="1">
+              <a:t>Child2 </a:t>
+            </a:r>
+            <a:r>
+              <a:rPr lang="it-IT" sz="1400" dirty="0" err="1">
                 <a:solidFill>
                   <a:schemeClr val="tx1"/>
                 </a:solidFill>
               </a:rPr>
               <a:t>Conj</a:t>
             </a:r>
-            <a:endParaRPr lang="it-IT" dirty="0">
+            <a:endParaRPr lang="it-IT" sz="1400" dirty="0">
               <a:solidFill>
                 <a:schemeClr val="tx1"/>
               </a:solidFill>
@@ -3457,12 +4003,172 @@
           </a:p>
         </p:txBody>
       </p:sp>
-      <p:sp>
-        <p:nvSpPr>
-          <p:cNvPr id="6" name="Ovale 5">
-            <a:extLst>
-              <a:ext uri="{FF2B5EF4-FFF2-40B4-BE49-F238E27FC236}">
-                <a16:creationId xmlns:a16="http://schemas.microsoft.com/office/drawing/2014/main" id="{9C7D4885-8133-E2CB-79F5-1C874FF02769}"/>
+      <p:cxnSp>
+        <p:nvCxnSpPr>
+          <p:cNvPr id="10" name="Connettore diritto 9">
+            <a:extLst>
+              <a:ext uri="{FF2B5EF4-FFF2-40B4-BE49-F238E27FC236}">
+                <a16:creationId xmlns:a16="http://schemas.microsoft.com/office/drawing/2014/main" id="{8497D07A-8F6E-3A4C-D08A-DCAA34AC1C23}"/>
+              </a:ext>
+            </a:extLst>
+          </p:cNvPr>
+          <p:cNvCxnSpPr>
+            <a:cxnSpLocks/>
+            <a:stCxn id="75" idx="0"/>
+            <a:endCxn id="4" idx="4"/>
+          </p:cNvCxnSpPr>
+          <p:nvPr/>
+        </p:nvCxnSpPr>
+        <p:spPr>
+          <a:xfrm flipV="1">
+            <a:off x="3137843" y="633547"/>
+            <a:ext cx="2954010" cy="1534992"/>
+          </a:xfrm>
+          <a:prstGeom prst="line">
+            <a:avLst/>
+          </a:prstGeom>
+        </p:spPr>
+        <p:style>
+          <a:lnRef idx="2">
+            <a:schemeClr val="dk1"/>
+          </a:lnRef>
+          <a:fillRef idx="0">
+            <a:schemeClr val="dk1"/>
+          </a:fillRef>
+          <a:effectRef idx="1">
+            <a:schemeClr val="dk1"/>
+          </a:effectRef>
+          <a:fontRef idx="minor">
+            <a:schemeClr val="tx1"/>
+          </a:fontRef>
+        </p:style>
+      </p:cxnSp>
+      <p:cxnSp>
+        <p:nvCxnSpPr>
+          <p:cNvPr id="11" name="Connettore diritto 10">
+            <a:extLst>
+              <a:ext uri="{FF2B5EF4-FFF2-40B4-BE49-F238E27FC236}">
+                <a16:creationId xmlns:a16="http://schemas.microsoft.com/office/drawing/2014/main" id="{4A754694-3831-EE44-EC01-10D6EB6A949A}"/>
+              </a:ext>
+            </a:extLst>
+          </p:cNvPr>
+          <p:cNvCxnSpPr>
+            <a:cxnSpLocks/>
+            <a:stCxn id="6" idx="0"/>
+            <a:endCxn id="4" idx="4"/>
+          </p:cNvCxnSpPr>
+          <p:nvPr/>
+        </p:nvCxnSpPr>
+        <p:spPr>
+          <a:xfrm flipV="1">
+            <a:off x="5111095" y="633547"/>
+            <a:ext cx="980758" cy="1513849"/>
+          </a:xfrm>
+          <a:prstGeom prst="line">
+            <a:avLst/>
+          </a:prstGeom>
+        </p:spPr>
+        <p:style>
+          <a:lnRef idx="2">
+            <a:schemeClr val="dk1"/>
+          </a:lnRef>
+          <a:fillRef idx="0">
+            <a:schemeClr val="dk1"/>
+          </a:fillRef>
+          <a:effectRef idx="1">
+            <a:schemeClr val="dk1"/>
+          </a:effectRef>
+          <a:fontRef idx="minor">
+            <a:schemeClr val="tx1"/>
+          </a:fontRef>
+        </p:style>
+      </p:cxnSp>
+      <p:cxnSp>
+        <p:nvCxnSpPr>
+          <p:cNvPr id="14" name="Connettore diritto 13">
+            <a:extLst>
+              <a:ext uri="{FF2B5EF4-FFF2-40B4-BE49-F238E27FC236}">
+                <a16:creationId xmlns:a16="http://schemas.microsoft.com/office/drawing/2014/main" id="{06D018F6-0C32-7E0A-305F-7F62B0455BF6}"/>
+              </a:ext>
+            </a:extLst>
+          </p:cNvPr>
+          <p:cNvCxnSpPr>
+            <a:cxnSpLocks/>
+            <a:stCxn id="70" idx="0"/>
+            <a:endCxn id="4" idx="4"/>
+          </p:cNvCxnSpPr>
+          <p:nvPr/>
+        </p:nvCxnSpPr>
+        <p:spPr>
+          <a:xfrm flipH="1" flipV="1">
+            <a:off x="6091853" y="633547"/>
+            <a:ext cx="1013271" cy="1509955"/>
+          </a:xfrm>
+          <a:prstGeom prst="line">
+            <a:avLst/>
+          </a:prstGeom>
+        </p:spPr>
+        <p:style>
+          <a:lnRef idx="2">
+            <a:schemeClr val="dk1"/>
+          </a:lnRef>
+          <a:fillRef idx="0">
+            <a:schemeClr val="dk1"/>
+          </a:fillRef>
+          <a:effectRef idx="1">
+            <a:schemeClr val="dk1"/>
+          </a:effectRef>
+          <a:fontRef idx="minor">
+            <a:schemeClr val="tx1"/>
+          </a:fontRef>
+        </p:style>
+      </p:cxnSp>
+      <p:cxnSp>
+        <p:nvCxnSpPr>
+          <p:cNvPr id="17" name="Connettore diritto 16">
+            <a:extLst>
+              <a:ext uri="{FF2B5EF4-FFF2-40B4-BE49-F238E27FC236}">
+                <a16:creationId xmlns:a16="http://schemas.microsoft.com/office/drawing/2014/main" id="{1552F84E-9A2E-B8FF-B996-A664089A5B3A}"/>
+              </a:ext>
+            </a:extLst>
+          </p:cNvPr>
+          <p:cNvCxnSpPr>
+            <a:cxnSpLocks/>
+            <a:stCxn id="78" idx="0"/>
+            <a:endCxn id="4" idx="4"/>
+          </p:cNvCxnSpPr>
+          <p:nvPr/>
+        </p:nvCxnSpPr>
+        <p:spPr>
+          <a:xfrm flipH="1" flipV="1">
+            <a:off x="6091853" y="633547"/>
+            <a:ext cx="2984697" cy="1513849"/>
+          </a:xfrm>
+          <a:prstGeom prst="line">
+            <a:avLst/>
+          </a:prstGeom>
+        </p:spPr>
+        <p:style>
+          <a:lnRef idx="2">
+            <a:schemeClr val="dk1"/>
+          </a:lnRef>
+          <a:fillRef idx="0">
+            <a:schemeClr val="dk1"/>
+          </a:fillRef>
+          <a:effectRef idx="1">
+            <a:schemeClr val="dk1"/>
+          </a:effectRef>
+          <a:fontRef idx="minor">
+            <a:schemeClr val="tx1"/>
+          </a:fontRef>
+        </p:style>
+      </p:cxnSp>
+      <p:sp>
+        <p:nvSpPr>
+          <p:cNvPr id="25" name="Arco 24">
+            <a:extLst>
+              <a:ext uri="{FF2B5EF4-FFF2-40B4-BE49-F238E27FC236}">
+                <a16:creationId xmlns:a16="http://schemas.microsoft.com/office/drawing/2014/main" id="{59EE3CE0-4A12-13D1-B610-B2503B7A23EB}"/>
               </a:ext>
             </a:extLst>
           </p:cNvPr>
@@ -3470,17 +4176,144 @@
           <p:nvPr/>
         </p:nvSpPr>
         <p:spPr>
+          <a:xfrm rot="10369003">
+            <a:off x="5485397" y="531584"/>
+            <a:ext cx="532222" cy="631596"/>
+          </a:xfrm>
+          <a:prstGeom prst="arc">
+            <a:avLst>
+              <a:gd name="adj1" fmla="val 16647563"/>
+              <a:gd name="adj2" fmla="val 20645540"/>
+            </a:avLst>
+          </a:prstGeom>
+        </p:spPr>
+        <p:style>
+          <a:lnRef idx="2">
+            <a:schemeClr val="dk1"/>
+          </a:lnRef>
+          <a:fillRef idx="0">
+            <a:schemeClr val="dk1"/>
+          </a:fillRef>
+          <a:effectRef idx="1">
+            <a:schemeClr val="dk1"/>
+          </a:effectRef>
+          <a:fontRef idx="minor">
+            <a:schemeClr val="tx1"/>
+          </a:fontRef>
+        </p:style>
+        <p:txBody>
+          <a:bodyPr rtlCol="0" anchor="ctr"/>
+          <a:lstStyle/>
+          <a:p>
+            <a:pPr algn="ctr"/>
+            <a:endParaRPr lang="it-IT"/>
+          </a:p>
+        </p:txBody>
+      </p:sp>
+      <p:cxnSp>
+        <p:nvCxnSpPr>
+          <p:cNvPr id="29" name="Connettore diritto 28">
+            <a:extLst>
+              <a:ext uri="{FF2B5EF4-FFF2-40B4-BE49-F238E27FC236}">
+                <a16:creationId xmlns:a16="http://schemas.microsoft.com/office/drawing/2014/main" id="{30C808FE-DEF1-853D-BA6C-57067CAA902F}"/>
+              </a:ext>
+            </a:extLst>
+          </p:cNvPr>
+          <p:cNvCxnSpPr>
+            <a:cxnSpLocks/>
+            <a:stCxn id="97" idx="0"/>
+            <a:endCxn id="75" idx="4"/>
+          </p:cNvCxnSpPr>
+          <p:nvPr/>
+        </p:nvCxnSpPr>
+        <p:spPr>
+          <a:xfrm flipV="1">
+            <a:off x="2118029" y="2509608"/>
+            <a:ext cx="1019814" cy="1346891"/>
+          </a:xfrm>
+          <a:prstGeom prst="line">
+            <a:avLst/>
+          </a:prstGeom>
+        </p:spPr>
+        <p:style>
+          <a:lnRef idx="2">
+            <a:schemeClr val="dk1"/>
+          </a:lnRef>
+          <a:fillRef idx="0">
+            <a:schemeClr val="dk1"/>
+          </a:fillRef>
+          <a:effectRef idx="1">
+            <a:schemeClr val="dk1"/>
+          </a:effectRef>
+          <a:fontRef idx="minor">
+            <a:schemeClr val="tx1"/>
+          </a:fontRef>
+        </p:style>
+      </p:cxnSp>
+      <p:cxnSp>
+        <p:nvCxnSpPr>
+          <p:cNvPr id="32" name="Connettore diritto 31">
+            <a:extLst>
+              <a:ext uri="{FF2B5EF4-FFF2-40B4-BE49-F238E27FC236}">
+                <a16:creationId xmlns:a16="http://schemas.microsoft.com/office/drawing/2014/main" id="{1271079E-E027-244B-407A-D902DE8149F7}"/>
+              </a:ext>
+            </a:extLst>
+          </p:cNvPr>
+          <p:cNvCxnSpPr>
+            <a:cxnSpLocks/>
+            <a:stCxn id="92" idx="0"/>
+            <a:endCxn id="75" idx="4"/>
+          </p:cNvCxnSpPr>
+          <p:nvPr/>
+        </p:nvCxnSpPr>
+        <p:spPr>
+          <a:xfrm flipH="1" flipV="1">
+            <a:off x="3137843" y="2509608"/>
+            <a:ext cx="975545" cy="1343314"/>
+          </a:xfrm>
+          <a:prstGeom prst="line">
+            <a:avLst/>
+          </a:prstGeom>
+        </p:spPr>
+        <p:style>
+          <a:lnRef idx="2">
+            <a:schemeClr val="dk1"/>
+          </a:lnRef>
+          <a:fillRef idx="0">
+            <a:schemeClr val="dk1"/>
+          </a:fillRef>
+          <a:effectRef idx="1">
+            <a:schemeClr val="dk1"/>
+          </a:effectRef>
+          <a:fontRef idx="minor">
+            <a:schemeClr val="tx1"/>
+          </a:fontRef>
+        </p:style>
+      </p:cxnSp>
+      <p:sp>
+        <p:nvSpPr>
+          <p:cNvPr id="38" name="Rettangolo 37">
+            <a:extLst>
+              <a:ext uri="{FF2B5EF4-FFF2-40B4-BE49-F238E27FC236}">
+                <a16:creationId xmlns:a16="http://schemas.microsoft.com/office/drawing/2014/main" id="{8F3D86CB-531A-3D12-6D2D-CA00EA12081E}"/>
+              </a:ext>
+            </a:extLst>
+          </p:cNvPr>
+          <p:cNvSpPr/>
+          <p:nvPr/>
+        </p:nvSpPr>
+        <p:spPr>
           <a:xfrm>
-            <a:off x="3504414" y="2091179"/>
-            <a:ext cx="2190947" cy="527901"/>
-          </a:xfrm>
-          <a:prstGeom prst="ellipse">
+            <a:off x="6786970" y="3120575"/>
+            <a:ext cx="636307" cy="290228"/>
+          </a:xfrm>
+          <a:prstGeom prst="rect">
             <a:avLst/>
           </a:prstGeom>
           <a:noFill/>
           <a:ln>
             <a:solidFill>
-              <a:srgbClr val="FF0000"/>
+              <a:srgbClr val="00B050"/>
             </a:solidFill>
           </a:ln>
         </p:spPr>
@@ -3506,35 +4339,781 @@
           <a:p>
             <a:pPr algn="ctr"/>
             <a:r>
-              <a:rPr lang="it-IT" dirty="0">
+              <a:rPr lang="it-IT" sz="1200" dirty="0">
                 <a:solidFill>
                   <a:schemeClr val="tx1"/>
                 </a:solidFill>
               </a:rPr>
-              <a:t>Child2 </a:t>
-            </a:r>
-            <a:r>
-              <a:rPr lang="it-IT" dirty="0" err="1">
-                <a:solidFill>
-                  <a:schemeClr val="tx1"/>
-                </a:solidFill>
-              </a:rPr>
+              <a:t>Def3</a:t>
+            </a:r>
+          </a:p>
+        </p:txBody>
+      </p:sp>
+      <p:cxnSp>
+        <p:nvCxnSpPr>
+          <p:cNvPr id="40" name="Connettore diritto 39">
+            <a:extLst>
+              <a:ext uri="{FF2B5EF4-FFF2-40B4-BE49-F238E27FC236}">
+                <a16:creationId xmlns:a16="http://schemas.microsoft.com/office/drawing/2014/main" id="{EED0C264-8D9C-FB8C-F5E4-67F99C9ACFC9}"/>
+              </a:ext>
+            </a:extLst>
+          </p:cNvPr>
+          <p:cNvCxnSpPr>
+            <a:cxnSpLocks/>
+            <a:stCxn id="99" idx="0"/>
+            <a:endCxn id="75" idx="2"/>
+          </p:cNvCxnSpPr>
+          <p:nvPr/>
+        </p:nvCxnSpPr>
+        <p:spPr>
+          <a:xfrm flipV="1">
+            <a:off x="1817606" y="2339074"/>
+            <a:ext cx="535650" cy="273338"/>
+          </a:xfrm>
+          <a:prstGeom prst="line">
+            <a:avLst/>
+          </a:prstGeom>
+        </p:spPr>
+        <p:style>
+          <a:lnRef idx="2">
+            <a:schemeClr val="dk1"/>
+          </a:lnRef>
+          <a:fillRef idx="0">
+            <a:schemeClr val="dk1"/>
+          </a:fillRef>
+          <a:effectRef idx="1">
+            <a:schemeClr val="dk1"/>
+          </a:effectRef>
+          <a:fontRef idx="minor">
+            <a:schemeClr val="tx1"/>
+          </a:fontRef>
+        </p:style>
+      </p:cxnSp>
+      <p:cxnSp>
+        <p:nvCxnSpPr>
+          <p:cNvPr id="41" name="Connettore diritto 40">
+            <a:extLst>
+              <a:ext uri="{FF2B5EF4-FFF2-40B4-BE49-F238E27FC236}">
+                <a16:creationId xmlns:a16="http://schemas.microsoft.com/office/drawing/2014/main" id="{36582056-97A6-2FBF-F509-06DAE6C770FE}"/>
+              </a:ext>
+            </a:extLst>
+          </p:cNvPr>
+          <p:cNvCxnSpPr>
+            <a:cxnSpLocks/>
+            <a:stCxn id="104" idx="0"/>
+            <a:endCxn id="97" idx="4"/>
+          </p:cNvCxnSpPr>
+          <p:nvPr/>
+        </p:nvCxnSpPr>
+        <p:spPr>
+          <a:xfrm flipV="1">
+            <a:off x="2118029" y="4197568"/>
+            <a:ext cx="0" cy="493372"/>
+          </a:xfrm>
+          <a:prstGeom prst="line">
+            <a:avLst/>
+          </a:prstGeom>
+        </p:spPr>
+        <p:style>
+          <a:lnRef idx="2">
+            <a:schemeClr val="dk1"/>
+          </a:lnRef>
+          <a:fillRef idx="0">
+            <a:schemeClr val="dk1"/>
+          </a:fillRef>
+          <a:effectRef idx="1">
+            <a:schemeClr val="dk1"/>
+          </a:effectRef>
+          <a:fontRef idx="minor">
+            <a:schemeClr val="tx1"/>
+          </a:fontRef>
+        </p:style>
+      </p:cxnSp>
+      <p:cxnSp>
+        <p:nvCxnSpPr>
+          <p:cNvPr id="44" name="Connettore diritto 43">
+            <a:extLst>
+              <a:ext uri="{FF2B5EF4-FFF2-40B4-BE49-F238E27FC236}">
+                <a16:creationId xmlns:a16="http://schemas.microsoft.com/office/drawing/2014/main" id="{80ECB97D-12F7-88AF-BB4E-CA6B2545DA2E}"/>
+              </a:ext>
+            </a:extLst>
+          </p:cNvPr>
+          <p:cNvCxnSpPr>
+            <a:cxnSpLocks/>
+            <a:stCxn id="117" idx="0"/>
+            <a:endCxn id="97" idx="5"/>
+          </p:cNvCxnSpPr>
+          <p:nvPr/>
+        </p:nvCxnSpPr>
+        <p:spPr>
+          <a:xfrm flipH="1" flipV="1">
+            <a:off x="2672815" y="4147620"/>
+            <a:ext cx="3424122" cy="560430"/>
+          </a:xfrm>
+          <a:prstGeom prst="line">
+            <a:avLst/>
+          </a:prstGeom>
+        </p:spPr>
+        <p:style>
+          <a:lnRef idx="2">
+            <a:schemeClr val="dk1"/>
+          </a:lnRef>
+          <a:fillRef idx="0">
+            <a:schemeClr val="dk1"/>
+          </a:fillRef>
+          <a:effectRef idx="1">
+            <a:schemeClr val="dk1"/>
+          </a:effectRef>
+          <a:fontRef idx="minor">
+            <a:schemeClr val="tx1"/>
+          </a:fontRef>
+        </p:style>
+      </p:cxnSp>
+      <p:cxnSp>
+        <p:nvCxnSpPr>
+          <p:cNvPr id="47" name="Connettore diritto 46">
+            <a:extLst>
+              <a:ext uri="{FF2B5EF4-FFF2-40B4-BE49-F238E27FC236}">
+                <a16:creationId xmlns:a16="http://schemas.microsoft.com/office/drawing/2014/main" id="{4BA2E704-E274-F477-2B26-296BA84D21E8}"/>
+              </a:ext>
+            </a:extLst>
+          </p:cNvPr>
+          <p:cNvCxnSpPr>
+            <a:cxnSpLocks/>
+            <a:stCxn id="38" idx="0"/>
+            <a:endCxn id="70" idx="4"/>
+          </p:cNvCxnSpPr>
+          <p:nvPr/>
+        </p:nvCxnSpPr>
+        <p:spPr>
+          <a:xfrm flipV="1">
+            <a:off x="7105124" y="2484571"/>
+            <a:ext cx="0" cy="636004"/>
+          </a:xfrm>
+          <a:prstGeom prst="line">
+            <a:avLst/>
+          </a:prstGeom>
+        </p:spPr>
+        <p:style>
+          <a:lnRef idx="2">
+            <a:schemeClr val="dk1"/>
+          </a:lnRef>
+          <a:fillRef idx="0">
+            <a:schemeClr val="dk1"/>
+          </a:fillRef>
+          <a:effectRef idx="1">
+            <a:schemeClr val="dk1"/>
+          </a:effectRef>
+          <a:fontRef idx="minor">
+            <a:schemeClr val="tx1"/>
+          </a:fontRef>
+        </p:style>
+      </p:cxnSp>
+      <p:cxnSp>
+        <p:nvCxnSpPr>
+          <p:cNvPr id="51" name="Connettore diritto 50">
+            <a:extLst>
+              <a:ext uri="{FF2B5EF4-FFF2-40B4-BE49-F238E27FC236}">
+                <a16:creationId xmlns:a16="http://schemas.microsoft.com/office/drawing/2014/main" id="{796131A7-4DC2-8602-EDA1-5D45E3555C13}"/>
+              </a:ext>
+            </a:extLst>
+          </p:cNvPr>
+          <p:cNvCxnSpPr>
+            <a:cxnSpLocks/>
+            <a:stCxn id="89" idx="0"/>
+            <a:endCxn id="6" idx="4"/>
+          </p:cNvCxnSpPr>
+          <p:nvPr/>
+        </p:nvCxnSpPr>
+        <p:spPr>
+          <a:xfrm flipV="1">
+            <a:off x="5111094" y="2488465"/>
+            <a:ext cx="1" cy="638697"/>
+          </a:xfrm>
+          <a:prstGeom prst="line">
+            <a:avLst/>
+          </a:prstGeom>
+        </p:spPr>
+        <p:style>
+          <a:lnRef idx="2">
+            <a:schemeClr val="dk1"/>
+          </a:lnRef>
+          <a:fillRef idx="0">
+            <a:schemeClr val="dk1"/>
+          </a:fillRef>
+          <a:effectRef idx="1">
+            <a:schemeClr val="dk1"/>
+          </a:effectRef>
+          <a:fontRef idx="minor">
+            <a:schemeClr val="tx1"/>
+          </a:fontRef>
+        </p:style>
+      </p:cxnSp>
+      <p:cxnSp>
+        <p:nvCxnSpPr>
+          <p:cNvPr id="57" name="Connettore diritto 56">
+            <a:extLst>
+              <a:ext uri="{FF2B5EF4-FFF2-40B4-BE49-F238E27FC236}">
+                <a16:creationId xmlns:a16="http://schemas.microsoft.com/office/drawing/2014/main" id="{2815E2D5-6C51-F242-5CA2-30DA731FAC01}"/>
+              </a:ext>
+            </a:extLst>
+          </p:cNvPr>
+          <p:cNvCxnSpPr>
+            <a:cxnSpLocks/>
+            <a:endCxn id="78" idx="4"/>
+          </p:cNvCxnSpPr>
+          <p:nvPr/>
+        </p:nvCxnSpPr>
+        <p:spPr>
+          <a:xfrm flipH="1" flipV="1">
+            <a:off x="9076550" y="2488465"/>
+            <a:ext cx="14802" cy="676584"/>
+          </a:xfrm>
+          <a:prstGeom prst="line">
+            <a:avLst/>
+          </a:prstGeom>
+        </p:spPr>
+        <p:style>
+          <a:lnRef idx="2">
+            <a:schemeClr val="dk1"/>
+          </a:lnRef>
+          <a:fillRef idx="0">
+            <a:schemeClr val="dk1"/>
+          </a:fillRef>
+          <a:effectRef idx="1">
+            <a:schemeClr val="dk1"/>
+          </a:effectRef>
+          <a:fontRef idx="minor">
+            <a:schemeClr val="tx1"/>
+          </a:fontRef>
+        </p:style>
+      </p:cxnSp>
+      <p:sp>
+        <p:nvSpPr>
+          <p:cNvPr id="2" name="CasellaDiTesto 1">
+            <a:extLst>
+              <a:ext uri="{FF2B5EF4-FFF2-40B4-BE49-F238E27FC236}">
+                <a16:creationId xmlns:a16="http://schemas.microsoft.com/office/drawing/2014/main" id="{2219FE79-9D57-BF94-A055-C6A73E56643E}"/>
+              </a:ext>
+            </a:extLst>
+          </p:cNvPr>
+          <p:cNvSpPr txBox="1"/>
+          <p:nvPr/>
+        </p:nvSpPr>
+        <p:spPr>
+          <a:xfrm>
+            <a:off x="6418394" y="419525"/>
+            <a:ext cx="3542321" cy="400110"/>
+          </a:xfrm>
+          <a:prstGeom prst="rect">
+            <a:avLst/>
+          </a:prstGeom>
+          <a:noFill/>
+        </p:spPr>
+        <p:txBody>
+          <a:bodyPr wrap="square" rtlCol="0">
+            <a:spAutoFit/>
+          </a:bodyPr>
+          <a:lstStyle/>
+          <a:p>
+            <a:r>
+              <a:rPr lang="it-IT" sz="1000" dirty="0" err="1"/>
+              <a:t>Triggered</a:t>
+            </a:r>
+            <a:r>
+              <a:rPr lang="it-IT" sz="1000" dirty="0"/>
+              <a:t> by log:</a:t>
+            </a:r>
+          </a:p>
+          <a:p>
+            <a:r>
+              <a:rPr lang="it-IT" sz="1000" dirty="0"/>
+              <a:t>«</a:t>
+            </a:r>
+            <a:r>
+              <a:rPr lang="it-IT" sz="1000" dirty="0" err="1"/>
+              <a:t>evil</a:t>
+            </a:r>
+            <a:r>
+              <a:rPr lang="it-IT" sz="1000" dirty="0"/>
+              <a:t> root log»</a:t>
+            </a:r>
+          </a:p>
+        </p:txBody>
+      </p:sp>
+      <p:sp>
+        <p:nvSpPr>
+          <p:cNvPr id="3" name="CasellaDiTesto 2">
+            <a:extLst>
+              <a:ext uri="{FF2B5EF4-FFF2-40B4-BE49-F238E27FC236}">
+                <a16:creationId xmlns:a16="http://schemas.microsoft.com/office/drawing/2014/main" id="{E748383D-3D5E-022A-5E45-37E049EA4CCF}"/>
+              </a:ext>
+            </a:extLst>
+          </p:cNvPr>
+          <p:cNvSpPr txBox="1"/>
+          <p:nvPr/>
+        </p:nvSpPr>
+        <p:spPr>
+          <a:xfrm>
+            <a:off x="1900958" y="1764630"/>
+            <a:ext cx="1854142" cy="400110"/>
+          </a:xfrm>
+          <a:prstGeom prst="rect">
+            <a:avLst/>
+          </a:prstGeom>
+          <a:noFill/>
+        </p:spPr>
+        <p:txBody>
+          <a:bodyPr wrap="square" rtlCol="0">
+            <a:spAutoFit/>
+          </a:bodyPr>
+          <a:lstStyle/>
+          <a:p>
+            <a:r>
+              <a:rPr lang="it-IT" sz="1000" dirty="0" err="1"/>
+              <a:t>Triggered</a:t>
+            </a:r>
+            <a:r>
+              <a:rPr lang="it-IT" sz="1000" dirty="0"/>
+              <a:t> by log: </a:t>
+            </a:r>
+          </a:p>
+          <a:p>
+            <a:r>
+              <a:rPr lang="it-IT" sz="1000" dirty="0"/>
+              <a:t>«</a:t>
+            </a:r>
+            <a:r>
+              <a:rPr lang="it-IT" sz="1000" dirty="0" err="1"/>
+              <a:t>evil</a:t>
+            </a:r>
+            <a:r>
+              <a:rPr lang="it-IT" sz="1000" dirty="0"/>
+              <a:t> Child1 </a:t>
+            </a:r>
+            <a:r>
+              <a:rPr lang="it-IT" sz="1000" dirty="0" err="1"/>
               <a:t>Conj</a:t>
             </a:r>
-            <a:endParaRPr lang="it-IT" dirty="0">
-              <a:solidFill>
-                <a:schemeClr val="tx1"/>
-              </a:solidFill>
-            </a:endParaRPr>
-          </a:p>
-        </p:txBody>
-      </p:sp>
-      <p:sp>
-        <p:nvSpPr>
-          <p:cNvPr id="7" name="Ovale 6">
-            <a:extLst>
-              <a:ext uri="{FF2B5EF4-FFF2-40B4-BE49-F238E27FC236}">
-                <a16:creationId xmlns:a16="http://schemas.microsoft.com/office/drawing/2014/main" id="{DC3EBA1A-A554-7D57-AA71-44A5D3B1F526}"/>
+            <a:r>
+              <a:rPr lang="it-IT" sz="1000" dirty="0"/>
+              <a:t> log»</a:t>
+            </a:r>
+          </a:p>
+        </p:txBody>
+      </p:sp>
+      <p:sp>
+        <p:nvSpPr>
+          <p:cNvPr id="9" name="CasellaDiTesto 8">
+            <a:extLst>
+              <a:ext uri="{FF2B5EF4-FFF2-40B4-BE49-F238E27FC236}">
+                <a16:creationId xmlns:a16="http://schemas.microsoft.com/office/drawing/2014/main" id="{D210CEDB-5213-BDBB-510D-50EC7F605365}"/>
+              </a:ext>
+            </a:extLst>
+          </p:cNvPr>
+          <p:cNvSpPr txBox="1"/>
+          <p:nvPr/>
+        </p:nvSpPr>
+        <p:spPr>
+          <a:xfrm>
+            <a:off x="3906417" y="1764630"/>
+            <a:ext cx="1854142" cy="400110"/>
+          </a:xfrm>
+          <a:prstGeom prst="rect">
+            <a:avLst/>
+          </a:prstGeom>
+          <a:noFill/>
+        </p:spPr>
+        <p:txBody>
+          <a:bodyPr wrap="square" rtlCol="0">
+            <a:spAutoFit/>
+          </a:bodyPr>
+          <a:lstStyle/>
+          <a:p>
+            <a:r>
+              <a:rPr lang="it-IT" sz="1000" dirty="0" err="1"/>
+              <a:t>Triggered</a:t>
+            </a:r>
+            <a:r>
+              <a:rPr lang="it-IT" sz="1000" dirty="0"/>
+              <a:t> by log: </a:t>
+            </a:r>
+          </a:p>
+          <a:p>
+            <a:r>
+              <a:rPr lang="it-IT" sz="1000" dirty="0"/>
+              <a:t>«</a:t>
+            </a:r>
+            <a:r>
+              <a:rPr lang="it-IT" sz="1000" dirty="0" err="1"/>
+              <a:t>evil</a:t>
+            </a:r>
+            <a:r>
+              <a:rPr lang="it-IT" sz="1000" dirty="0"/>
+              <a:t> Child2 </a:t>
+            </a:r>
+            <a:r>
+              <a:rPr lang="it-IT" sz="1000" dirty="0" err="1"/>
+              <a:t>Conj</a:t>
+            </a:r>
+            <a:r>
+              <a:rPr lang="it-IT" sz="1000" dirty="0"/>
+              <a:t> log»</a:t>
+            </a:r>
+          </a:p>
+        </p:txBody>
+      </p:sp>
+      <p:sp>
+        <p:nvSpPr>
+          <p:cNvPr id="60" name="CasellaDiTesto 59">
+            <a:extLst>
+              <a:ext uri="{FF2B5EF4-FFF2-40B4-BE49-F238E27FC236}">
+                <a16:creationId xmlns:a16="http://schemas.microsoft.com/office/drawing/2014/main" id="{32BF27D1-06CD-0A35-5800-73CB52814514}"/>
+              </a:ext>
+            </a:extLst>
+          </p:cNvPr>
+          <p:cNvSpPr txBox="1"/>
+          <p:nvPr/>
+        </p:nvSpPr>
+        <p:spPr>
+          <a:xfrm>
+            <a:off x="6976018" y="1761253"/>
+            <a:ext cx="1854142" cy="400110"/>
+          </a:xfrm>
+          <a:prstGeom prst="rect">
+            <a:avLst/>
+          </a:prstGeom>
+          <a:noFill/>
+        </p:spPr>
+        <p:txBody>
+          <a:bodyPr wrap="square" rtlCol="0">
+            <a:spAutoFit/>
+          </a:bodyPr>
+          <a:lstStyle/>
+          <a:p>
+            <a:r>
+              <a:rPr lang="it-IT" sz="1000" dirty="0" err="1"/>
+              <a:t>Triggered</a:t>
+            </a:r>
+            <a:r>
+              <a:rPr lang="it-IT" sz="1000" dirty="0"/>
+              <a:t> by log: </a:t>
+            </a:r>
+          </a:p>
+          <a:p>
+            <a:r>
+              <a:rPr lang="it-IT" sz="1000" dirty="0"/>
+              <a:t>«</a:t>
+            </a:r>
+            <a:r>
+              <a:rPr lang="it-IT" sz="1000" dirty="0" err="1"/>
+              <a:t>evil</a:t>
+            </a:r>
+            <a:r>
+              <a:rPr lang="it-IT" sz="1000" dirty="0"/>
+              <a:t> Child3 log»</a:t>
+            </a:r>
+          </a:p>
+        </p:txBody>
+      </p:sp>
+      <p:sp>
+        <p:nvSpPr>
+          <p:cNvPr id="61" name="CasellaDiTesto 60">
+            <a:extLst>
+              <a:ext uri="{FF2B5EF4-FFF2-40B4-BE49-F238E27FC236}">
+                <a16:creationId xmlns:a16="http://schemas.microsoft.com/office/drawing/2014/main" id="{1CEBF168-B12C-B78C-71C4-FDA3323BCF95}"/>
+              </a:ext>
+            </a:extLst>
+          </p:cNvPr>
+          <p:cNvSpPr txBox="1"/>
+          <p:nvPr/>
+        </p:nvSpPr>
+        <p:spPr>
+          <a:xfrm>
+            <a:off x="9033644" y="1778309"/>
+            <a:ext cx="1854142" cy="400110"/>
+          </a:xfrm>
+          <a:prstGeom prst="rect">
+            <a:avLst/>
+          </a:prstGeom>
+          <a:noFill/>
+        </p:spPr>
+        <p:txBody>
+          <a:bodyPr wrap="square" rtlCol="0">
+            <a:spAutoFit/>
+          </a:bodyPr>
+          <a:lstStyle/>
+          <a:p>
+            <a:r>
+              <a:rPr lang="it-IT" sz="1000" dirty="0" err="1"/>
+              <a:t>Triggered</a:t>
+            </a:r>
+            <a:r>
+              <a:rPr lang="it-IT" sz="1000" dirty="0"/>
+              <a:t> by log: </a:t>
+            </a:r>
+          </a:p>
+          <a:p>
+            <a:r>
+              <a:rPr lang="it-IT" sz="1000" dirty="0"/>
+              <a:t>«</a:t>
+            </a:r>
+            <a:r>
+              <a:rPr lang="it-IT" sz="1000" dirty="0" err="1"/>
+              <a:t>evil</a:t>
+            </a:r>
+            <a:r>
+              <a:rPr lang="it-IT" sz="1000" dirty="0"/>
+              <a:t> Child4 log»</a:t>
+            </a:r>
+          </a:p>
+        </p:txBody>
+      </p:sp>
+      <p:sp>
+        <p:nvSpPr>
+          <p:cNvPr id="62" name="CasellaDiTesto 61">
+            <a:extLst>
+              <a:ext uri="{FF2B5EF4-FFF2-40B4-BE49-F238E27FC236}">
+                <a16:creationId xmlns:a16="http://schemas.microsoft.com/office/drawing/2014/main" id="{012881E7-522E-FB7B-8B09-FC4A71A72560}"/>
+              </a:ext>
+            </a:extLst>
+          </p:cNvPr>
+          <p:cNvSpPr txBox="1"/>
+          <p:nvPr/>
+        </p:nvSpPr>
+        <p:spPr>
+          <a:xfrm>
+            <a:off x="9060201" y="2802002"/>
+            <a:ext cx="1854142" cy="400110"/>
+          </a:xfrm>
+          <a:prstGeom prst="rect">
+            <a:avLst/>
+          </a:prstGeom>
+          <a:noFill/>
+        </p:spPr>
+        <p:txBody>
+          <a:bodyPr wrap="square" rtlCol="0">
+            <a:spAutoFit/>
+          </a:bodyPr>
+          <a:lstStyle/>
+          <a:p>
+            <a:r>
+              <a:rPr lang="it-IT" sz="1000" dirty="0" err="1"/>
+              <a:t>Triggered</a:t>
+            </a:r>
+            <a:r>
+              <a:rPr lang="it-IT" sz="1000" dirty="0"/>
+              <a:t> by log: </a:t>
+            </a:r>
+          </a:p>
+          <a:p>
+            <a:r>
+              <a:rPr lang="it-IT" sz="1000" dirty="0"/>
+              <a:t>«</a:t>
+            </a:r>
+            <a:r>
+              <a:rPr lang="it-IT" sz="1000" dirty="0" err="1"/>
+              <a:t>evil</a:t>
+            </a:r>
+            <a:r>
+              <a:rPr lang="it-IT" sz="1000" dirty="0"/>
+              <a:t> Child4_1 log»</a:t>
+            </a:r>
+          </a:p>
+        </p:txBody>
+      </p:sp>
+      <p:sp>
+        <p:nvSpPr>
+          <p:cNvPr id="63" name="CasellaDiTesto 62">
+            <a:extLst>
+              <a:ext uri="{FF2B5EF4-FFF2-40B4-BE49-F238E27FC236}">
+                <a16:creationId xmlns:a16="http://schemas.microsoft.com/office/drawing/2014/main" id="{8148EF12-17A9-8CD7-A5F9-601D4AEB4CDF}"/>
+              </a:ext>
+            </a:extLst>
+          </p:cNvPr>
+          <p:cNvSpPr txBox="1"/>
+          <p:nvPr/>
+        </p:nvSpPr>
+        <p:spPr>
+          <a:xfrm>
+            <a:off x="4041539" y="3489374"/>
+            <a:ext cx="1854142" cy="400110"/>
+          </a:xfrm>
+          <a:prstGeom prst="rect">
+            <a:avLst/>
+          </a:prstGeom>
+          <a:noFill/>
+        </p:spPr>
+        <p:txBody>
+          <a:bodyPr wrap="square" rtlCol="0">
+            <a:spAutoFit/>
+          </a:bodyPr>
+          <a:lstStyle/>
+          <a:p>
+            <a:r>
+              <a:rPr lang="it-IT" sz="1000" dirty="0" err="1"/>
+              <a:t>Triggered</a:t>
+            </a:r>
+            <a:r>
+              <a:rPr lang="it-IT" sz="1000" dirty="0"/>
+              <a:t> by log: </a:t>
+            </a:r>
+          </a:p>
+          <a:p>
+            <a:r>
+              <a:rPr lang="it-IT" sz="1000" dirty="0"/>
+              <a:t>«</a:t>
+            </a:r>
+            <a:r>
+              <a:rPr lang="it-IT" sz="1000" dirty="0" err="1"/>
+              <a:t>evil</a:t>
+            </a:r>
+            <a:r>
+              <a:rPr lang="it-IT" sz="1000" dirty="0"/>
+              <a:t> Child1_2 log»</a:t>
+            </a:r>
+          </a:p>
+        </p:txBody>
+      </p:sp>
+      <p:sp>
+        <p:nvSpPr>
+          <p:cNvPr id="64" name="CasellaDiTesto 63">
+            <a:extLst>
+              <a:ext uri="{FF2B5EF4-FFF2-40B4-BE49-F238E27FC236}">
+                <a16:creationId xmlns:a16="http://schemas.microsoft.com/office/drawing/2014/main" id="{7D2DFB62-88DE-92AE-1FC5-F6FAA5773F97}"/>
+              </a:ext>
+            </a:extLst>
+          </p:cNvPr>
+          <p:cNvSpPr txBox="1"/>
+          <p:nvPr/>
+        </p:nvSpPr>
+        <p:spPr>
+          <a:xfrm>
+            <a:off x="1035238" y="3489163"/>
+            <a:ext cx="1783666" cy="415498"/>
+          </a:xfrm>
+          <a:prstGeom prst="rect">
+            <a:avLst/>
+          </a:prstGeom>
+          <a:noFill/>
+        </p:spPr>
+        <p:txBody>
+          <a:bodyPr wrap="square" rtlCol="0">
+            <a:spAutoFit/>
+          </a:bodyPr>
+          <a:lstStyle/>
+          <a:p>
+            <a:r>
+              <a:rPr lang="it-IT" sz="1000" dirty="0" err="1"/>
+              <a:t>Triggered</a:t>
+            </a:r>
+            <a:r>
+              <a:rPr lang="it-IT" sz="1000" dirty="0"/>
+              <a:t> by log: </a:t>
+            </a:r>
+          </a:p>
+          <a:p>
+            <a:r>
+              <a:rPr lang="it-IT" sz="1000" dirty="0"/>
+              <a:t>«</a:t>
+            </a:r>
+            <a:r>
+              <a:rPr lang="it-IT" sz="1000" dirty="0" err="1"/>
+              <a:t>evil</a:t>
+            </a:r>
+            <a:r>
+              <a:rPr lang="it-IT" sz="1000" dirty="0"/>
+              <a:t> Child1_1 log»</a:t>
+            </a:r>
+          </a:p>
+        </p:txBody>
+      </p:sp>
+      <p:cxnSp>
+        <p:nvCxnSpPr>
+          <p:cNvPr id="20" name="Connettore diritto 43">
+            <a:extLst>
+              <a:ext uri="{FF2B5EF4-FFF2-40B4-BE49-F238E27FC236}">
+                <a16:creationId xmlns:a16="http://schemas.microsoft.com/office/drawing/2014/main" id="{7BA9F4C5-82EF-B096-8B83-01D12C2D2540}"/>
+              </a:ext>
+            </a:extLst>
+          </p:cNvPr>
+          <p:cNvCxnSpPr>
+            <a:cxnSpLocks/>
+            <a:stCxn id="117" idx="0"/>
+            <a:endCxn id="70" idx="2"/>
+          </p:cNvCxnSpPr>
+          <p:nvPr/>
+        </p:nvCxnSpPr>
+        <p:spPr>
+          <a:xfrm flipV="1">
+            <a:off x="6096937" y="2314037"/>
+            <a:ext cx="223600" cy="2394013"/>
+          </a:xfrm>
+          <a:prstGeom prst="line">
+            <a:avLst/>
+          </a:prstGeom>
+        </p:spPr>
+        <p:style>
+          <a:lnRef idx="2">
+            <a:schemeClr val="dk1"/>
+          </a:lnRef>
+          <a:fillRef idx="0">
+            <a:schemeClr val="dk1"/>
+          </a:fillRef>
+          <a:effectRef idx="1">
+            <a:schemeClr val="dk1"/>
+          </a:effectRef>
+          <a:fontRef idx="minor">
+            <a:schemeClr val="tx1"/>
+          </a:fontRef>
+        </p:style>
+      </p:cxnSp>
+      <p:cxnSp>
+        <p:nvCxnSpPr>
+          <p:cNvPr id="23" name="Connettore diritto 43">
+            <a:extLst>
+              <a:ext uri="{FF2B5EF4-FFF2-40B4-BE49-F238E27FC236}">
+                <a16:creationId xmlns:a16="http://schemas.microsoft.com/office/drawing/2014/main" id="{AE818C56-81B7-5A89-9D1F-623FABAC4F58}"/>
+              </a:ext>
+            </a:extLst>
+          </p:cNvPr>
+          <p:cNvCxnSpPr>
+            <a:cxnSpLocks/>
+            <a:stCxn id="117" idx="0"/>
+            <a:endCxn id="78" idx="4"/>
+          </p:cNvCxnSpPr>
+          <p:nvPr/>
+        </p:nvCxnSpPr>
+        <p:spPr>
+          <a:xfrm flipV="1">
+            <a:off x="6096937" y="2488465"/>
+            <a:ext cx="2979613" cy="2219585"/>
+          </a:xfrm>
+          <a:prstGeom prst="line">
+            <a:avLst/>
+          </a:prstGeom>
+        </p:spPr>
+        <p:style>
+          <a:lnRef idx="2">
+            <a:schemeClr val="dk1"/>
+          </a:lnRef>
+          <a:fillRef idx="0">
+            <a:schemeClr val="dk1"/>
+          </a:fillRef>
+          <a:effectRef idx="1">
+            <a:schemeClr val="dk1"/>
+          </a:effectRef>
+          <a:fontRef idx="minor">
+            <a:schemeClr val="tx1"/>
+          </a:fontRef>
+        </p:style>
+      </p:cxnSp>
+      <p:sp>
+        <p:nvSpPr>
+          <p:cNvPr id="70" name="Ovale 5">
+            <a:extLst>
+              <a:ext uri="{FF2B5EF4-FFF2-40B4-BE49-F238E27FC236}">
+                <a16:creationId xmlns:a16="http://schemas.microsoft.com/office/drawing/2014/main" id="{7C54D56D-01FB-49E7-F40E-7365F5A54D20}"/>
               </a:ext>
             </a:extLst>
           </p:cNvPr>
@@ -3543,8 +5122,8 @@
         </p:nvSpPr>
         <p:spPr>
           <a:xfrm>
-            <a:off x="6440081" y="2091179"/>
-            <a:ext cx="2190947" cy="527901"/>
+            <a:off x="6320537" y="2143502"/>
+            <a:ext cx="1569173" cy="341069"/>
           </a:xfrm>
           <a:prstGeom prst="ellipse">
             <a:avLst/>
@@ -3578,7 +5157,7 @@
           <a:p>
             <a:pPr algn="ctr"/>
             <a:r>
-              <a:rPr lang="it-IT" dirty="0">
+              <a:rPr lang="it-IT" sz="1400" dirty="0">
                 <a:solidFill>
                   <a:schemeClr val="tx1"/>
                 </a:solidFill>
@@ -3590,10 +5169,10 @@
       </p:sp>
       <p:sp>
         <p:nvSpPr>
-          <p:cNvPr id="8" name="Ovale 7">
-            <a:extLst>
-              <a:ext uri="{FF2B5EF4-FFF2-40B4-BE49-F238E27FC236}">
-                <a16:creationId xmlns:a16="http://schemas.microsoft.com/office/drawing/2014/main" id="{471226E4-A345-1A01-3859-24B0A6FFA5B1}"/>
+          <p:cNvPr id="75" name="Ovale 5">
+            <a:extLst>
+              <a:ext uri="{FF2B5EF4-FFF2-40B4-BE49-F238E27FC236}">
+                <a16:creationId xmlns:a16="http://schemas.microsoft.com/office/drawing/2014/main" id="{96077528-E8C0-B8BE-DAD4-641DE143E81F}"/>
               </a:ext>
             </a:extLst>
           </p:cNvPr>
@@ -3602,8 +5181,8 @@
         </p:nvSpPr>
         <p:spPr>
           <a:xfrm>
-            <a:off x="9587656" y="2069701"/>
-            <a:ext cx="2190947" cy="527901"/>
+            <a:off x="2353256" y="2168539"/>
+            <a:ext cx="1569173" cy="341069"/>
           </a:xfrm>
           <a:prstGeom prst="ellipse">
             <a:avLst/>
@@ -3637,181 +5216,35 @@
           <a:p>
             <a:pPr algn="ctr"/>
             <a:r>
-              <a:rPr lang="it-IT" dirty="0">
+              <a:rPr lang="it-IT" sz="1400" dirty="0">
                 <a:solidFill>
                   <a:schemeClr val="tx1"/>
                 </a:solidFill>
               </a:rPr>
-              <a:t>Child4</a:t>
-            </a:r>
-          </a:p>
-        </p:txBody>
-      </p:sp>
-      <p:cxnSp>
-        <p:nvCxnSpPr>
-          <p:cNvPr id="10" name="Connettore diritto 9">
-            <a:extLst>
-              <a:ext uri="{FF2B5EF4-FFF2-40B4-BE49-F238E27FC236}">
-                <a16:creationId xmlns:a16="http://schemas.microsoft.com/office/drawing/2014/main" id="{8497D07A-8F6E-3A4C-D08A-DCAA34AC1C23}"/>
-              </a:ext>
-            </a:extLst>
-          </p:cNvPr>
-          <p:cNvCxnSpPr>
-            <a:stCxn id="5" idx="0"/>
-            <a:endCxn id="4" idx="4"/>
-          </p:cNvCxnSpPr>
-          <p:nvPr/>
-        </p:nvCxnSpPr>
-        <p:spPr>
-          <a:xfrm flipV="1">
-            <a:off x="2137921" y="873552"/>
-            <a:ext cx="3958079" cy="1217628"/>
-          </a:xfrm>
-          <a:prstGeom prst="line">
-            <a:avLst/>
-          </a:prstGeom>
-        </p:spPr>
-        <p:style>
-          <a:lnRef idx="2">
-            <a:schemeClr val="dk1"/>
-          </a:lnRef>
-          <a:fillRef idx="0">
-            <a:schemeClr val="dk1"/>
-          </a:fillRef>
-          <a:effectRef idx="1">
-            <a:schemeClr val="dk1"/>
-          </a:effectRef>
-          <a:fontRef idx="minor">
-            <a:schemeClr val="tx1"/>
-          </a:fontRef>
-        </p:style>
-      </p:cxnSp>
-      <p:cxnSp>
-        <p:nvCxnSpPr>
-          <p:cNvPr id="11" name="Connettore diritto 10">
-            <a:extLst>
-              <a:ext uri="{FF2B5EF4-FFF2-40B4-BE49-F238E27FC236}">
-                <a16:creationId xmlns:a16="http://schemas.microsoft.com/office/drawing/2014/main" id="{4A754694-3831-EE44-EC01-10D6EB6A949A}"/>
-              </a:ext>
-            </a:extLst>
-          </p:cNvPr>
-          <p:cNvCxnSpPr>
-            <a:cxnSpLocks/>
-            <a:stCxn id="6" idx="0"/>
-            <a:endCxn id="4" idx="4"/>
-          </p:cNvCxnSpPr>
-          <p:nvPr/>
-        </p:nvCxnSpPr>
-        <p:spPr>
-          <a:xfrm flipV="1">
-            <a:off x="4599888" y="873552"/>
-            <a:ext cx="1496112" cy="1217627"/>
-          </a:xfrm>
-          <a:prstGeom prst="line">
-            <a:avLst/>
-          </a:prstGeom>
-        </p:spPr>
-        <p:style>
-          <a:lnRef idx="2">
-            <a:schemeClr val="dk1"/>
-          </a:lnRef>
-          <a:fillRef idx="0">
-            <a:schemeClr val="dk1"/>
-          </a:fillRef>
-          <a:effectRef idx="1">
-            <a:schemeClr val="dk1"/>
-          </a:effectRef>
-          <a:fontRef idx="minor">
-            <a:schemeClr val="tx1"/>
-          </a:fontRef>
-        </p:style>
-      </p:cxnSp>
-      <p:cxnSp>
-        <p:nvCxnSpPr>
-          <p:cNvPr id="14" name="Connettore diritto 13">
-            <a:extLst>
-              <a:ext uri="{FF2B5EF4-FFF2-40B4-BE49-F238E27FC236}">
-                <a16:creationId xmlns:a16="http://schemas.microsoft.com/office/drawing/2014/main" id="{06D018F6-0C32-7E0A-305F-7F62B0455BF6}"/>
-              </a:ext>
-            </a:extLst>
-          </p:cNvPr>
-          <p:cNvCxnSpPr>
-            <a:cxnSpLocks/>
-            <a:stCxn id="7" idx="0"/>
-            <a:endCxn id="4" idx="4"/>
-          </p:cNvCxnSpPr>
-          <p:nvPr/>
-        </p:nvCxnSpPr>
-        <p:spPr>
-          <a:xfrm flipH="1" flipV="1">
-            <a:off x="6096000" y="873552"/>
-            <a:ext cx="1439555" cy="1217627"/>
-          </a:xfrm>
-          <a:prstGeom prst="line">
-            <a:avLst/>
-          </a:prstGeom>
-        </p:spPr>
-        <p:style>
-          <a:lnRef idx="2">
-            <a:schemeClr val="dk1"/>
-          </a:lnRef>
-          <a:fillRef idx="0">
-            <a:schemeClr val="dk1"/>
-          </a:fillRef>
-          <a:effectRef idx="1">
-            <a:schemeClr val="dk1"/>
-          </a:effectRef>
-          <a:fontRef idx="minor">
-            <a:schemeClr val="tx1"/>
-          </a:fontRef>
-        </p:style>
-      </p:cxnSp>
-      <p:cxnSp>
-        <p:nvCxnSpPr>
-          <p:cNvPr id="17" name="Connettore diritto 16">
-            <a:extLst>
-              <a:ext uri="{FF2B5EF4-FFF2-40B4-BE49-F238E27FC236}">
-                <a16:creationId xmlns:a16="http://schemas.microsoft.com/office/drawing/2014/main" id="{1552F84E-9A2E-B8FF-B996-A664089A5B3A}"/>
-              </a:ext>
-            </a:extLst>
-          </p:cNvPr>
-          <p:cNvCxnSpPr>
-            <a:cxnSpLocks/>
-            <a:stCxn id="8" idx="0"/>
-            <a:endCxn id="4" idx="4"/>
-          </p:cNvCxnSpPr>
-          <p:nvPr/>
-        </p:nvCxnSpPr>
-        <p:spPr>
-          <a:xfrm flipH="1" flipV="1">
-            <a:off x="6096000" y="873552"/>
-            <a:ext cx="4587130" cy="1196149"/>
-          </a:xfrm>
-          <a:prstGeom prst="line">
-            <a:avLst/>
-          </a:prstGeom>
-        </p:spPr>
-        <p:style>
-          <a:lnRef idx="2">
-            <a:schemeClr val="dk1"/>
-          </a:lnRef>
-          <a:fillRef idx="0">
-            <a:schemeClr val="dk1"/>
-          </a:fillRef>
-          <a:effectRef idx="1">
-            <a:schemeClr val="dk1"/>
-          </a:effectRef>
-          <a:fontRef idx="minor">
-            <a:schemeClr val="tx1"/>
-          </a:fontRef>
-        </p:style>
-      </p:cxnSp>
-      <p:sp>
-        <p:nvSpPr>
-          <p:cNvPr id="25" name="Arco 24">
-            <a:extLst>
-              <a:ext uri="{FF2B5EF4-FFF2-40B4-BE49-F238E27FC236}">
-                <a16:creationId xmlns:a16="http://schemas.microsoft.com/office/drawing/2014/main" id="{59EE3CE0-4A12-13D1-B610-B2503B7A23EB}"/>
+              <a:t>Child1 </a:t>
+            </a:r>
+            <a:r>
+              <a:rPr lang="it-IT" sz="1400" dirty="0" err="1">
+                <a:solidFill>
+                  <a:schemeClr val="tx1"/>
+                </a:solidFill>
+              </a:rPr>
+              <a:t>Conj</a:t>
+            </a:r>
+            <a:endParaRPr lang="it-IT" sz="1400" dirty="0">
+              <a:solidFill>
+                <a:schemeClr val="tx1"/>
+              </a:solidFill>
+            </a:endParaRPr>
+          </a:p>
+        </p:txBody>
+      </p:sp>
+      <p:sp>
+        <p:nvSpPr>
+          <p:cNvPr id="78" name="Ovale 5">
+            <a:extLst>
+              <a:ext uri="{FF2B5EF4-FFF2-40B4-BE49-F238E27FC236}">
+                <a16:creationId xmlns:a16="http://schemas.microsoft.com/office/drawing/2014/main" id="{07344099-29E0-43BB-D492-059A962B2E31}"/>
               </a:ext>
             </a:extLst>
           </p:cNvPr>
@@ -3819,56 +5252,9 @@
           <p:nvPr/>
         </p:nvSpPr>
         <p:spPr>
-          <a:xfrm rot="10369003">
-            <a:off x="5326059" y="745345"/>
-            <a:ext cx="532222" cy="631596"/>
-          </a:xfrm>
-          <a:prstGeom prst="arc">
-            <a:avLst>
-              <a:gd name="adj1" fmla="val 17637275"/>
-              <a:gd name="adj2" fmla="val 21410007"/>
-            </a:avLst>
-          </a:prstGeom>
-        </p:spPr>
-        <p:style>
-          <a:lnRef idx="2">
-            <a:schemeClr val="dk1"/>
-          </a:lnRef>
-          <a:fillRef idx="0">
-            <a:schemeClr val="dk1"/>
-          </a:fillRef>
-          <a:effectRef idx="1">
-            <a:schemeClr val="dk1"/>
-          </a:effectRef>
-          <a:fontRef idx="minor">
-            <a:schemeClr val="tx1"/>
-          </a:fontRef>
-        </p:style>
-        <p:txBody>
-          <a:bodyPr rtlCol="0" anchor="ctr"/>
-          <a:lstStyle/>
-          <a:p>
-            <a:pPr algn="ctr"/>
-            <a:endParaRPr lang="it-IT"/>
-          </a:p>
-        </p:txBody>
-      </p:sp>
-      <p:sp>
-        <p:nvSpPr>
-          <p:cNvPr id="27" name="Ovale 26">
-            <a:extLst>
-              <a:ext uri="{FF2B5EF4-FFF2-40B4-BE49-F238E27FC236}">
-                <a16:creationId xmlns:a16="http://schemas.microsoft.com/office/drawing/2014/main" id="{0B1F60A2-80D1-6D79-A760-BDF0E868CD7D}"/>
-              </a:ext>
-            </a:extLst>
-          </p:cNvPr>
-          <p:cNvSpPr/>
-          <p:nvPr/>
-        </p:nvSpPr>
-        <p:spPr>
           <a:xfrm>
-            <a:off x="267287" y="3836709"/>
-            <a:ext cx="1550319" cy="527901"/>
+            <a:off x="8291963" y="2147396"/>
+            <a:ext cx="1569173" cy="341069"/>
           </a:xfrm>
           <a:prstGeom prst="ellipse">
             <a:avLst/>
@@ -3902,22 +5288,22 @@
           <a:p>
             <a:pPr algn="ctr"/>
             <a:r>
-              <a:rPr lang="it-IT" dirty="0">
+              <a:rPr lang="it-IT" sz="1400" dirty="0">
                 <a:solidFill>
                   <a:schemeClr val="tx1"/>
                 </a:solidFill>
               </a:rPr>
-              <a:t>Child1_1</a:t>
-            </a:r>
-          </a:p>
-        </p:txBody>
-      </p:sp>
-      <p:sp>
-        <p:nvSpPr>
-          <p:cNvPr id="28" name="Ovale 27">
-            <a:extLst>
-              <a:ext uri="{FF2B5EF4-FFF2-40B4-BE49-F238E27FC236}">
-                <a16:creationId xmlns:a16="http://schemas.microsoft.com/office/drawing/2014/main" id="{BAE47AB8-1C3A-47E7-A7CF-290049853081}"/>
+              <a:t>Child4</a:t>
+            </a:r>
+          </a:p>
+        </p:txBody>
+      </p:sp>
+      <p:sp>
+        <p:nvSpPr>
+          <p:cNvPr id="84" name="Ovale 5">
+            <a:extLst>
+              <a:ext uri="{FF2B5EF4-FFF2-40B4-BE49-F238E27FC236}">
+                <a16:creationId xmlns:a16="http://schemas.microsoft.com/office/drawing/2014/main" id="{239BC89F-493B-9EB6-7995-4D8825EC4F21}"/>
               </a:ext>
             </a:extLst>
           </p:cNvPr>
@@ -3926,8 +5312,8 @@
         </p:nvSpPr>
         <p:spPr>
           <a:xfrm>
-            <a:off x="2458235" y="3836708"/>
-            <a:ext cx="1550318" cy="527901"/>
+            <a:off x="8306765" y="3165049"/>
+            <a:ext cx="1569173" cy="341069"/>
           </a:xfrm>
           <a:prstGeom prst="ellipse">
             <a:avLst/>
@@ -3961,101 +5347,22 @@
           <a:p>
             <a:pPr algn="ctr"/>
             <a:r>
-              <a:rPr lang="it-IT" dirty="0">
+              <a:rPr lang="it-IT" sz="1400" dirty="0">
                 <a:solidFill>
                   <a:schemeClr val="tx1"/>
                 </a:solidFill>
               </a:rPr>
-              <a:t>Child1_2</a:t>
-            </a:r>
-          </a:p>
-        </p:txBody>
-      </p:sp>
-      <p:cxnSp>
-        <p:nvCxnSpPr>
-          <p:cNvPr id="29" name="Connettore diritto 28">
-            <a:extLst>
-              <a:ext uri="{FF2B5EF4-FFF2-40B4-BE49-F238E27FC236}">
-                <a16:creationId xmlns:a16="http://schemas.microsoft.com/office/drawing/2014/main" id="{30C808FE-DEF1-853D-BA6C-57067CAA902F}"/>
-              </a:ext>
-            </a:extLst>
-          </p:cNvPr>
-          <p:cNvCxnSpPr>
-            <a:cxnSpLocks/>
-            <a:endCxn id="5" idx="4"/>
-          </p:cNvCxnSpPr>
-          <p:nvPr/>
-        </p:nvCxnSpPr>
-        <p:spPr>
-          <a:xfrm flipV="1">
-            <a:off x="1042446" y="2619081"/>
-            <a:ext cx="1095475" cy="1217627"/>
-          </a:xfrm>
-          <a:prstGeom prst="line">
-            <a:avLst/>
-          </a:prstGeom>
-        </p:spPr>
-        <p:style>
-          <a:lnRef idx="2">
-            <a:schemeClr val="dk1"/>
-          </a:lnRef>
-          <a:fillRef idx="0">
-            <a:schemeClr val="dk1"/>
-          </a:fillRef>
-          <a:effectRef idx="1">
-            <a:schemeClr val="dk1"/>
-          </a:effectRef>
-          <a:fontRef idx="minor">
-            <a:schemeClr val="tx1"/>
-          </a:fontRef>
-        </p:style>
-      </p:cxnSp>
-      <p:cxnSp>
-        <p:nvCxnSpPr>
-          <p:cNvPr id="32" name="Connettore diritto 31">
-            <a:extLst>
-              <a:ext uri="{FF2B5EF4-FFF2-40B4-BE49-F238E27FC236}">
-                <a16:creationId xmlns:a16="http://schemas.microsoft.com/office/drawing/2014/main" id="{1271079E-E027-244B-407A-D902DE8149F7}"/>
-              </a:ext>
-            </a:extLst>
-          </p:cNvPr>
-          <p:cNvCxnSpPr>
-            <a:cxnSpLocks/>
-            <a:stCxn id="28" idx="0"/>
-            <a:endCxn id="5" idx="4"/>
-          </p:cNvCxnSpPr>
-          <p:nvPr/>
-        </p:nvCxnSpPr>
-        <p:spPr>
-          <a:xfrm flipH="1" flipV="1">
-            <a:off x="2137921" y="2619081"/>
-            <a:ext cx="1095473" cy="1217627"/>
-          </a:xfrm>
-          <a:prstGeom prst="line">
-            <a:avLst/>
-          </a:prstGeom>
-        </p:spPr>
-        <p:style>
-          <a:lnRef idx="2">
-            <a:schemeClr val="dk1"/>
-          </a:lnRef>
-          <a:fillRef idx="0">
-            <a:schemeClr val="dk1"/>
-          </a:fillRef>
-          <a:effectRef idx="1">
-            <a:schemeClr val="dk1"/>
-          </a:effectRef>
-          <a:fontRef idx="minor">
-            <a:schemeClr val="tx1"/>
-          </a:fontRef>
-        </p:style>
-      </p:cxnSp>
-      <p:sp>
-        <p:nvSpPr>
-          <p:cNvPr id="35" name="Rettangolo 34">
-            <a:extLst>
-              <a:ext uri="{FF2B5EF4-FFF2-40B4-BE49-F238E27FC236}">
-                <a16:creationId xmlns:a16="http://schemas.microsoft.com/office/drawing/2014/main" id="{4164C022-41F4-FC5C-F4DA-6303E497170A}"/>
+              <a:t>Child4_1</a:t>
+            </a:r>
+          </a:p>
+        </p:txBody>
+      </p:sp>
+      <p:sp>
+        <p:nvSpPr>
+          <p:cNvPr id="89" name="Rettangolo 37">
+            <a:extLst>
+              <a:ext uri="{FF2B5EF4-FFF2-40B4-BE49-F238E27FC236}">
+                <a16:creationId xmlns:a16="http://schemas.microsoft.com/office/drawing/2014/main" id="{8BB8C949-DA32-1AC2-85EB-0EAB1B8046E4}"/>
               </a:ext>
             </a:extLst>
           </p:cNvPr>
@@ -4064,8 +5371,8 @@
         </p:nvSpPr>
         <p:spPr>
           <a:xfrm>
-            <a:off x="382570" y="4675695"/>
-            <a:ext cx="1319752" cy="527901"/>
+            <a:off x="4798421" y="3127162"/>
+            <a:ext cx="625346" cy="290228"/>
           </a:xfrm>
           <a:prstGeom prst="rect">
             <a:avLst/>
@@ -4099,22 +5406,22 @@
           <a:p>
             <a:pPr algn="ctr"/>
             <a:r>
-              <a:rPr lang="it-IT" dirty="0">
+              <a:rPr lang="it-IT" sz="1200" dirty="0">
                 <a:solidFill>
                   <a:schemeClr val="tx1"/>
                 </a:solidFill>
               </a:rPr>
-              <a:t>Def1_1</a:t>
-            </a:r>
-          </a:p>
-        </p:txBody>
-      </p:sp>
-      <p:sp>
-        <p:nvSpPr>
-          <p:cNvPr id="36" name="Rettangolo 35">
-            <a:extLst>
-              <a:ext uri="{FF2B5EF4-FFF2-40B4-BE49-F238E27FC236}">
-                <a16:creationId xmlns:a16="http://schemas.microsoft.com/office/drawing/2014/main" id="{8F26E65B-519A-B7E8-3633-1B05F5A952A7}"/>
+              <a:t>Def2</a:t>
+            </a:r>
+          </a:p>
+        </p:txBody>
+      </p:sp>
+      <p:sp>
+        <p:nvSpPr>
+          <p:cNvPr id="92" name="Ovale 5">
+            <a:extLst>
+              <a:ext uri="{FF2B5EF4-FFF2-40B4-BE49-F238E27FC236}">
+                <a16:creationId xmlns:a16="http://schemas.microsoft.com/office/drawing/2014/main" id="{F6722159-B4D8-0215-9160-1F51A298E965}"/>
               </a:ext>
             </a:extLst>
           </p:cNvPr>
@@ -4123,16 +5430,16 @@
         </p:nvSpPr>
         <p:spPr>
           <a:xfrm>
-            <a:off x="5035484" y="5615551"/>
-            <a:ext cx="1587737" cy="527901"/>
-          </a:xfrm>
-          <a:prstGeom prst="rect">
+            <a:off x="3328801" y="3852922"/>
+            <a:ext cx="1569173" cy="341069"/>
+          </a:xfrm>
+          <a:prstGeom prst="ellipse">
             <a:avLst/>
           </a:prstGeom>
           <a:noFill/>
           <a:ln>
             <a:solidFill>
-              <a:srgbClr val="00B050"/>
+              <a:srgbClr val="FF0000"/>
             </a:solidFill>
           </a:ln>
         </p:spPr>
@@ -4158,22 +5465,22 @@
           <a:p>
             <a:pPr algn="ctr"/>
             <a:r>
-              <a:rPr lang="it-IT" dirty="0">
+              <a:rPr lang="it-IT" sz="1400" dirty="0">
                 <a:solidFill>
                   <a:schemeClr val="tx1"/>
                 </a:solidFill>
               </a:rPr>
-              <a:t>Def1_2-3-4</a:t>
-            </a:r>
-          </a:p>
-        </p:txBody>
-      </p:sp>
-      <p:sp>
-        <p:nvSpPr>
-          <p:cNvPr id="37" name="Rettangolo 36">
-            <a:extLst>
-              <a:ext uri="{FF2B5EF4-FFF2-40B4-BE49-F238E27FC236}">
-                <a16:creationId xmlns:a16="http://schemas.microsoft.com/office/drawing/2014/main" id="{AA15A440-AB26-34F3-1DE8-A941615373CF}"/>
+              <a:t>Child1_2</a:t>
+            </a:r>
+          </a:p>
+        </p:txBody>
+      </p:sp>
+      <p:sp>
+        <p:nvSpPr>
+          <p:cNvPr id="97" name="Ovale 5">
+            <a:extLst>
+              <a:ext uri="{FF2B5EF4-FFF2-40B4-BE49-F238E27FC236}">
+                <a16:creationId xmlns:a16="http://schemas.microsoft.com/office/drawing/2014/main" id="{5A150EB0-39CD-CC38-D0A6-DB38412F03F3}"/>
               </a:ext>
             </a:extLst>
           </p:cNvPr>
@@ -4182,16 +5489,16 @@
         </p:nvSpPr>
         <p:spPr>
           <a:xfrm>
-            <a:off x="111551" y="2699993"/>
-            <a:ext cx="1319752" cy="527901"/>
-          </a:xfrm>
-          <a:prstGeom prst="rect">
+            <a:off x="1333442" y="3856499"/>
+            <a:ext cx="1569173" cy="341069"/>
+          </a:xfrm>
+          <a:prstGeom prst="ellipse">
             <a:avLst/>
           </a:prstGeom>
           <a:noFill/>
           <a:ln>
             <a:solidFill>
-              <a:srgbClr val="00B050"/>
+              <a:srgbClr val="FF0000"/>
             </a:solidFill>
           </a:ln>
         </p:spPr>
@@ -4217,22 +5524,22 @@
           <a:p>
             <a:pPr algn="ctr"/>
             <a:r>
-              <a:rPr lang="it-IT" dirty="0">
+              <a:rPr lang="it-IT" sz="1400" dirty="0">
                 <a:solidFill>
                   <a:schemeClr val="tx1"/>
                 </a:solidFill>
               </a:rPr>
-              <a:t>Def1</a:t>
-            </a:r>
-          </a:p>
-        </p:txBody>
-      </p:sp>
-      <p:sp>
-        <p:nvSpPr>
-          <p:cNvPr id="38" name="Rettangolo 37">
-            <a:extLst>
-              <a:ext uri="{FF2B5EF4-FFF2-40B4-BE49-F238E27FC236}">
-                <a16:creationId xmlns:a16="http://schemas.microsoft.com/office/drawing/2014/main" id="{8F3D86CB-531A-3D12-6D2D-CA00EA12081E}"/>
+              <a:t>Child1_1</a:t>
+            </a:r>
+          </a:p>
+        </p:txBody>
+      </p:sp>
+      <p:sp>
+        <p:nvSpPr>
+          <p:cNvPr id="99" name="Rettangolo 37">
+            <a:extLst>
+              <a:ext uri="{FF2B5EF4-FFF2-40B4-BE49-F238E27FC236}">
+                <a16:creationId xmlns:a16="http://schemas.microsoft.com/office/drawing/2014/main" id="{3721438A-3A4B-3331-2A7E-AF9AC136E2C6}"/>
               </a:ext>
             </a:extLst>
           </p:cNvPr>
@@ -4241,8 +5548,8 @@
         </p:nvSpPr>
         <p:spPr>
           <a:xfrm>
-            <a:off x="6875679" y="2901099"/>
-            <a:ext cx="1319752" cy="527901"/>
+            <a:off x="1560592" y="2612412"/>
+            <a:ext cx="514028" cy="290228"/>
           </a:xfrm>
           <a:prstGeom prst="rect">
             <a:avLst/>
@@ -4276,181 +5583,22 @@
           <a:p>
             <a:pPr algn="ctr"/>
             <a:r>
-              <a:rPr lang="it-IT" dirty="0">
+              <a:rPr lang="it-IT" sz="1200" dirty="0">
                 <a:solidFill>
                   <a:schemeClr val="tx1"/>
                 </a:solidFill>
               </a:rPr>
-              <a:t>Def3</a:t>
-            </a:r>
-          </a:p>
-        </p:txBody>
-      </p:sp>
-      <p:cxnSp>
-        <p:nvCxnSpPr>
-          <p:cNvPr id="40" name="Connettore diritto 39">
-            <a:extLst>
-              <a:ext uri="{FF2B5EF4-FFF2-40B4-BE49-F238E27FC236}">
-                <a16:creationId xmlns:a16="http://schemas.microsoft.com/office/drawing/2014/main" id="{EED0C264-8D9C-FB8C-F5E4-67F99C9ACFC9}"/>
-              </a:ext>
-            </a:extLst>
-          </p:cNvPr>
-          <p:cNvCxnSpPr>
-            <a:stCxn id="37" idx="0"/>
-            <a:endCxn id="5" idx="2"/>
-          </p:cNvCxnSpPr>
-          <p:nvPr/>
-        </p:nvCxnSpPr>
-        <p:spPr>
-          <a:xfrm flipV="1">
-            <a:off x="771427" y="2355131"/>
-            <a:ext cx="271020" cy="344862"/>
-          </a:xfrm>
-          <a:prstGeom prst="line">
-            <a:avLst/>
-          </a:prstGeom>
-        </p:spPr>
-        <p:style>
-          <a:lnRef idx="2">
-            <a:schemeClr val="dk1"/>
-          </a:lnRef>
-          <a:fillRef idx="0">
-            <a:schemeClr val="dk1"/>
-          </a:fillRef>
-          <a:effectRef idx="1">
-            <a:schemeClr val="dk1"/>
-          </a:effectRef>
-          <a:fontRef idx="minor">
-            <a:schemeClr val="tx1"/>
-          </a:fontRef>
-        </p:style>
-      </p:cxnSp>
-      <p:cxnSp>
-        <p:nvCxnSpPr>
-          <p:cNvPr id="41" name="Connettore diritto 40">
-            <a:extLst>
-              <a:ext uri="{FF2B5EF4-FFF2-40B4-BE49-F238E27FC236}">
-                <a16:creationId xmlns:a16="http://schemas.microsoft.com/office/drawing/2014/main" id="{36582056-97A6-2FBF-F509-06DAE6C770FE}"/>
-              </a:ext>
-            </a:extLst>
-          </p:cNvPr>
-          <p:cNvCxnSpPr>
-            <a:cxnSpLocks/>
-            <a:stCxn id="35" idx="0"/>
-            <a:endCxn id="27" idx="4"/>
-          </p:cNvCxnSpPr>
-          <p:nvPr/>
-        </p:nvCxnSpPr>
-        <p:spPr>
-          <a:xfrm flipV="1">
-            <a:off x="1042446" y="4364610"/>
-            <a:ext cx="1" cy="311085"/>
-          </a:xfrm>
-          <a:prstGeom prst="line">
-            <a:avLst/>
-          </a:prstGeom>
-        </p:spPr>
-        <p:style>
-          <a:lnRef idx="2">
-            <a:schemeClr val="dk1"/>
-          </a:lnRef>
-          <a:fillRef idx="0">
-            <a:schemeClr val="dk1"/>
-          </a:fillRef>
-          <a:effectRef idx="1">
-            <a:schemeClr val="dk1"/>
-          </a:effectRef>
-          <a:fontRef idx="minor">
-            <a:schemeClr val="tx1"/>
-          </a:fontRef>
-        </p:style>
-      </p:cxnSp>
-      <p:cxnSp>
-        <p:nvCxnSpPr>
-          <p:cNvPr id="44" name="Connettore diritto 43">
-            <a:extLst>
-              <a:ext uri="{FF2B5EF4-FFF2-40B4-BE49-F238E27FC236}">
-                <a16:creationId xmlns:a16="http://schemas.microsoft.com/office/drawing/2014/main" id="{80ECB97D-12F7-88AF-BB4E-CA6B2545DA2E}"/>
-              </a:ext>
-            </a:extLst>
-          </p:cNvPr>
-          <p:cNvCxnSpPr>
-            <a:cxnSpLocks/>
-            <a:stCxn id="36" idx="0"/>
-            <a:endCxn id="27" idx="6"/>
-          </p:cNvCxnSpPr>
-          <p:nvPr/>
-        </p:nvCxnSpPr>
-        <p:spPr>
-          <a:xfrm flipH="1" flipV="1">
-            <a:off x="1817606" y="4100660"/>
-            <a:ext cx="4011747" cy="1514891"/>
-          </a:xfrm>
-          <a:prstGeom prst="line">
-            <a:avLst/>
-          </a:prstGeom>
-        </p:spPr>
-        <p:style>
-          <a:lnRef idx="2">
-            <a:schemeClr val="dk1"/>
-          </a:lnRef>
-          <a:fillRef idx="0">
-            <a:schemeClr val="dk1"/>
-          </a:fillRef>
-          <a:effectRef idx="1">
-            <a:schemeClr val="dk1"/>
-          </a:effectRef>
-          <a:fontRef idx="minor">
-            <a:schemeClr val="tx1"/>
-          </a:fontRef>
-        </p:style>
-      </p:cxnSp>
-      <p:cxnSp>
-        <p:nvCxnSpPr>
-          <p:cNvPr id="47" name="Connettore diritto 46">
-            <a:extLst>
-              <a:ext uri="{FF2B5EF4-FFF2-40B4-BE49-F238E27FC236}">
-                <a16:creationId xmlns:a16="http://schemas.microsoft.com/office/drawing/2014/main" id="{4BA2E704-E274-F477-2B26-296BA84D21E8}"/>
-              </a:ext>
-            </a:extLst>
-          </p:cNvPr>
-          <p:cNvCxnSpPr>
-            <a:cxnSpLocks/>
-            <a:stCxn id="38" idx="0"/>
-            <a:endCxn id="7" idx="4"/>
-          </p:cNvCxnSpPr>
-          <p:nvPr/>
-        </p:nvCxnSpPr>
-        <p:spPr>
-          <a:xfrm flipV="1">
-            <a:off x="7535555" y="2619080"/>
-            <a:ext cx="0" cy="282019"/>
-          </a:xfrm>
-          <a:prstGeom prst="line">
-            <a:avLst/>
-          </a:prstGeom>
-        </p:spPr>
-        <p:style>
-          <a:lnRef idx="2">
-            <a:schemeClr val="dk1"/>
-          </a:lnRef>
-          <a:fillRef idx="0">
-            <a:schemeClr val="dk1"/>
-          </a:fillRef>
-          <a:effectRef idx="1">
-            <a:schemeClr val="dk1"/>
-          </a:effectRef>
-          <a:fontRef idx="minor">
-            <a:schemeClr val="tx1"/>
-          </a:fontRef>
-        </p:style>
-      </p:cxnSp>
-      <p:sp>
-        <p:nvSpPr>
-          <p:cNvPr id="50" name="Rettangolo 49">
-            <a:extLst>
-              <a:ext uri="{FF2B5EF4-FFF2-40B4-BE49-F238E27FC236}">
-                <a16:creationId xmlns:a16="http://schemas.microsoft.com/office/drawing/2014/main" id="{93BD2DDA-1B2D-4C0C-602F-EC14F0C8D0D2}"/>
+              <a:t>Def1</a:t>
+            </a:r>
+          </a:p>
+        </p:txBody>
+      </p:sp>
+      <p:sp>
+        <p:nvSpPr>
+          <p:cNvPr id="104" name="Rettangolo 37">
+            <a:extLst>
+              <a:ext uri="{FF2B5EF4-FFF2-40B4-BE49-F238E27FC236}">
+                <a16:creationId xmlns:a16="http://schemas.microsoft.com/office/drawing/2014/main" id="{E144F365-F099-B8F5-F658-F4202B21F4C4}"/>
               </a:ext>
             </a:extLst>
           </p:cNvPr>
@@ -4459,8 +5607,8 @@
         </p:nvSpPr>
         <p:spPr>
           <a:xfrm>
-            <a:off x="3940012" y="2901099"/>
-            <a:ext cx="1319752" cy="527901"/>
+            <a:off x="1790495" y="4690940"/>
+            <a:ext cx="655067" cy="290228"/>
           </a:xfrm>
           <a:prstGeom prst="rect">
             <a:avLst/>
@@ -4494,62 +5642,22 @@
           <a:p>
             <a:pPr algn="ctr"/>
             <a:r>
-              <a:rPr lang="it-IT" dirty="0">
+              <a:rPr lang="it-IT" sz="1200" dirty="0">
                 <a:solidFill>
                   <a:schemeClr val="tx1"/>
                 </a:solidFill>
               </a:rPr>
-              <a:t>Def2</a:t>
-            </a:r>
-          </a:p>
-        </p:txBody>
-      </p:sp>
-      <p:cxnSp>
-        <p:nvCxnSpPr>
-          <p:cNvPr id="51" name="Connettore diritto 50">
-            <a:extLst>
-              <a:ext uri="{FF2B5EF4-FFF2-40B4-BE49-F238E27FC236}">
-                <a16:creationId xmlns:a16="http://schemas.microsoft.com/office/drawing/2014/main" id="{796131A7-4DC2-8602-EDA1-5D45E3555C13}"/>
-              </a:ext>
-            </a:extLst>
-          </p:cNvPr>
-          <p:cNvCxnSpPr>
-            <a:cxnSpLocks/>
-            <a:stCxn id="50" idx="0"/>
-            <a:endCxn id="6" idx="4"/>
-          </p:cNvCxnSpPr>
-          <p:nvPr/>
-        </p:nvCxnSpPr>
-        <p:spPr>
-          <a:xfrm flipV="1">
-            <a:off x="4599888" y="2619080"/>
-            <a:ext cx="0" cy="282019"/>
-          </a:xfrm>
-          <a:prstGeom prst="line">
-            <a:avLst/>
-          </a:prstGeom>
-        </p:spPr>
-        <p:style>
-          <a:lnRef idx="2">
-            <a:schemeClr val="dk1"/>
-          </a:lnRef>
-          <a:fillRef idx="0">
-            <a:schemeClr val="dk1"/>
-          </a:fillRef>
-          <a:effectRef idx="1">
-            <a:schemeClr val="dk1"/>
-          </a:effectRef>
-          <a:fontRef idx="minor">
-            <a:schemeClr val="tx1"/>
-          </a:fontRef>
-        </p:style>
-      </p:cxnSp>
-      <p:sp>
-        <p:nvSpPr>
-          <p:cNvPr id="56" name="Ovale 55">
-            <a:extLst>
-              <a:ext uri="{FF2B5EF4-FFF2-40B4-BE49-F238E27FC236}">
-                <a16:creationId xmlns:a16="http://schemas.microsoft.com/office/drawing/2014/main" id="{A8776615-3692-A28D-8A6B-5770675B7407}"/>
+              <a:t>Def1_1</a:t>
+            </a:r>
+          </a:p>
+        </p:txBody>
+      </p:sp>
+      <p:sp>
+        <p:nvSpPr>
+          <p:cNvPr id="117" name="Rettangolo 37">
+            <a:extLst>
+              <a:ext uri="{FF2B5EF4-FFF2-40B4-BE49-F238E27FC236}">
+                <a16:creationId xmlns:a16="http://schemas.microsoft.com/office/drawing/2014/main" id="{B838D69A-10CF-11A8-8101-91461FAB9C8D}"/>
               </a:ext>
             </a:extLst>
           </p:cNvPr>
@@ -4558,16 +5666,16 @@
         </p:nvSpPr>
         <p:spPr>
           <a:xfrm>
-            <a:off x="9907970" y="3234696"/>
-            <a:ext cx="1550318" cy="527901"/>
-          </a:xfrm>
-          <a:prstGeom prst="ellipse">
+            <a:off x="5595385" y="4708050"/>
+            <a:ext cx="1003103" cy="290228"/>
+          </a:xfrm>
+          <a:prstGeom prst="rect">
             <a:avLst/>
           </a:prstGeom>
           <a:noFill/>
           <a:ln>
             <a:solidFill>
-              <a:srgbClr val="FF0000"/>
+              <a:srgbClr val="00B050"/>
             </a:solidFill>
           </a:ln>
         </p:spPr>
@@ -4593,36 +5701,478 @@
           <a:p>
             <a:pPr algn="ctr"/>
             <a:r>
-              <a:rPr lang="it-IT" dirty="0">
+              <a:rPr lang="it-IT" sz="1200" dirty="0">
                 <a:solidFill>
                   <a:schemeClr val="tx1"/>
                 </a:solidFill>
               </a:rPr>
-              <a:t>Child4_1</a:t>
-            </a:r>
+              <a:t>Def1_2_3_4</a:t>
+            </a:r>
+          </a:p>
+        </p:txBody>
+      </p:sp>
+      <p:sp>
+        <p:nvSpPr>
+          <p:cNvPr id="125" name="CasellaDiTesto 62">
+            <a:extLst>
+              <a:ext uri="{FF2B5EF4-FFF2-40B4-BE49-F238E27FC236}">
+                <a16:creationId xmlns:a16="http://schemas.microsoft.com/office/drawing/2014/main" id="{3D68D70A-59BF-C7D7-3C40-29E4683AAC0B}"/>
+              </a:ext>
+            </a:extLst>
+          </p:cNvPr>
+          <p:cNvSpPr txBox="1"/>
+          <p:nvPr/>
+        </p:nvSpPr>
+        <p:spPr>
+          <a:xfrm>
+            <a:off x="6437821" y="4351342"/>
+            <a:ext cx="1854142" cy="400110"/>
+          </a:xfrm>
+          <a:prstGeom prst="rect">
+            <a:avLst/>
+          </a:prstGeom>
+          <a:noFill/>
+        </p:spPr>
+        <p:txBody>
+          <a:bodyPr wrap="square" rtlCol="0">
+            <a:spAutoFit/>
+          </a:bodyPr>
+          <a:lstStyle/>
+          <a:p>
+            <a:r>
+              <a:rPr lang="it-IT" sz="1000" dirty="0" err="1"/>
+              <a:t>Triggered</a:t>
+            </a:r>
+            <a:r>
+              <a:rPr lang="it-IT" sz="1000" dirty="0"/>
+              <a:t> </a:t>
+            </a:r>
+            <a:r>
+              <a:rPr lang="it-IT" sz="1000" dirty="0" err="1"/>
+              <a:t>upon</a:t>
+            </a:r>
+            <a:r>
+              <a:rPr lang="it-IT" sz="1000" dirty="0"/>
+              <a:t> state: [Child1_1, Child3, Child4]</a:t>
+            </a:r>
+          </a:p>
+        </p:txBody>
+      </p:sp>
+      <p:sp>
+        <p:nvSpPr>
+          <p:cNvPr id="126" name="CasellaDiTesto 62">
+            <a:extLst>
+              <a:ext uri="{FF2B5EF4-FFF2-40B4-BE49-F238E27FC236}">
+                <a16:creationId xmlns:a16="http://schemas.microsoft.com/office/drawing/2014/main" id="{37AE001B-03F1-3696-212F-54D8691DD400}"/>
+              </a:ext>
+            </a:extLst>
+          </p:cNvPr>
+          <p:cNvSpPr txBox="1"/>
+          <p:nvPr/>
+        </p:nvSpPr>
+        <p:spPr>
+          <a:xfrm>
+            <a:off x="3837501" y="2802002"/>
+            <a:ext cx="1854142" cy="400110"/>
+          </a:xfrm>
+          <a:prstGeom prst="rect">
+            <a:avLst/>
+          </a:prstGeom>
+          <a:noFill/>
+        </p:spPr>
+        <p:txBody>
+          <a:bodyPr wrap="square" rtlCol="0">
+            <a:spAutoFit/>
+          </a:bodyPr>
+          <a:lstStyle/>
+          <a:p>
+            <a:r>
+              <a:rPr lang="it-IT" sz="1000" dirty="0" err="1"/>
+              <a:t>Triggered</a:t>
+            </a:r>
+            <a:r>
+              <a:rPr lang="it-IT" sz="1000" dirty="0"/>
+              <a:t> </a:t>
+            </a:r>
+            <a:r>
+              <a:rPr lang="it-IT" sz="1000" dirty="0" err="1"/>
+              <a:t>upon</a:t>
+            </a:r>
+            <a:r>
+              <a:rPr lang="it-IT" sz="1000" dirty="0"/>
+              <a:t> state:</a:t>
+            </a:r>
+          </a:p>
+          <a:p>
+            <a:r>
+              <a:rPr lang="it-IT" sz="1000" dirty="0"/>
+              <a:t>[Child2 </a:t>
+            </a:r>
+            <a:r>
+              <a:rPr lang="it-IT" sz="1000" dirty="0" err="1"/>
+              <a:t>Conj</a:t>
+            </a:r>
+            <a:r>
+              <a:rPr lang="it-IT" sz="1000" dirty="0"/>
+              <a:t>]</a:t>
+            </a:r>
+          </a:p>
+        </p:txBody>
+      </p:sp>
+      <p:sp>
+        <p:nvSpPr>
+          <p:cNvPr id="132" name="CasellaDiTesto 62">
+            <a:extLst>
+              <a:ext uri="{FF2B5EF4-FFF2-40B4-BE49-F238E27FC236}">
+                <a16:creationId xmlns:a16="http://schemas.microsoft.com/office/drawing/2014/main" id="{F9308574-352E-8D9E-71ED-0A2A512197DC}"/>
+              </a:ext>
+            </a:extLst>
+          </p:cNvPr>
+          <p:cNvSpPr txBox="1"/>
+          <p:nvPr/>
+        </p:nvSpPr>
+        <p:spPr>
+          <a:xfrm>
+            <a:off x="7053944" y="2765497"/>
+            <a:ext cx="1854142" cy="400110"/>
+          </a:xfrm>
+          <a:prstGeom prst="rect">
+            <a:avLst/>
+          </a:prstGeom>
+          <a:noFill/>
+        </p:spPr>
+        <p:txBody>
+          <a:bodyPr wrap="square" rtlCol="0">
+            <a:spAutoFit/>
+          </a:bodyPr>
+          <a:lstStyle/>
+          <a:p>
+            <a:r>
+              <a:rPr lang="it-IT" sz="1000" dirty="0" err="1"/>
+              <a:t>Triggered</a:t>
+            </a:r>
+            <a:r>
+              <a:rPr lang="it-IT" sz="1000" dirty="0"/>
+              <a:t> </a:t>
+            </a:r>
+            <a:r>
+              <a:rPr lang="it-IT" sz="1000" dirty="0" err="1"/>
+              <a:t>upon</a:t>
+            </a:r>
+            <a:r>
+              <a:rPr lang="it-IT" sz="1000" dirty="0"/>
+              <a:t> state:</a:t>
+            </a:r>
+          </a:p>
+          <a:p>
+            <a:r>
+              <a:rPr lang="it-IT" sz="1000" dirty="0"/>
+              <a:t>[Child3]</a:t>
+            </a:r>
+          </a:p>
+        </p:txBody>
+      </p:sp>
+      <p:sp>
+        <p:nvSpPr>
+          <p:cNvPr id="136" name="CasellaDiTesto 62">
+            <a:extLst>
+              <a:ext uri="{FF2B5EF4-FFF2-40B4-BE49-F238E27FC236}">
+                <a16:creationId xmlns:a16="http://schemas.microsoft.com/office/drawing/2014/main" id="{7D7B2BBF-8735-A789-238D-5E4C57A03C4D}"/>
+              </a:ext>
+            </a:extLst>
+          </p:cNvPr>
+          <p:cNvSpPr txBox="1"/>
+          <p:nvPr/>
+        </p:nvSpPr>
+        <p:spPr>
+          <a:xfrm>
+            <a:off x="641598" y="2382836"/>
+            <a:ext cx="1854142" cy="400110"/>
+          </a:xfrm>
+          <a:prstGeom prst="rect">
+            <a:avLst/>
+          </a:prstGeom>
+          <a:noFill/>
+        </p:spPr>
+        <p:txBody>
+          <a:bodyPr wrap="square" rtlCol="0">
+            <a:spAutoFit/>
+          </a:bodyPr>
+          <a:lstStyle/>
+          <a:p>
+            <a:r>
+              <a:rPr lang="it-IT" sz="1000" dirty="0" err="1"/>
+              <a:t>Triggered</a:t>
+            </a:r>
+            <a:r>
+              <a:rPr lang="it-IT" sz="1000" dirty="0"/>
+              <a:t> </a:t>
+            </a:r>
+            <a:r>
+              <a:rPr lang="it-IT" sz="1000" dirty="0" err="1"/>
+              <a:t>upon</a:t>
+            </a:r>
+            <a:r>
+              <a:rPr lang="it-IT" sz="1000" dirty="0"/>
+              <a:t> state:</a:t>
+            </a:r>
+          </a:p>
+          <a:p>
+            <a:r>
+              <a:rPr lang="it-IT" sz="1000" dirty="0"/>
+              <a:t>[Child1 </a:t>
+            </a:r>
+            <a:r>
+              <a:rPr lang="it-IT" sz="1000" dirty="0" err="1"/>
+              <a:t>Conj</a:t>
+            </a:r>
+            <a:r>
+              <a:rPr lang="it-IT" sz="1000" dirty="0"/>
+              <a:t>]</a:t>
+            </a:r>
+          </a:p>
+        </p:txBody>
+      </p:sp>
+      <p:sp>
+        <p:nvSpPr>
+          <p:cNvPr id="137" name="CasellaDiTesto 62">
+            <a:extLst>
+              <a:ext uri="{FF2B5EF4-FFF2-40B4-BE49-F238E27FC236}">
+                <a16:creationId xmlns:a16="http://schemas.microsoft.com/office/drawing/2014/main" id="{EA2FCAF5-DE87-F31C-5000-7B6EEFA6F6DD}"/>
+              </a:ext>
+            </a:extLst>
+          </p:cNvPr>
+          <p:cNvSpPr txBox="1"/>
+          <p:nvPr/>
+        </p:nvSpPr>
+        <p:spPr>
+          <a:xfrm>
+            <a:off x="2073276" y="4331742"/>
+            <a:ext cx="1854142" cy="400110"/>
+          </a:xfrm>
+          <a:prstGeom prst="rect">
+            <a:avLst/>
+          </a:prstGeom>
+          <a:noFill/>
+        </p:spPr>
+        <p:txBody>
+          <a:bodyPr wrap="square" rtlCol="0">
+            <a:spAutoFit/>
+          </a:bodyPr>
+          <a:lstStyle/>
+          <a:p>
+            <a:r>
+              <a:rPr lang="it-IT" sz="1000" dirty="0" err="1"/>
+              <a:t>Triggered</a:t>
+            </a:r>
+            <a:r>
+              <a:rPr lang="it-IT" sz="1000" dirty="0"/>
+              <a:t> </a:t>
+            </a:r>
+            <a:r>
+              <a:rPr lang="it-IT" sz="1000" dirty="0" err="1"/>
+              <a:t>upon</a:t>
+            </a:r>
+            <a:r>
+              <a:rPr lang="it-IT" sz="1000" dirty="0"/>
+              <a:t> state:</a:t>
+            </a:r>
+          </a:p>
+          <a:p>
+            <a:r>
+              <a:rPr lang="it-IT" sz="1000" dirty="0"/>
+              <a:t>[Child1_1]</a:t>
+            </a:r>
+          </a:p>
+        </p:txBody>
+      </p:sp>
+    </p:spTree>
+    <p:extLst>
+      <p:ext uri="{BB962C8B-B14F-4D97-AF65-F5344CB8AC3E}">
+        <p14:creationId xmlns:p14="http://schemas.microsoft.com/office/powerpoint/2010/main" val="2317498819"/>
+      </p:ext>
+    </p:extLst>
+  </p:cSld>
+  <p:clrMapOvr>
+    <a:masterClrMapping/>
+  </p:clrMapOvr>
+</p:sld>
+</file>
+
+<file path=ppt/slides/slide2.xml><?xml version="1.0" encoding="utf-8"?>
+<p:sld xmlns:a="http://schemas.openxmlformats.org/drawingml/2006/main" xmlns:r="http://schemas.openxmlformats.org/officeDocument/2006/relationships" xmlns:p="http://schemas.openxmlformats.org/presentationml/2006/main">
+  <p:cSld>
+    <p:spTree>
+      <p:nvGrpSpPr>
+        <p:cNvPr id="1" name="">
+          <a:extLst>
+            <a:ext uri="{FF2B5EF4-FFF2-40B4-BE49-F238E27FC236}">
+              <a16:creationId xmlns:a16="http://schemas.microsoft.com/office/drawing/2014/main" id="{B2BD7CBF-41AB-7B7D-3645-AF71CA2652FB}"/>
+            </a:ext>
+          </a:extLst>
+        </p:cNvPr>
+        <p:cNvGrpSpPr/>
+        <p:nvPr/>
+      </p:nvGrpSpPr>
+      <p:grpSpPr>
+        <a:xfrm>
+          <a:off x="0" y="0"/>
+          <a:ext cx="0" cy="0"/>
+          <a:chOff x="0" y="0"/>
+          <a:chExt cx="0" cy="0"/>
+        </a:xfrm>
+      </p:grpSpPr>
+      <p:sp>
+        <p:nvSpPr>
+          <p:cNvPr id="4" name="Ovale 3">
+            <a:extLst>
+              <a:ext uri="{FF2B5EF4-FFF2-40B4-BE49-F238E27FC236}">
+                <a16:creationId xmlns:a16="http://schemas.microsoft.com/office/drawing/2014/main" id="{62D29B36-B22E-7579-C0D9-B9D222148F76}"/>
+              </a:ext>
+            </a:extLst>
+          </p:cNvPr>
+          <p:cNvSpPr/>
+          <p:nvPr/>
+        </p:nvSpPr>
+        <p:spPr>
+          <a:xfrm>
+            <a:off x="5691643" y="198183"/>
+            <a:ext cx="800419" cy="435364"/>
+          </a:xfrm>
+          <a:prstGeom prst="ellipse">
+            <a:avLst/>
+          </a:prstGeom>
+          <a:noFill/>
+          <a:ln>
+            <a:solidFill>
+              <a:srgbClr val="FF0000"/>
+            </a:solidFill>
+          </a:ln>
+        </p:spPr>
+        <p:style>
+          <a:lnRef idx="2">
+            <a:schemeClr val="accent1">
+              <a:shade val="15000"/>
+            </a:schemeClr>
+          </a:lnRef>
+          <a:fillRef idx="1">
+            <a:schemeClr val="accent1"/>
+          </a:fillRef>
+          <a:effectRef idx="0">
+            <a:schemeClr val="accent1"/>
+          </a:effectRef>
+          <a:fontRef idx="minor">
+            <a:schemeClr val="lt1"/>
+          </a:fontRef>
+        </p:style>
+        <p:txBody>
+          <a:bodyPr rtlCol="0" anchor="ctr"/>
+          <a:lstStyle/>
+          <a:p>
+            <a:pPr algn="ctr"/>
+            <a:r>
+              <a:rPr lang="it-IT" sz="1400" dirty="0">
+                <a:solidFill>
+                  <a:schemeClr val="tx1"/>
+                </a:solidFill>
+              </a:rPr>
+              <a:t>Root</a:t>
+            </a:r>
+          </a:p>
+        </p:txBody>
+      </p:sp>
+      <p:sp>
+        <p:nvSpPr>
+          <p:cNvPr id="6" name="Ovale 5">
+            <a:extLst>
+              <a:ext uri="{FF2B5EF4-FFF2-40B4-BE49-F238E27FC236}">
+                <a16:creationId xmlns:a16="http://schemas.microsoft.com/office/drawing/2014/main" id="{3A71FD95-D2FE-218E-3D3D-494618F4A0FF}"/>
+              </a:ext>
+            </a:extLst>
+          </p:cNvPr>
+          <p:cNvSpPr/>
+          <p:nvPr/>
+        </p:nvSpPr>
+        <p:spPr>
+          <a:xfrm>
+            <a:off x="4863106" y="2110130"/>
+            <a:ext cx="1131635" cy="457887"/>
+          </a:xfrm>
+          <a:prstGeom prst="ellipse">
+            <a:avLst/>
+          </a:prstGeom>
+          <a:noFill/>
+          <a:ln>
+            <a:solidFill>
+              <a:srgbClr val="FF0000"/>
+            </a:solidFill>
+          </a:ln>
+        </p:spPr>
+        <p:style>
+          <a:lnRef idx="2">
+            <a:schemeClr val="accent1">
+              <a:shade val="15000"/>
+            </a:schemeClr>
+          </a:lnRef>
+          <a:fillRef idx="1">
+            <a:schemeClr val="accent1"/>
+          </a:fillRef>
+          <a:effectRef idx="0">
+            <a:schemeClr val="accent1"/>
+          </a:effectRef>
+          <a:fontRef idx="minor">
+            <a:schemeClr val="lt1"/>
+          </a:fontRef>
+        </p:style>
+        <p:txBody>
+          <a:bodyPr rtlCol="0" anchor="ctr"/>
+          <a:lstStyle/>
+          <a:p>
+            <a:pPr algn="ctr"/>
+            <a:r>
+              <a:rPr lang="it-IT" sz="1400" dirty="0">
+                <a:solidFill>
+                  <a:schemeClr val="tx1"/>
+                </a:solidFill>
+              </a:rPr>
+              <a:t>Child2 </a:t>
+            </a:r>
+            <a:r>
+              <a:rPr lang="it-IT" sz="1400" dirty="0" err="1">
+                <a:solidFill>
+                  <a:schemeClr val="tx1"/>
+                </a:solidFill>
+              </a:rPr>
+              <a:t>Conj</a:t>
+            </a:r>
+            <a:endParaRPr lang="it-IT" sz="1400" dirty="0">
+              <a:solidFill>
+                <a:schemeClr val="tx1"/>
+              </a:solidFill>
+            </a:endParaRPr>
           </a:p>
         </p:txBody>
       </p:sp>
       <p:cxnSp>
         <p:nvCxnSpPr>
-          <p:cNvPr id="57" name="Connettore diritto 56">
-            <a:extLst>
-              <a:ext uri="{FF2B5EF4-FFF2-40B4-BE49-F238E27FC236}">
-                <a16:creationId xmlns:a16="http://schemas.microsoft.com/office/drawing/2014/main" id="{2815E2D5-6C51-F242-5CA2-30DA731FAC01}"/>
+          <p:cNvPr id="10" name="Connettore diritto 9">
+            <a:extLst>
+              <a:ext uri="{FF2B5EF4-FFF2-40B4-BE49-F238E27FC236}">
+                <a16:creationId xmlns:a16="http://schemas.microsoft.com/office/drawing/2014/main" id="{ECC5E0B2-0D28-2729-902F-5416C32210DE}"/>
               </a:ext>
             </a:extLst>
           </p:cNvPr>
           <p:cNvCxnSpPr>
             <a:cxnSpLocks/>
-            <a:stCxn id="56" idx="0"/>
-            <a:endCxn id="8" idx="4"/>
+            <a:stCxn id="55" idx="0"/>
+            <a:endCxn id="4" idx="4"/>
           </p:cNvCxnSpPr>
           <p:nvPr/>
         </p:nvCxnSpPr>
         <p:spPr>
           <a:xfrm flipV="1">
-            <a:off x="10683129" y="2597602"/>
-            <a:ext cx="1" cy="637094"/>
+            <a:off x="4094642" y="633547"/>
+            <a:ext cx="1997211" cy="1483985"/>
           </a:xfrm>
           <a:prstGeom prst="line">
             <a:avLst/>
@@ -4643,460 +6193,572 @@
           </a:fontRef>
         </p:style>
       </p:cxnSp>
-      <p:sp>
-        <p:nvSpPr>
-          <p:cNvPr id="2" name="CasellaDiTesto 1">
-            <a:extLst>
-              <a:ext uri="{FF2B5EF4-FFF2-40B4-BE49-F238E27FC236}">
-                <a16:creationId xmlns:a16="http://schemas.microsoft.com/office/drawing/2014/main" id="{2219FE79-9D57-BF94-A055-C6A73E56643E}"/>
-              </a:ext>
-            </a:extLst>
-          </p:cNvPr>
-          <p:cNvSpPr txBox="1"/>
+      <p:cxnSp>
+        <p:nvCxnSpPr>
+          <p:cNvPr id="11" name="Connettore diritto 10">
+            <a:extLst>
+              <a:ext uri="{FF2B5EF4-FFF2-40B4-BE49-F238E27FC236}">
+                <a16:creationId xmlns:a16="http://schemas.microsoft.com/office/drawing/2014/main" id="{741762BF-2BE6-EF5E-09B9-7B8ECC2A7C8C}"/>
+              </a:ext>
+            </a:extLst>
+          </p:cNvPr>
+          <p:cNvCxnSpPr>
+            <a:cxnSpLocks/>
+            <a:stCxn id="6" idx="0"/>
+            <a:endCxn id="4" idx="4"/>
+          </p:cNvCxnSpPr>
           <p:nvPr/>
+        </p:nvCxnSpPr>
+        <p:spPr>
+          <a:xfrm flipV="1">
+            <a:off x="5428924" y="633547"/>
+            <a:ext cx="662929" cy="1476583"/>
+          </a:xfrm>
+          <a:prstGeom prst="line">
+            <a:avLst/>
+          </a:prstGeom>
+        </p:spPr>
+        <p:style>
+          <a:lnRef idx="2">
+            <a:schemeClr val="dk1"/>
+          </a:lnRef>
+          <a:fillRef idx="0">
+            <a:schemeClr val="dk1"/>
+          </a:fillRef>
+          <a:effectRef idx="1">
+            <a:schemeClr val="dk1"/>
+          </a:effectRef>
+          <a:fontRef idx="minor">
+            <a:schemeClr val="tx1"/>
+          </a:fontRef>
+        </p:style>
+      </p:cxnSp>
+      <p:cxnSp>
+        <p:nvCxnSpPr>
+          <p:cNvPr id="14" name="Connettore diritto 13">
+            <a:extLst>
+              <a:ext uri="{FF2B5EF4-FFF2-40B4-BE49-F238E27FC236}">
+                <a16:creationId xmlns:a16="http://schemas.microsoft.com/office/drawing/2014/main" id="{07FCB194-E1DD-6B55-F384-26289885314C}"/>
+              </a:ext>
+            </a:extLst>
+          </p:cNvPr>
+          <p:cNvCxnSpPr>
+            <a:cxnSpLocks/>
+            <a:stCxn id="70" idx="0"/>
+            <a:endCxn id="4" idx="4"/>
+          </p:cNvCxnSpPr>
+          <p:nvPr/>
+        </p:nvCxnSpPr>
+        <p:spPr>
+          <a:xfrm flipH="1" flipV="1">
+            <a:off x="6091853" y="633547"/>
+            <a:ext cx="595786" cy="1534991"/>
+          </a:xfrm>
+          <a:prstGeom prst="line">
+            <a:avLst/>
+          </a:prstGeom>
+        </p:spPr>
+        <p:style>
+          <a:lnRef idx="2">
+            <a:schemeClr val="dk1"/>
+          </a:lnRef>
+          <a:fillRef idx="0">
+            <a:schemeClr val="dk1"/>
+          </a:fillRef>
+          <a:effectRef idx="1">
+            <a:schemeClr val="dk1"/>
+          </a:effectRef>
+          <a:fontRef idx="minor">
+            <a:schemeClr val="tx1"/>
+          </a:fontRef>
+        </p:style>
+      </p:cxnSp>
+      <p:cxnSp>
+        <p:nvCxnSpPr>
+          <p:cNvPr id="17" name="Connettore diritto 16">
+            <a:extLst>
+              <a:ext uri="{FF2B5EF4-FFF2-40B4-BE49-F238E27FC236}">
+                <a16:creationId xmlns:a16="http://schemas.microsoft.com/office/drawing/2014/main" id="{020606A3-53D2-95DA-01C6-725DE1169E88}"/>
+              </a:ext>
+            </a:extLst>
+          </p:cNvPr>
+          <p:cNvCxnSpPr>
+            <a:cxnSpLocks/>
+            <a:stCxn id="35" idx="0"/>
+            <a:endCxn id="4" idx="4"/>
+          </p:cNvCxnSpPr>
+          <p:nvPr/>
+        </p:nvCxnSpPr>
+        <p:spPr>
+          <a:xfrm flipH="1" flipV="1">
+            <a:off x="6091853" y="633547"/>
+            <a:ext cx="1924487" cy="1520978"/>
+          </a:xfrm>
+          <a:prstGeom prst="line">
+            <a:avLst/>
+          </a:prstGeom>
+        </p:spPr>
+        <p:style>
+          <a:lnRef idx="2">
+            <a:schemeClr val="dk1"/>
+          </a:lnRef>
+          <a:fillRef idx="0">
+            <a:schemeClr val="dk1"/>
+          </a:fillRef>
+          <a:effectRef idx="1">
+            <a:schemeClr val="dk1"/>
+          </a:effectRef>
+          <a:fontRef idx="minor">
+            <a:schemeClr val="tx1"/>
+          </a:fontRef>
+        </p:style>
+      </p:cxnSp>
+      <p:sp>
+        <p:nvSpPr>
+          <p:cNvPr id="25" name="Arco 24">
+            <a:extLst>
+              <a:ext uri="{FF2B5EF4-FFF2-40B4-BE49-F238E27FC236}">
+                <a16:creationId xmlns:a16="http://schemas.microsoft.com/office/drawing/2014/main" id="{DAAE3F31-1889-7517-C671-9EAA3526EEEA}"/>
+              </a:ext>
+            </a:extLst>
+          </p:cNvPr>
+          <p:cNvSpPr/>
+          <p:nvPr/>
+        </p:nvSpPr>
+        <p:spPr>
+          <a:xfrm rot="10369003">
+            <a:off x="5550802" y="615487"/>
+            <a:ext cx="532222" cy="631596"/>
+          </a:xfrm>
+          <a:prstGeom prst="arc">
+            <a:avLst>
+              <a:gd name="adj1" fmla="val 16647563"/>
+              <a:gd name="adj2" fmla="val 20645540"/>
+            </a:avLst>
+          </a:prstGeom>
+        </p:spPr>
+        <p:style>
+          <a:lnRef idx="2">
+            <a:schemeClr val="dk1"/>
+          </a:lnRef>
+          <a:fillRef idx="0">
+            <a:schemeClr val="dk1"/>
+          </a:fillRef>
+          <a:effectRef idx="1">
+            <a:schemeClr val="dk1"/>
+          </a:effectRef>
+          <a:fontRef idx="minor">
+            <a:schemeClr val="tx1"/>
+          </a:fontRef>
+        </p:style>
+        <p:txBody>
+          <a:bodyPr rtlCol="0" anchor="ctr"/>
+          <a:lstStyle/>
+          <a:p>
+            <a:pPr algn="ctr"/>
+            <a:endParaRPr lang="it-IT"/>
+          </a:p>
+        </p:txBody>
+      </p:sp>
+      <p:cxnSp>
+        <p:nvCxnSpPr>
+          <p:cNvPr id="29" name="Connettore diritto 28">
+            <a:extLst>
+              <a:ext uri="{FF2B5EF4-FFF2-40B4-BE49-F238E27FC236}">
+                <a16:creationId xmlns:a16="http://schemas.microsoft.com/office/drawing/2014/main" id="{E3E37275-C47C-6A95-20E3-99133B362A8E}"/>
+              </a:ext>
+            </a:extLst>
+          </p:cNvPr>
+          <p:cNvCxnSpPr>
+            <a:cxnSpLocks/>
+            <a:stCxn id="97" idx="0"/>
+            <a:endCxn id="55" idx="4"/>
+          </p:cNvCxnSpPr>
+          <p:nvPr/>
+        </p:nvCxnSpPr>
+        <p:spPr>
+          <a:xfrm flipV="1">
+            <a:off x="3378175" y="2575419"/>
+            <a:ext cx="716467" cy="1109151"/>
+          </a:xfrm>
+          <a:prstGeom prst="line">
+            <a:avLst/>
+          </a:prstGeom>
+        </p:spPr>
+        <p:style>
+          <a:lnRef idx="2">
+            <a:schemeClr val="dk1"/>
+          </a:lnRef>
+          <a:fillRef idx="0">
+            <a:schemeClr val="dk1"/>
+          </a:fillRef>
+          <a:effectRef idx="1">
+            <a:schemeClr val="dk1"/>
+          </a:effectRef>
+          <a:fontRef idx="minor">
+            <a:schemeClr val="tx1"/>
+          </a:fontRef>
+        </p:style>
+      </p:cxnSp>
+      <p:cxnSp>
+        <p:nvCxnSpPr>
+          <p:cNvPr id="32" name="Connettore diritto 31">
+            <a:extLst>
+              <a:ext uri="{FF2B5EF4-FFF2-40B4-BE49-F238E27FC236}">
+                <a16:creationId xmlns:a16="http://schemas.microsoft.com/office/drawing/2014/main" id="{21770F29-6EEE-8CE9-83C4-9DC9524A7CD4}"/>
+              </a:ext>
+            </a:extLst>
+          </p:cNvPr>
+          <p:cNvCxnSpPr>
+            <a:cxnSpLocks/>
+            <a:stCxn id="92" idx="0"/>
+            <a:endCxn id="55" idx="4"/>
+          </p:cNvCxnSpPr>
+          <p:nvPr/>
+        </p:nvCxnSpPr>
+        <p:spPr>
+          <a:xfrm flipH="1" flipV="1">
+            <a:off x="4094642" y="2575419"/>
+            <a:ext cx="715873" cy="1114314"/>
+          </a:xfrm>
+          <a:prstGeom prst="line">
+            <a:avLst/>
+          </a:prstGeom>
+        </p:spPr>
+        <p:style>
+          <a:lnRef idx="2">
+            <a:schemeClr val="dk1"/>
+          </a:lnRef>
+          <a:fillRef idx="0">
+            <a:schemeClr val="dk1"/>
+          </a:fillRef>
+          <a:effectRef idx="1">
+            <a:schemeClr val="dk1"/>
+          </a:effectRef>
+          <a:fontRef idx="minor">
+            <a:schemeClr val="tx1"/>
+          </a:fontRef>
+        </p:style>
+      </p:cxnSp>
+      <p:sp>
+        <p:nvSpPr>
+          <p:cNvPr id="38" name="Rettangolo 37">
+            <a:extLst>
+              <a:ext uri="{FF2B5EF4-FFF2-40B4-BE49-F238E27FC236}">
+                <a16:creationId xmlns:a16="http://schemas.microsoft.com/office/drawing/2014/main" id="{AFA07D41-02F4-2780-B145-9E3F5D409232}"/>
+              </a:ext>
+            </a:extLst>
+          </p:cNvPr>
+          <p:cNvSpPr/>
+          <p:nvPr/>
         </p:nvSpPr>
         <p:spPr>
           <a:xfrm>
-            <a:off x="6838754" y="455713"/>
-            <a:ext cx="3542321" cy="307777"/>
+            <a:off x="6378775" y="3015724"/>
+            <a:ext cx="636307" cy="290228"/>
           </a:xfrm>
           <a:prstGeom prst="rect">
             <a:avLst/>
           </a:prstGeom>
           <a:noFill/>
-        </p:spPr>
-        <p:txBody>
-          <a:bodyPr wrap="square" rtlCol="0">
-            <a:spAutoFit/>
-          </a:bodyPr>
-          <a:lstStyle/>
-          <a:p>
-            <a:r>
-              <a:rPr lang="it-IT" sz="1400" dirty="0" err="1"/>
-              <a:t>Triggered</a:t>
-            </a:r>
-            <a:r>
-              <a:rPr lang="it-IT" sz="1400" dirty="0"/>
-              <a:t> by log: «</a:t>
-            </a:r>
-            <a:r>
-              <a:rPr lang="it-IT" sz="1400" dirty="0" err="1"/>
-              <a:t>evil</a:t>
-            </a:r>
-            <a:r>
-              <a:rPr lang="it-IT" sz="1400" dirty="0"/>
-              <a:t> root log»</a:t>
-            </a:r>
-          </a:p>
-        </p:txBody>
-      </p:sp>
-      <p:sp>
-        <p:nvSpPr>
-          <p:cNvPr id="3" name="CasellaDiTesto 2">
-            <a:extLst>
-              <a:ext uri="{FF2B5EF4-FFF2-40B4-BE49-F238E27FC236}">
-                <a16:creationId xmlns:a16="http://schemas.microsoft.com/office/drawing/2014/main" id="{E748383D-3D5E-022A-5E45-37E049EA4CCF}"/>
-              </a:ext>
-            </a:extLst>
-          </p:cNvPr>
-          <p:cNvSpPr txBox="1"/>
+          <a:ln>
+            <a:solidFill>
+              <a:srgbClr val="00B050"/>
+            </a:solidFill>
+          </a:ln>
+        </p:spPr>
+        <p:style>
+          <a:lnRef idx="2">
+            <a:schemeClr val="accent1">
+              <a:shade val="15000"/>
+            </a:schemeClr>
+          </a:lnRef>
+          <a:fillRef idx="1">
+            <a:schemeClr val="accent1"/>
+          </a:fillRef>
+          <a:effectRef idx="0">
+            <a:schemeClr val="accent1"/>
+          </a:effectRef>
+          <a:fontRef idx="minor">
+            <a:schemeClr val="lt1"/>
+          </a:fontRef>
+        </p:style>
+        <p:txBody>
+          <a:bodyPr rtlCol="0" anchor="ctr"/>
+          <a:lstStyle/>
+          <a:p>
+            <a:pPr algn="ctr"/>
+            <a:r>
+              <a:rPr lang="it-IT" sz="1200" dirty="0">
+                <a:solidFill>
+                  <a:schemeClr val="tx1"/>
+                </a:solidFill>
+              </a:rPr>
+              <a:t>Def3</a:t>
+            </a:r>
+          </a:p>
+        </p:txBody>
+      </p:sp>
+      <p:cxnSp>
+        <p:nvCxnSpPr>
+          <p:cNvPr id="40" name="Connettore diritto 39">
+            <a:extLst>
+              <a:ext uri="{FF2B5EF4-FFF2-40B4-BE49-F238E27FC236}">
+                <a16:creationId xmlns:a16="http://schemas.microsoft.com/office/drawing/2014/main" id="{A39DE59B-33BB-C618-0857-E7C3E5E157A3}"/>
+              </a:ext>
+            </a:extLst>
+          </p:cNvPr>
+          <p:cNvCxnSpPr>
+            <a:cxnSpLocks/>
+            <a:stCxn id="99" idx="0"/>
+            <a:endCxn id="55" idx="2"/>
+          </p:cNvCxnSpPr>
           <p:nvPr/>
-        </p:nvSpPr>
-        <p:spPr>
-          <a:xfrm>
-            <a:off x="378640" y="1650663"/>
-            <a:ext cx="1854142" cy="461665"/>
-          </a:xfrm>
-          <a:prstGeom prst="rect">
+        </p:nvCxnSpPr>
+        <p:spPr>
+          <a:xfrm flipV="1">
+            <a:off x="3210671" y="2346476"/>
+            <a:ext cx="318153" cy="201174"/>
+          </a:xfrm>
+          <a:prstGeom prst="line">
             <a:avLst/>
           </a:prstGeom>
-          <a:noFill/>
-        </p:spPr>
-        <p:txBody>
-          <a:bodyPr wrap="square" rtlCol="0">
-            <a:spAutoFit/>
-          </a:bodyPr>
-          <a:lstStyle/>
-          <a:p>
-            <a:r>
-              <a:rPr lang="it-IT" sz="1200" dirty="0" err="1"/>
-              <a:t>Triggered</a:t>
-            </a:r>
-            <a:r>
-              <a:rPr lang="it-IT" sz="1200" dirty="0"/>
-              <a:t> by log: </a:t>
-            </a:r>
-          </a:p>
-          <a:p>
-            <a:r>
-              <a:rPr lang="it-IT" sz="1200" dirty="0"/>
-              <a:t>«</a:t>
-            </a:r>
-            <a:r>
-              <a:rPr lang="it-IT" sz="1200" dirty="0" err="1"/>
-              <a:t>evil</a:t>
-            </a:r>
-            <a:r>
-              <a:rPr lang="it-IT" sz="1200" dirty="0"/>
-              <a:t> Child1 </a:t>
-            </a:r>
-            <a:r>
-              <a:rPr lang="it-IT" sz="1200" dirty="0" err="1"/>
-              <a:t>Conj</a:t>
-            </a:r>
-            <a:r>
-              <a:rPr lang="it-IT" sz="1200" dirty="0"/>
-              <a:t> log»</a:t>
-            </a:r>
-          </a:p>
-        </p:txBody>
-      </p:sp>
-      <p:sp>
-        <p:nvSpPr>
-          <p:cNvPr id="9" name="CasellaDiTesto 8">
-            <a:extLst>
-              <a:ext uri="{FF2B5EF4-FFF2-40B4-BE49-F238E27FC236}">
-                <a16:creationId xmlns:a16="http://schemas.microsoft.com/office/drawing/2014/main" id="{D210CEDB-5213-BDBB-510D-50EC7F605365}"/>
-              </a:ext>
-            </a:extLst>
-          </p:cNvPr>
-          <p:cNvSpPr txBox="1"/>
+        </p:spPr>
+        <p:style>
+          <a:lnRef idx="2">
+            <a:schemeClr val="dk1"/>
+          </a:lnRef>
+          <a:fillRef idx="0">
+            <a:schemeClr val="dk1"/>
+          </a:fillRef>
+          <a:effectRef idx="1">
+            <a:schemeClr val="dk1"/>
+          </a:effectRef>
+          <a:fontRef idx="minor">
+            <a:schemeClr val="tx1"/>
+          </a:fontRef>
+        </p:style>
+      </p:cxnSp>
+      <p:cxnSp>
+        <p:nvCxnSpPr>
+          <p:cNvPr id="41" name="Connettore diritto 40">
+            <a:extLst>
+              <a:ext uri="{FF2B5EF4-FFF2-40B4-BE49-F238E27FC236}">
+                <a16:creationId xmlns:a16="http://schemas.microsoft.com/office/drawing/2014/main" id="{6395A885-8172-05AB-C793-A2E12C019C88}"/>
+              </a:ext>
+            </a:extLst>
+          </p:cNvPr>
+          <p:cNvCxnSpPr>
+            <a:cxnSpLocks/>
+            <a:stCxn id="104" idx="0"/>
+            <a:endCxn id="97" idx="4"/>
+          </p:cNvCxnSpPr>
           <p:nvPr/>
-        </p:nvSpPr>
-        <p:spPr>
-          <a:xfrm>
-            <a:off x="4961636" y="1671812"/>
-            <a:ext cx="1854142" cy="461665"/>
-          </a:xfrm>
-          <a:prstGeom prst="rect">
+        </p:nvCxnSpPr>
+        <p:spPr>
+          <a:xfrm flipV="1">
+            <a:off x="3378175" y="4025639"/>
+            <a:ext cx="0" cy="483332"/>
+          </a:xfrm>
+          <a:prstGeom prst="line">
             <a:avLst/>
           </a:prstGeom>
-          <a:noFill/>
-        </p:spPr>
-        <p:txBody>
-          <a:bodyPr wrap="square" rtlCol="0">
-            <a:spAutoFit/>
-          </a:bodyPr>
-          <a:lstStyle/>
-          <a:p>
-            <a:r>
-              <a:rPr lang="it-IT" sz="1200" dirty="0" err="1"/>
-              <a:t>Triggered</a:t>
-            </a:r>
-            <a:r>
-              <a:rPr lang="it-IT" sz="1200" dirty="0"/>
-              <a:t> by log: </a:t>
-            </a:r>
-          </a:p>
-          <a:p>
-            <a:r>
-              <a:rPr lang="it-IT" sz="1200" dirty="0"/>
-              <a:t>«</a:t>
-            </a:r>
-            <a:r>
-              <a:rPr lang="it-IT" sz="1200" dirty="0" err="1"/>
-              <a:t>evil</a:t>
-            </a:r>
-            <a:r>
-              <a:rPr lang="it-IT" sz="1200" dirty="0"/>
-              <a:t> Child2 </a:t>
-            </a:r>
-            <a:r>
-              <a:rPr lang="it-IT" sz="1200" dirty="0" err="1"/>
-              <a:t>Conj</a:t>
-            </a:r>
-            <a:r>
-              <a:rPr lang="it-IT" sz="1200" dirty="0"/>
-              <a:t> log»</a:t>
-            </a:r>
-          </a:p>
-        </p:txBody>
-      </p:sp>
-      <p:sp>
-        <p:nvSpPr>
-          <p:cNvPr id="60" name="CasellaDiTesto 59">
-            <a:extLst>
-              <a:ext uri="{FF2B5EF4-FFF2-40B4-BE49-F238E27FC236}">
-                <a16:creationId xmlns:a16="http://schemas.microsoft.com/office/drawing/2014/main" id="{32BF27D1-06CD-0A35-5800-73CB52814514}"/>
-              </a:ext>
-            </a:extLst>
-          </p:cNvPr>
-          <p:cNvSpPr txBox="1"/>
+        </p:spPr>
+        <p:style>
+          <a:lnRef idx="2">
+            <a:schemeClr val="dk1"/>
+          </a:lnRef>
+          <a:fillRef idx="0">
+            <a:schemeClr val="dk1"/>
+          </a:fillRef>
+          <a:effectRef idx="1">
+            <a:schemeClr val="dk1"/>
+          </a:effectRef>
+          <a:fontRef idx="minor">
+            <a:schemeClr val="tx1"/>
+          </a:fontRef>
+        </p:style>
+      </p:cxnSp>
+      <p:cxnSp>
+        <p:nvCxnSpPr>
+          <p:cNvPr id="44" name="Connettore diritto 43">
+            <a:extLst>
+              <a:ext uri="{FF2B5EF4-FFF2-40B4-BE49-F238E27FC236}">
+                <a16:creationId xmlns:a16="http://schemas.microsoft.com/office/drawing/2014/main" id="{487B1104-FB38-FB66-C067-052674F32883}"/>
+              </a:ext>
+            </a:extLst>
+          </p:cNvPr>
+          <p:cNvCxnSpPr>
+            <a:cxnSpLocks/>
+            <a:stCxn id="117" idx="0"/>
+            <a:endCxn id="97" idx="5"/>
+          </p:cNvCxnSpPr>
           <p:nvPr/>
-        </p:nvSpPr>
-        <p:spPr>
-          <a:xfrm>
-            <a:off x="7462494" y="1608036"/>
-            <a:ext cx="1854142" cy="461665"/>
-          </a:xfrm>
-          <a:prstGeom prst="rect">
+        </p:nvCxnSpPr>
+        <p:spPr>
+          <a:xfrm flipH="1" flipV="1">
+            <a:off x="3828943" y="3975691"/>
+            <a:ext cx="2352680" cy="837380"/>
+          </a:xfrm>
+          <a:prstGeom prst="line">
             <a:avLst/>
           </a:prstGeom>
-          <a:noFill/>
-        </p:spPr>
-        <p:txBody>
-          <a:bodyPr wrap="square" rtlCol="0">
-            <a:spAutoFit/>
-          </a:bodyPr>
-          <a:lstStyle/>
-          <a:p>
-            <a:r>
-              <a:rPr lang="it-IT" sz="1200" dirty="0" err="1"/>
-              <a:t>Triggered</a:t>
-            </a:r>
-            <a:r>
-              <a:rPr lang="it-IT" sz="1200" dirty="0"/>
-              <a:t> by log: </a:t>
-            </a:r>
-          </a:p>
-          <a:p>
-            <a:r>
-              <a:rPr lang="it-IT" sz="1200" dirty="0"/>
-              <a:t>«</a:t>
-            </a:r>
-            <a:r>
-              <a:rPr lang="it-IT" sz="1200" dirty="0" err="1"/>
-              <a:t>evil</a:t>
-            </a:r>
-            <a:r>
-              <a:rPr lang="it-IT" sz="1200" dirty="0"/>
-              <a:t> Child3 log»</a:t>
-            </a:r>
-          </a:p>
-        </p:txBody>
-      </p:sp>
-      <p:sp>
-        <p:nvSpPr>
-          <p:cNvPr id="61" name="CasellaDiTesto 60">
-            <a:extLst>
-              <a:ext uri="{FF2B5EF4-FFF2-40B4-BE49-F238E27FC236}">
-                <a16:creationId xmlns:a16="http://schemas.microsoft.com/office/drawing/2014/main" id="{1CEBF168-B12C-B78C-71C4-FDA3323BCF95}"/>
-              </a:ext>
-            </a:extLst>
-          </p:cNvPr>
-          <p:cNvSpPr txBox="1"/>
+        </p:spPr>
+        <p:style>
+          <a:lnRef idx="2">
+            <a:schemeClr val="dk1"/>
+          </a:lnRef>
+          <a:fillRef idx="0">
+            <a:schemeClr val="dk1"/>
+          </a:fillRef>
+          <a:effectRef idx="1">
+            <a:schemeClr val="dk1"/>
+          </a:effectRef>
+          <a:fontRef idx="minor">
+            <a:schemeClr val="tx1"/>
+          </a:fontRef>
+        </p:style>
+      </p:cxnSp>
+      <p:cxnSp>
+        <p:nvCxnSpPr>
+          <p:cNvPr id="47" name="Connettore diritto 46">
+            <a:extLst>
+              <a:ext uri="{FF2B5EF4-FFF2-40B4-BE49-F238E27FC236}">
+                <a16:creationId xmlns:a16="http://schemas.microsoft.com/office/drawing/2014/main" id="{E0656180-419B-8121-AA6D-E2E46AAEF0CF}"/>
+              </a:ext>
+            </a:extLst>
+          </p:cNvPr>
+          <p:cNvCxnSpPr>
+            <a:cxnSpLocks/>
+            <a:stCxn id="38" idx="0"/>
+            <a:endCxn id="70" idx="4"/>
+          </p:cNvCxnSpPr>
           <p:nvPr/>
-        </p:nvSpPr>
-        <p:spPr>
-          <a:xfrm>
-            <a:off x="10165924" y="1541799"/>
-            <a:ext cx="1854142" cy="461665"/>
-          </a:xfrm>
-          <a:prstGeom prst="rect">
+        </p:nvCxnSpPr>
+        <p:spPr>
+          <a:xfrm flipH="1" flipV="1">
+            <a:off x="6687639" y="2509608"/>
+            <a:ext cx="9290" cy="506116"/>
+          </a:xfrm>
+          <a:prstGeom prst="line">
             <a:avLst/>
           </a:prstGeom>
-          <a:noFill/>
-        </p:spPr>
-        <p:txBody>
-          <a:bodyPr wrap="square" rtlCol="0">
-            <a:spAutoFit/>
-          </a:bodyPr>
-          <a:lstStyle/>
-          <a:p>
-            <a:r>
-              <a:rPr lang="it-IT" sz="1200" dirty="0" err="1"/>
-              <a:t>Triggered</a:t>
-            </a:r>
-            <a:r>
-              <a:rPr lang="it-IT" sz="1200" dirty="0"/>
-              <a:t> by log: </a:t>
-            </a:r>
-          </a:p>
-          <a:p>
-            <a:r>
-              <a:rPr lang="it-IT" sz="1200" dirty="0"/>
-              <a:t>«</a:t>
-            </a:r>
-            <a:r>
-              <a:rPr lang="it-IT" sz="1200" dirty="0" err="1"/>
-              <a:t>evil</a:t>
-            </a:r>
-            <a:r>
-              <a:rPr lang="it-IT" sz="1200" dirty="0"/>
-              <a:t> Child4 log»</a:t>
-            </a:r>
-          </a:p>
-        </p:txBody>
-      </p:sp>
-      <p:sp>
-        <p:nvSpPr>
-          <p:cNvPr id="62" name="CasellaDiTesto 61">
-            <a:extLst>
-              <a:ext uri="{FF2B5EF4-FFF2-40B4-BE49-F238E27FC236}">
-                <a16:creationId xmlns:a16="http://schemas.microsoft.com/office/drawing/2014/main" id="{012881E7-522E-FB7B-8B09-FC4A71A72560}"/>
-              </a:ext>
-            </a:extLst>
-          </p:cNvPr>
-          <p:cNvSpPr txBox="1"/>
+        </p:spPr>
+        <p:style>
+          <a:lnRef idx="2">
+            <a:schemeClr val="dk1"/>
+          </a:lnRef>
+          <a:fillRef idx="0">
+            <a:schemeClr val="dk1"/>
+          </a:fillRef>
+          <a:effectRef idx="1">
+            <a:schemeClr val="dk1"/>
+          </a:effectRef>
+          <a:fontRef idx="minor">
+            <a:schemeClr val="tx1"/>
+          </a:fontRef>
+        </p:style>
+      </p:cxnSp>
+      <p:cxnSp>
+        <p:nvCxnSpPr>
+          <p:cNvPr id="51" name="Connettore diritto 50">
+            <a:extLst>
+              <a:ext uri="{FF2B5EF4-FFF2-40B4-BE49-F238E27FC236}">
+                <a16:creationId xmlns:a16="http://schemas.microsoft.com/office/drawing/2014/main" id="{36BCAC50-B71F-CA4F-7A3D-BE21BFC0DFCE}"/>
+              </a:ext>
+            </a:extLst>
+          </p:cNvPr>
+          <p:cNvCxnSpPr>
+            <a:cxnSpLocks/>
+            <a:stCxn id="89" idx="0"/>
+            <a:endCxn id="6" idx="4"/>
+          </p:cNvCxnSpPr>
           <p:nvPr/>
-        </p:nvSpPr>
-        <p:spPr>
-          <a:xfrm>
-            <a:off x="10054079" y="3749386"/>
-            <a:ext cx="1854142" cy="461665"/>
-          </a:xfrm>
-          <a:prstGeom prst="rect">
+        </p:nvCxnSpPr>
+        <p:spPr>
+          <a:xfrm flipH="1" flipV="1">
+            <a:off x="5428924" y="2568017"/>
+            <a:ext cx="2423" cy="447213"/>
+          </a:xfrm>
+          <a:prstGeom prst="line">
             <a:avLst/>
           </a:prstGeom>
-          <a:noFill/>
-        </p:spPr>
-        <p:txBody>
-          <a:bodyPr wrap="square" rtlCol="0">
-            <a:spAutoFit/>
-          </a:bodyPr>
-          <a:lstStyle/>
-          <a:p>
-            <a:r>
-              <a:rPr lang="it-IT" sz="1200" dirty="0" err="1"/>
-              <a:t>Triggered</a:t>
-            </a:r>
-            <a:r>
-              <a:rPr lang="it-IT" sz="1200" dirty="0"/>
-              <a:t> by log: </a:t>
-            </a:r>
-          </a:p>
-          <a:p>
-            <a:r>
-              <a:rPr lang="it-IT" sz="1200" dirty="0"/>
-              <a:t>«</a:t>
-            </a:r>
-            <a:r>
-              <a:rPr lang="it-IT" sz="1200" dirty="0" err="1"/>
-              <a:t>evil</a:t>
-            </a:r>
-            <a:r>
-              <a:rPr lang="it-IT" sz="1200" dirty="0"/>
-              <a:t> Child4_1 log»</a:t>
-            </a:r>
-          </a:p>
-        </p:txBody>
-      </p:sp>
-      <p:sp>
-        <p:nvSpPr>
-          <p:cNvPr id="63" name="CasellaDiTesto 62">
-            <a:extLst>
-              <a:ext uri="{FF2B5EF4-FFF2-40B4-BE49-F238E27FC236}">
-                <a16:creationId xmlns:a16="http://schemas.microsoft.com/office/drawing/2014/main" id="{8148EF12-17A9-8CD7-A5F9-601D4AEB4CDF}"/>
-              </a:ext>
-            </a:extLst>
-          </p:cNvPr>
-          <p:cNvSpPr txBox="1"/>
+        </p:spPr>
+        <p:style>
+          <a:lnRef idx="2">
+            <a:schemeClr val="dk1"/>
+          </a:lnRef>
+          <a:fillRef idx="0">
+            <a:schemeClr val="dk1"/>
+          </a:fillRef>
+          <a:effectRef idx="1">
+            <a:schemeClr val="dk1"/>
+          </a:effectRef>
+          <a:fontRef idx="minor">
+            <a:schemeClr val="tx1"/>
+          </a:fontRef>
+        </p:style>
+      </p:cxnSp>
+      <p:cxnSp>
+        <p:nvCxnSpPr>
+          <p:cNvPr id="57" name="Connettore diritto 56">
+            <a:extLst>
+              <a:ext uri="{FF2B5EF4-FFF2-40B4-BE49-F238E27FC236}">
+                <a16:creationId xmlns:a16="http://schemas.microsoft.com/office/drawing/2014/main" id="{776C90AB-090B-34C1-8A8A-2533BC22BC94}"/>
+              </a:ext>
+            </a:extLst>
+          </p:cNvPr>
+          <p:cNvCxnSpPr>
+            <a:cxnSpLocks/>
+            <a:stCxn id="84" idx="0"/>
+            <a:endCxn id="35" idx="4"/>
+          </p:cNvCxnSpPr>
           <p:nvPr/>
-        </p:nvSpPr>
-        <p:spPr>
-          <a:xfrm>
-            <a:off x="3947127" y="4008088"/>
-            <a:ext cx="1854142" cy="461665"/>
-          </a:xfrm>
-          <a:prstGeom prst="rect">
+        </p:nvCxnSpPr>
+        <p:spPr>
+          <a:xfrm flipV="1">
+            <a:off x="8016340" y="2495595"/>
+            <a:ext cx="0" cy="790534"/>
+          </a:xfrm>
+          <a:prstGeom prst="line">
             <a:avLst/>
           </a:prstGeom>
-          <a:noFill/>
-        </p:spPr>
-        <p:txBody>
-          <a:bodyPr wrap="square" rtlCol="0">
-            <a:spAutoFit/>
-          </a:bodyPr>
-          <a:lstStyle/>
-          <a:p>
-            <a:r>
-              <a:rPr lang="it-IT" sz="1200" dirty="0" err="1"/>
-              <a:t>Triggered</a:t>
-            </a:r>
-            <a:r>
-              <a:rPr lang="it-IT" sz="1200" dirty="0"/>
-              <a:t> by log: </a:t>
-            </a:r>
-          </a:p>
-          <a:p>
-            <a:r>
-              <a:rPr lang="it-IT" sz="1200" dirty="0"/>
-              <a:t>«</a:t>
-            </a:r>
-            <a:r>
-              <a:rPr lang="it-IT" sz="1200" dirty="0" err="1"/>
-              <a:t>evil</a:t>
-            </a:r>
-            <a:r>
-              <a:rPr lang="it-IT" sz="1200" dirty="0"/>
-              <a:t> Child1_2 log»</a:t>
-            </a:r>
-          </a:p>
-        </p:txBody>
-      </p:sp>
-      <p:sp>
-        <p:nvSpPr>
-          <p:cNvPr id="64" name="CasellaDiTesto 63">
-            <a:extLst>
-              <a:ext uri="{FF2B5EF4-FFF2-40B4-BE49-F238E27FC236}">
-                <a16:creationId xmlns:a16="http://schemas.microsoft.com/office/drawing/2014/main" id="{7D2DFB62-88DE-92AE-1FC5-F6FAA5773F97}"/>
-              </a:ext>
-            </a:extLst>
-          </p:cNvPr>
-          <p:cNvSpPr txBox="1"/>
-          <p:nvPr/>
-        </p:nvSpPr>
-        <p:spPr>
-          <a:xfrm>
-            <a:off x="-44781" y="3429000"/>
-            <a:ext cx="1854142" cy="461665"/>
-          </a:xfrm>
-          <a:prstGeom prst="rect">
-            <a:avLst/>
-          </a:prstGeom>
-          <a:noFill/>
-        </p:spPr>
-        <p:txBody>
-          <a:bodyPr wrap="square" rtlCol="0">
-            <a:spAutoFit/>
-          </a:bodyPr>
-          <a:lstStyle/>
-          <a:p>
-            <a:r>
-              <a:rPr lang="it-IT" sz="1200" dirty="0" err="1"/>
-              <a:t>Triggered</a:t>
-            </a:r>
-            <a:r>
-              <a:rPr lang="it-IT" sz="1200" dirty="0"/>
-              <a:t> by log: </a:t>
-            </a:r>
-          </a:p>
-          <a:p>
-            <a:r>
-              <a:rPr lang="it-IT" sz="1200" dirty="0"/>
-              <a:t>«</a:t>
-            </a:r>
-            <a:r>
-              <a:rPr lang="it-IT" sz="1200" dirty="0" err="1"/>
-              <a:t>evil</a:t>
-            </a:r>
-            <a:r>
-              <a:rPr lang="it-IT" sz="1200" dirty="0"/>
-              <a:t> Child1_1 log»</a:t>
-            </a:r>
-          </a:p>
-        </p:txBody>
-      </p:sp>
+        </p:spPr>
+        <p:style>
+          <a:lnRef idx="2">
+            <a:schemeClr val="dk1"/>
+          </a:lnRef>
+          <a:fillRef idx="0">
+            <a:schemeClr val="dk1"/>
+          </a:fillRef>
+          <a:effectRef idx="1">
+            <a:schemeClr val="dk1"/>
+          </a:effectRef>
+          <a:fontRef idx="minor">
+            <a:schemeClr val="tx1"/>
+          </a:fontRef>
+        </p:style>
+      </p:cxnSp>
       <p:cxnSp>
         <p:nvCxnSpPr>
           <p:cNvPr id="20" name="Connettore diritto 43">
             <a:extLst>
               <a:ext uri="{FF2B5EF4-FFF2-40B4-BE49-F238E27FC236}">
-                <a16:creationId xmlns:a16="http://schemas.microsoft.com/office/drawing/2014/main" id="{7BA9F4C5-82EF-B096-8B83-01D12C2D2540}"/>
+                <a16:creationId xmlns:a16="http://schemas.microsoft.com/office/drawing/2014/main" id="{7CD6D042-7DF5-5DC2-DF00-F92F5ABF36E7}"/>
               </a:ext>
             </a:extLst>
           </p:cNvPr>
           <p:cNvCxnSpPr>
             <a:cxnSpLocks/>
-            <a:stCxn id="36" idx="0"/>
-            <a:endCxn id="7" idx="3"/>
+            <a:stCxn id="117" idx="0"/>
+            <a:endCxn id="70" idx="3"/>
           </p:cNvCxnSpPr>
           <p:nvPr/>
         </p:nvCxnSpPr>
         <p:spPr>
           <a:xfrm flipV="1">
-            <a:off x="5829353" y="2541771"/>
-            <a:ext cx="931585" cy="3073780"/>
+            <a:off x="6181623" y="2459659"/>
+            <a:ext cx="159266" cy="2353412"/>
           </a:xfrm>
           <a:prstGeom prst="line">
             <a:avLst/>
@@ -5122,21 +6784,21 @@
           <p:cNvPr id="23" name="Connettore diritto 43">
             <a:extLst>
               <a:ext uri="{FF2B5EF4-FFF2-40B4-BE49-F238E27FC236}">
-                <a16:creationId xmlns:a16="http://schemas.microsoft.com/office/drawing/2014/main" id="{AE818C56-81B7-5A89-9D1F-623FABAC4F58}"/>
+                <a16:creationId xmlns:a16="http://schemas.microsoft.com/office/drawing/2014/main" id="{26876A0B-951B-8078-C367-210524350AB6}"/>
               </a:ext>
             </a:extLst>
           </p:cNvPr>
           <p:cNvCxnSpPr>
             <a:cxnSpLocks/>
-            <a:stCxn id="36" idx="0"/>
-            <a:endCxn id="8" idx="3"/>
+            <a:stCxn id="117" idx="0"/>
+            <a:endCxn id="35" idx="4"/>
           </p:cNvCxnSpPr>
           <p:nvPr/>
         </p:nvCxnSpPr>
         <p:spPr>
           <a:xfrm flipV="1">
-            <a:off x="5829353" y="2520293"/>
-            <a:ext cx="4079160" cy="3095258"/>
+            <a:off x="6181623" y="2495595"/>
+            <a:ext cx="1834717" cy="2317476"/>
           </a:xfrm>
           <a:prstGeom prst="line">
             <a:avLst/>
@@ -5159,10 +6821,482 @@
       </p:cxnSp>
       <p:sp>
         <p:nvSpPr>
-          <p:cNvPr id="59" name="TextBox 58">
-            <a:extLst>
-              <a:ext uri="{FF2B5EF4-FFF2-40B4-BE49-F238E27FC236}">
-                <a16:creationId xmlns:a16="http://schemas.microsoft.com/office/drawing/2014/main" id="{82EB21F9-F13A-962F-E4BC-14E45FFCC9BE}"/>
+          <p:cNvPr id="70" name="Ovale 5">
+            <a:extLst>
+              <a:ext uri="{FF2B5EF4-FFF2-40B4-BE49-F238E27FC236}">
+                <a16:creationId xmlns:a16="http://schemas.microsoft.com/office/drawing/2014/main" id="{62957CB5-5929-D353-083A-9CD35C209668}"/>
+              </a:ext>
+            </a:extLst>
+          </p:cNvPr>
+          <p:cNvSpPr/>
+          <p:nvPr/>
+        </p:nvSpPr>
+        <p:spPr>
+          <a:xfrm>
+            <a:off x="6197260" y="2168538"/>
+            <a:ext cx="980758" cy="341070"/>
+          </a:xfrm>
+          <a:prstGeom prst="ellipse">
+            <a:avLst/>
+          </a:prstGeom>
+          <a:noFill/>
+          <a:ln>
+            <a:solidFill>
+              <a:srgbClr val="FF0000"/>
+            </a:solidFill>
+          </a:ln>
+        </p:spPr>
+        <p:style>
+          <a:lnRef idx="2">
+            <a:schemeClr val="accent1">
+              <a:shade val="15000"/>
+            </a:schemeClr>
+          </a:lnRef>
+          <a:fillRef idx="1">
+            <a:schemeClr val="accent1"/>
+          </a:fillRef>
+          <a:effectRef idx="0">
+            <a:schemeClr val="accent1"/>
+          </a:effectRef>
+          <a:fontRef idx="minor">
+            <a:schemeClr val="lt1"/>
+          </a:fontRef>
+        </p:style>
+        <p:txBody>
+          <a:bodyPr rtlCol="0" anchor="ctr"/>
+          <a:lstStyle/>
+          <a:p>
+            <a:pPr algn="ctr"/>
+            <a:r>
+              <a:rPr lang="it-IT" sz="1400" dirty="0">
+                <a:solidFill>
+                  <a:schemeClr val="tx1"/>
+                </a:solidFill>
+              </a:rPr>
+              <a:t>Child3</a:t>
+            </a:r>
+          </a:p>
+        </p:txBody>
+      </p:sp>
+      <p:sp>
+        <p:nvSpPr>
+          <p:cNvPr id="84" name="Ovale 5">
+            <a:extLst>
+              <a:ext uri="{FF2B5EF4-FFF2-40B4-BE49-F238E27FC236}">
+                <a16:creationId xmlns:a16="http://schemas.microsoft.com/office/drawing/2014/main" id="{262EE439-5E2B-2DE4-2E84-6744282415DD}"/>
+              </a:ext>
+            </a:extLst>
+          </p:cNvPr>
+          <p:cNvSpPr/>
+          <p:nvPr/>
+        </p:nvSpPr>
+        <p:spPr>
+          <a:xfrm>
+            <a:off x="7387657" y="3286129"/>
+            <a:ext cx="1257365" cy="341070"/>
+          </a:xfrm>
+          <a:prstGeom prst="ellipse">
+            <a:avLst/>
+          </a:prstGeom>
+          <a:noFill/>
+          <a:ln>
+            <a:solidFill>
+              <a:srgbClr val="FF0000"/>
+            </a:solidFill>
+          </a:ln>
+        </p:spPr>
+        <p:style>
+          <a:lnRef idx="2">
+            <a:schemeClr val="accent1">
+              <a:shade val="15000"/>
+            </a:schemeClr>
+          </a:lnRef>
+          <a:fillRef idx="1">
+            <a:schemeClr val="accent1"/>
+          </a:fillRef>
+          <a:effectRef idx="0">
+            <a:schemeClr val="accent1"/>
+          </a:effectRef>
+          <a:fontRef idx="minor">
+            <a:schemeClr val="lt1"/>
+          </a:fontRef>
+        </p:style>
+        <p:txBody>
+          <a:bodyPr rtlCol="0" anchor="ctr"/>
+          <a:lstStyle/>
+          <a:p>
+            <a:pPr algn="ctr"/>
+            <a:r>
+              <a:rPr lang="it-IT" sz="1400" dirty="0">
+                <a:solidFill>
+                  <a:schemeClr val="tx1"/>
+                </a:solidFill>
+              </a:rPr>
+              <a:t>Child4_1</a:t>
+            </a:r>
+          </a:p>
+        </p:txBody>
+      </p:sp>
+      <p:sp>
+        <p:nvSpPr>
+          <p:cNvPr id="89" name="Rettangolo 37">
+            <a:extLst>
+              <a:ext uri="{FF2B5EF4-FFF2-40B4-BE49-F238E27FC236}">
+                <a16:creationId xmlns:a16="http://schemas.microsoft.com/office/drawing/2014/main" id="{C4D56B55-37DD-51CE-2DBD-3C6283D6579E}"/>
+              </a:ext>
+            </a:extLst>
+          </p:cNvPr>
+          <p:cNvSpPr/>
+          <p:nvPr/>
+        </p:nvSpPr>
+        <p:spPr>
+          <a:xfrm>
+            <a:off x="5118674" y="3015230"/>
+            <a:ext cx="625346" cy="290228"/>
+          </a:xfrm>
+          <a:prstGeom prst="rect">
+            <a:avLst/>
+          </a:prstGeom>
+          <a:noFill/>
+          <a:ln>
+            <a:solidFill>
+              <a:srgbClr val="00B050"/>
+            </a:solidFill>
+          </a:ln>
+        </p:spPr>
+        <p:style>
+          <a:lnRef idx="2">
+            <a:schemeClr val="accent1">
+              <a:shade val="15000"/>
+            </a:schemeClr>
+          </a:lnRef>
+          <a:fillRef idx="1">
+            <a:schemeClr val="accent1"/>
+          </a:fillRef>
+          <a:effectRef idx="0">
+            <a:schemeClr val="accent1"/>
+          </a:effectRef>
+          <a:fontRef idx="minor">
+            <a:schemeClr val="lt1"/>
+          </a:fontRef>
+        </p:style>
+        <p:txBody>
+          <a:bodyPr rtlCol="0" anchor="ctr"/>
+          <a:lstStyle/>
+          <a:p>
+            <a:pPr algn="ctr"/>
+            <a:r>
+              <a:rPr lang="it-IT" sz="1200" dirty="0">
+                <a:solidFill>
+                  <a:schemeClr val="tx1"/>
+                </a:solidFill>
+              </a:rPr>
+              <a:t>Def2</a:t>
+            </a:r>
+          </a:p>
+        </p:txBody>
+      </p:sp>
+      <p:sp>
+        <p:nvSpPr>
+          <p:cNvPr id="92" name="Ovale 5">
+            <a:extLst>
+              <a:ext uri="{FF2B5EF4-FFF2-40B4-BE49-F238E27FC236}">
+                <a16:creationId xmlns:a16="http://schemas.microsoft.com/office/drawing/2014/main" id="{03CF4DC2-6B86-5E04-B28D-BA8F37D14B8C}"/>
+              </a:ext>
+            </a:extLst>
+          </p:cNvPr>
+          <p:cNvSpPr/>
+          <p:nvPr/>
+        </p:nvSpPr>
+        <p:spPr>
+          <a:xfrm>
+            <a:off x="4173032" y="3689733"/>
+            <a:ext cx="1274965" cy="341069"/>
+          </a:xfrm>
+          <a:prstGeom prst="ellipse">
+            <a:avLst/>
+          </a:prstGeom>
+          <a:noFill/>
+          <a:ln>
+            <a:solidFill>
+              <a:srgbClr val="FF0000"/>
+            </a:solidFill>
+          </a:ln>
+        </p:spPr>
+        <p:style>
+          <a:lnRef idx="2">
+            <a:schemeClr val="accent1">
+              <a:shade val="15000"/>
+            </a:schemeClr>
+          </a:lnRef>
+          <a:fillRef idx="1">
+            <a:schemeClr val="accent1"/>
+          </a:fillRef>
+          <a:effectRef idx="0">
+            <a:schemeClr val="accent1"/>
+          </a:effectRef>
+          <a:fontRef idx="minor">
+            <a:schemeClr val="lt1"/>
+          </a:fontRef>
+        </p:style>
+        <p:txBody>
+          <a:bodyPr rtlCol="0" anchor="ctr"/>
+          <a:lstStyle/>
+          <a:p>
+            <a:pPr algn="ctr"/>
+            <a:r>
+              <a:rPr lang="it-IT" sz="1400" dirty="0">
+                <a:solidFill>
+                  <a:schemeClr val="tx1"/>
+                </a:solidFill>
+              </a:rPr>
+              <a:t>Child1_2</a:t>
+            </a:r>
+          </a:p>
+        </p:txBody>
+      </p:sp>
+      <p:sp>
+        <p:nvSpPr>
+          <p:cNvPr id="97" name="Ovale 5">
+            <a:extLst>
+              <a:ext uri="{FF2B5EF4-FFF2-40B4-BE49-F238E27FC236}">
+                <a16:creationId xmlns:a16="http://schemas.microsoft.com/office/drawing/2014/main" id="{A8331038-1B4D-6A10-E6F7-57EFC761897D}"/>
+              </a:ext>
+            </a:extLst>
+          </p:cNvPr>
+          <p:cNvSpPr/>
+          <p:nvPr/>
+        </p:nvSpPr>
+        <p:spPr>
+          <a:xfrm>
+            <a:off x="2740692" y="3684570"/>
+            <a:ext cx="1274965" cy="341069"/>
+          </a:xfrm>
+          <a:prstGeom prst="ellipse">
+            <a:avLst/>
+          </a:prstGeom>
+          <a:noFill/>
+          <a:ln>
+            <a:solidFill>
+              <a:srgbClr val="FF0000"/>
+            </a:solidFill>
+          </a:ln>
+        </p:spPr>
+        <p:style>
+          <a:lnRef idx="2">
+            <a:schemeClr val="accent1">
+              <a:shade val="15000"/>
+            </a:schemeClr>
+          </a:lnRef>
+          <a:fillRef idx="1">
+            <a:schemeClr val="accent1"/>
+          </a:fillRef>
+          <a:effectRef idx="0">
+            <a:schemeClr val="accent1"/>
+          </a:effectRef>
+          <a:fontRef idx="minor">
+            <a:schemeClr val="lt1"/>
+          </a:fontRef>
+        </p:style>
+        <p:txBody>
+          <a:bodyPr rtlCol="0" anchor="ctr"/>
+          <a:lstStyle/>
+          <a:p>
+            <a:pPr algn="ctr"/>
+            <a:r>
+              <a:rPr lang="it-IT" sz="1400" dirty="0">
+                <a:solidFill>
+                  <a:schemeClr val="tx1"/>
+                </a:solidFill>
+              </a:rPr>
+              <a:t>Child1_1</a:t>
+            </a:r>
+          </a:p>
+        </p:txBody>
+      </p:sp>
+      <p:sp>
+        <p:nvSpPr>
+          <p:cNvPr id="99" name="Rettangolo 37">
+            <a:extLst>
+              <a:ext uri="{FF2B5EF4-FFF2-40B4-BE49-F238E27FC236}">
+                <a16:creationId xmlns:a16="http://schemas.microsoft.com/office/drawing/2014/main" id="{08CB214B-4EF9-51AD-5844-618F5C55C257}"/>
+              </a:ext>
+            </a:extLst>
+          </p:cNvPr>
+          <p:cNvSpPr/>
+          <p:nvPr/>
+        </p:nvSpPr>
+        <p:spPr>
+          <a:xfrm>
+            <a:off x="2953657" y="2547650"/>
+            <a:ext cx="514028" cy="290228"/>
+          </a:xfrm>
+          <a:prstGeom prst="rect">
+            <a:avLst/>
+          </a:prstGeom>
+          <a:noFill/>
+          <a:ln>
+            <a:solidFill>
+              <a:srgbClr val="00B050"/>
+            </a:solidFill>
+          </a:ln>
+        </p:spPr>
+        <p:style>
+          <a:lnRef idx="2">
+            <a:schemeClr val="accent1">
+              <a:shade val="15000"/>
+            </a:schemeClr>
+          </a:lnRef>
+          <a:fillRef idx="1">
+            <a:schemeClr val="accent1"/>
+          </a:fillRef>
+          <a:effectRef idx="0">
+            <a:schemeClr val="accent1"/>
+          </a:effectRef>
+          <a:fontRef idx="minor">
+            <a:schemeClr val="lt1"/>
+          </a:fontRef>
+        </p:style>
+        <p:txBody>
+          <a:bodyPr rtlCol="0" anchor="ctr"/>
+          <a:lstStyle/>
+          <a:p>
+            <a:pPr algn="ctr"/>
+            <a:r>
+              <a:rPr lang="it-IT" sz="1200" dirty="0">
+                <a:solidFill>
+                  <a:schemeClr val="tx1"/>
+                </a:solidFill>
+              </a:rPr>
+              <a:t>Def1</a:t>
+            </a:r>
+          </a:p>
+        </p:txBody>
+      </p:sp>
+      <p:sp>
+        <p:nvSpPr>
+          <p:cNvPr id="104" name="Rettangolo 37">
+            <a:extLst>
+              <a:ext uri="{FF2B5EF4-FFF2-40B4-BE49-F238E27FC236}">
+                <a16:creationId xmlns:a16="http://schemas.microsoft.com/office/drawing/2014/main" id="{B9EC4D49-D1AC-79A5-594B-F088BB03D0AD}"/>
+              </a:ext>
+            </a:extLst>
+          </p:cNvPr>
+          <p:cNvSpPr/>
+          <p:nvPr/>
+        </p:nvSpPr>
+        <p:spPr>
+          <a:xfrm>
+            <a:off x="3050641" y="4508971"/>
+            <a:ext cx="655067" cy="290228"/>
+          </a:xfrm>
+          <a:prstGeom prst="rect">
+            <a:avLst/>
+          </a:prstGeom>
+          <a:noFill/>
+          <a:ln>
+            <a:solidFill>
+              <a:srgbClr val="00B050"/>
+            </a:solidFill>
+          </a:ln>
+        </p:spPr>
+        <p:style>
+          <a:lnRef idx="2">
+            <a:schemeClr val="accent1">
+              <a:shade val="15000"/>
+            </a:schemeClr>
+          </a:lnRef>
+          <a:fillRef idx="1">
+            <a:schemeClr val="accent1"/>
+          </a:fillRef>
+          <a:effectRef idx="0">
+            <a:schemeClr val="accent1"/>
+          </a:effectRef>
+          <a:fontRef idx="minor">
+            <a:schemeClr val="lt1"/>
+          </a:fontRef>
+        </p:style>
+        <p:txBody>
+          <a:bodyPr rtlCol="0" anchor="ctr"/>
+          <a:lstStyle/>
+          <a:p>
+            <a:pPr algn="ctr"/>
+            <a:r>
+              <a:rPr lang="it-IT" sz="1200" dirty="0">
+                <a:solidFill>
+                  <a:schemeClr val="tx1"/>
+                </a:solidFill>
+              </a:rPr>
+              <a:t>Def1_1</a:t>
+            </a:r>
+          </a:p>
+        </p:txBody>
+      </p:sp>
+      <p:sp>
+        <p:nvSpPr>
+          <p:cNvPr id="117" name="Rettangolo 37">
+            <a:extLst>
+              <a:ext uri="{FF2B5EF4-FFF2-40B4-BE49-F238E27FC236}">
+                <a16:creationId xmlns:a16="http://schemas.microsoft.com/office/drawing/2014/main" id="{C2F96601-85F8-D18D-644D-3AF2BA444111}"/>
+              </a:ext>
+            </a:extLst>
+          </p:cNvPr>
+          <p:cNvSpPr/>
+          <p:nvPr/>
+        </p:nvSpPr>
+        <p:spPr>
+          <a:xfrm>
+            <a:off x="5680071" y="4813071"/>
+            <a:ext cx="1003103" cy="290228"/>
+          </a:xfrm>
+          <a:prstGeom prst="rect">
+            <a:avLst/>
+          </a:prstGeom>
+          <a:noFill/>
+          <a:ln>
+            <a:solidFill>
+              <a:srgbClr val="00B050"/>
+            </a:solidFill>
+          </a:ln>
+        </p:spPr>
+        <p:style>
+          <a:lnRef idx="2">
+            <a:schemeClr val="accent1">
+              <a:shade val="15000"/>
+            </a:schemeClr>
+          </a:lnRef>
+          <a:fillRef idx="1">
+            <a:schemeClr val="accent1"/>
+          </a:fillRef>
+          <a:effectRef idx="0">
+            <a:schemeClr val="accent1"/>
+          </a:effectRef>
+          <a:fontRef idx="minor">
+            <a:schemeClr val="lt1"/>
+          </a:fontRef>
+        </p:style>
+        <p:txBody>
+          <a:bodyPr rtlCol="0" anchor="ctr"/>
+          <a:lstStyle/>
+          <a:p>
+            <a:pPr algn="ctr"/>
+            <a:r>
+              <a:rPr lang="it-IT" sz="1200" dirty="0">
+                <a:solidFill>
+                  <a:schemeClr val="tx1"/>
+                </a:solidFill>
+              </a:rPr>
+              <a:t>Def1_2_3_4</a:t>
+            </a:r>
+          </a:p>
+        </p:txBody>
+      </p:sp>
+      <p:sp>
+        <p:nvSpPr>
+          <p:cNvPr id="125" name="CasellaDiTesto 62">
+            <a:extLst>
+              <a:ext uri="{FF2B5EF4-FFF2-40B4-BE49-F238E27FC236}">
+                <a16:creationId xmlns:a16="http://schemas.microsoft.com/office/drawing/2014/main" id="{E9CE6AB9-E5C4-31CF-0E7D-D3B90626EA51}"/>
               </a:ext>
             </a:extLst>
           </p:cNvPr>
@@ -5171,8 +7305,8 @@
         </p:nvSpPr>
         <p:spPr>
           <a:xfrm>
-            <a:off x="6815777" y="5725613"/>
-            <a:ext cx="3327171" cy="307777"/>
+            <a:off x="6264776" y="4588853"/>
+            <a:ext cx="1854142" cy="246221"/>
           </a:xfrm>
           <a:prstGeom prst="rect">
             <a:avLst/>
@@ -5186,54 +7320,18 @@
           <a:lstStyle/>
           <a:p>
             <a:r>
-              <a:rPr lang="it-IT" sz="1400" dirty="0" err="1"/>
-              <a:t>This</a:t>
-            </a:r>
-            <a:r>
-              <a:rPr lang="it-IT" sz="1400" dirty="0"/>
-              <a:t> </a:t>
-            </a:r>
-            <a:r>
-              <a:rPr lang="it-IT" sz="1400" dirty="0" err="1"/>
-              <a:t>is</a:t>
-            </a:r>
-            <a:r>
-              <a:rPr lang="it-IT" sz="1400" dirty="0"/>
-              <a:t> def3 and </a:t>
-            </a:r>
-            <a:r>
-              <a:rPr lang="it-IT" sz="1400" dirty="0" err="1"/>
-              <a:t>another</a:t>
-            </a:r>
-            <a:r>
-              <a:rPr lang="it-IT" sz="1400" dirty="0"/>
-              <a:t> </a:t>
-            </a:r>
-            <a:r>
-              <a:rPr lang="it-IT" sz="1400" dirty="0" err="1"/>
-              <a:t>def</a:t>
-            </a:r>
-            <a:r>
-              <a:rPr lang="it-IT" sz="1400" dirty="0"/>
-              <a:t> </a:t>
-            </a:r>
-            <a:r>
-              <a:rPr lang="it-IT" sz="1400" dirty="0" err="1"/>
-              <a:t>called</a:t>
-            </a:r>
-            <a:r>
-              <a:rPr lang="it-IT" sz="1400" dirty="0"/>
-              <a:t> def4</a:t>
-            </a:r>
-          </a:p>
-        </p:txBody>
-      </p:sp>
-      <p:sp>
-        <p:nvSpPr>
-          <p:cNvPr id="13" name="TextBox 12">
-            <a:extLst>
-              <a:ext uri="{FF2B5EF4-FFF2-40B4-BE49-F238E27FC236}">
-                <a16:creationId xmlns:a16="http://schemas.microsoft.com/office/drawing/2014/main" id="{A0B9DD11-1D5C-5AA3-9229-317151EC02BE}"/>
+              <a:rPr lang="it-IT" sz="1000" dirty="0"/>
+              <a:t>[Child1_1, Child3, Child4]</a:t>
+            </a:r>
+          </a:p>
+        </p:txBody>
+      </p:sp>
+      <p:sp>
+        <p:nvSpPr>
+          <p:cNvPr id="126" name="CasellaDiTesto 62">
+            <a:extLst>
+              <a:ext uri="{FF2B5EF4-FFF2-40B4-BE49-F238E27FC236}">
+                <a16:creationId xmlns:a16="http://schemas.microsoft.com/office/drawing/2014/main" id="{364C82E0-CA4F-AD93-8940-9275E16D3758}"/>
               </a:ext>
             </a:extLst>
           </p:cNvPr>
@@ -5242,8 +7340,8 @@
         </p:nvSpPr>
         <p:spPr>
           <a:xfrm>
-            <a:off x="4961636" y="284205"/>
-            <a:ext cx="493871" cy="261610"/>
+            <a:off x="4568998" y="2795833"/>
+            <a:ext cx="1854142" cy="246221"/>
           </a:xfrm>
           <a:prstGeom prst="rect">
             <a:avLst/>
@@ -5257,18 +7355,26 @@
           <a:lstStyle/>
           <a:p>
             <a:r>
-              <a:rPr lang="it-IT" sz="1100" dirty="0"/>
-              <a:t>Id: 0</a:t>
-            </a:r>
-          </a:p>
-        </p:txBody>
-      </p:sp>
-      <p:sp>
-        <p:nvSpPr>
-          <p:cNvPr id="15" name="TextBox 14">
-            <a:extLst>
-              <a:ext uri="{FF2B5EF4-FFF2-40B4-BE49-F238E27FC236}">
-                <a16:creationId xmlns:a16="http://schemas.microsoft.com/office/drawing/2014/main" id="{A86D9397-A96E-93AF-DCD6-9BB3872FC2CC}"/>
+              <a:rPr lang="it-IT" sz="1000" dirty="0"/>
+              <a:t>[Child2 </a:t>
+            </a:r>
+            <a:r>
+              <a:rPr lang="it-IT" sz="1000" dirty="0" err="1"/>
+              <a:t>Conj</a:t>
+            </a:r>
+            <a:r>
+              <a:rPr lang="it-IT" sz="1000" dirty="0"/>
+              <a:t>]</a:t>
+            </a:r>
+          </a:p>
+        </p:txBody>
+      </p:sp>
+      <p:sp>
+        <p:nvSpPr>
+          <p:cNvPr id="132" name="CasellaDiTesto 62">
+            <a:extLst>
+              <a:ext uri="{FF2B5EF4-FFF2-40B4-BE49-F238E27FC236}">
+                <a16:creationId xmlns:a16="http://schemas.microsoft.com/office/drawing/2014/main" id="{67CC1C2E-A9FD-0400-859D-F8D26F6DD0B3}"/>
               </a:ext>
             </a:extLst>
           </p:cNvPr>
@@ -5277,8 +7383,8 @@
         </p:nvSpPr>
         <p:spPr>
           <a:xfrm>
-            <a:off x="2574232" y="1902644"/>
-            <a:ext cx="493871" cy="261610"/>
+            <a:off x="6670242" y="2803480"/>
+            <a:ext cx="1854142" cy="246221"/>
           </a:xfrm>
           <a:prstGeom prst="rect">
             <a:avLst/>
@@ -5292,18 +7398,18 @@
           <a:lstStyle/>
           <a:p>
             <a:r>
-              <a:rPr lang="it-IT" sz="1100" dirty="0"/>
-              <a:t>Id: 1</a:t>
-            </a:r>
-          </a:p>
-        </p:txBody>
-      </p:sp>
-      <p:sp>
-        <p:nvSpPr>
-          <p:cNvPr id="16" name="TextBox 15">
-            <a:extLst>
-              <a:ext uri="{FF2B5EF4-FFF2-40B4-BE49-F238E27FC236}">
-                <a16:creationId xmlns:a16="http://schemas.microsoft.com/office/drawing/2014/main" id="{AAE144E9-AB99-B178-D2E6-A6BAEB497094}"/>
+              <a:rPr lang="it-IT" sz="1000" dirty="0"/>
+              <a:t>[Child3]</a:t>
+            </a:r>
+          </a:p>
+        </p:txBody>
+      </p:sp>
+      <p:sp>
+        <p:nvSpPr>
+          <p:cNvPr id="136" name="CasellaDiTesto 62">
+            <a:extLst>
+              <a:ext uri="{FF2B5EF4-FFF2-40B4-BE49-F238E27FC236}">
+                <a16:creationId xmlns:a16="http://schemas.microsoft.com/office/drawing/2014/main" id="{D3D91F91-EB00-B58B-80D7-279B60D477E9}"/>
               </a:ext>
             </a:extLst>
           </p:cNvPr>
@@ -5312,8 +7418,8 @@
         </p:nvSpPr>
         <p:spPr>
           <a:xfrm>
-            <a:off x="4057196" y="1875634"/>
-            <a:ext cx="493871" cy="261610"/>
+            <a:off x="2740692" y="2815674"/>
+            <a:ext cx="1854142" cy="246221"/>
           </a:xfrm>
           <a:prstGeom prst="rect">
             <a:avLst/>
@@ -5327,18 +7433,26 @@
           <a:lstStyle/>
           <a:p>
             <a:r>
-              <a:rPr lang="it-IT" sz="1100" dirty="0"/>
-              <a:t>Id: 2</a:t>
-            </a:r>
-          </a:p>
-        </p:txBody>
-      </p:sp>
-      <p:sp>
-        <p:nvSpPr>
-          <p:cNvPr id="18" name="TextBox 17">
-            <a:extLst>
-              <a:ext uri="{FF2B5EF4-FFF2-40B4-BE49-F238E27FC236}">
-                <a16:creationId xmlns:a16="http://schemas.microsoft.com/office/drawing/2014/main" id="{84BBC521-AB4D-F46D-7F29-1B522455CEE0}"/>
+              <a:rPr lang="it-IT" sz="1000" dirty="0"/>
+              <a:t>[Child1 </a:t>
+            </a:r>
+            <a:r>
+              <a:rPr lang="it-IT" sz="1000" dirty="0" err="1"/>
+              <a:t>Conj</a:t>
+            </a:r>
+            <a:r>
+              <a:rPr lang="it-IT" sz="1000" dirty="0"/>
+              <a:t>]</a:t>
+            </a:r>
+          </a:p>
+        </p:txBody>
+      </p:sp>
+      <p:sp>
+        <p:nvSpPr>
+          <p:cNvPr id="137" name="CasellaDiTesto 62">
+            <a:extLst>
+              <a:ext uri="{FF2B5EF4-FFF2-40B4-BE49-F238E27FC236}">
+                <a16:creationId xmlns:a16="http://schemas.microsoft.com/office/drawing/2014/main" id="{87308E2E-D501-7F4D-8F55-CD28DFE80C0F}"/>
               </a:ext>
             </a:extLst>
           </p:cNvPr>
@@ -5347,8 +7461,8 @@
         </p:nvSpPr>
         <p:spPr>
           <a:xfrm>
-            <a:off x="6892200" y="1872659"/>
-            <a:ext cx="493871" cy="261610"/>
+            <a:off x="3338564" y="4286803"/>
+            <a:ext cx="1854142" cy="246221"/>
           </a:xfrm>
           <a:prstGeom prst="rect">
             <a:avLst/>
@@ -5362,331 +7476,147 @@
           <a:lstStyle/>
           <a:p>
             <a:r>
-              <a:rPr lang="it-IT" sz="1100" dirty="0"/>
-              <a:t>Id: 3</a:t>
-            </a:r>
-          </a:p>
-        </p:txBody>
-      </p:sp>
-      <p:sp>
-        <p:nvSpPr>
-          <p:cNvPr id="19" name="TextBox 18">
-            <a:extLst>
-              <a:ext uri="{FF2B5EF4-FFF2-40B4-BE49-F238E27FC236}">
-                <a16:creationId xmlns:a16="http://schemas.microsoft.com/office/drawing/2014/main" id="{F5DF4E90-C334-3AAE-8C07-D08536BC3DD7}"/>
-              </a:ext>
-            </a:extLst>
-          </p:cNvPr>
-          <p:cNvSpPr txBox="1"/>
+              <a:rPr lang="it-IT" sz="1000" dirty="0"/>
+              <a:t>[Child1_1]</a:t>
+            </a:r>
+          </a:p>
+        </p:txBody>
+      </p:sp>
+      <p:sp>
+        <p:nvSpPr>
+          <p:cNvPr id="35" name="Ovale 5">
+            <a:extLst>
+              <a:ext uri="{FF2B5EF4-FFF2-40B4-BE49-F238E27FC236}">
+                <a16:creationId xmlns:a16="http://schemas.microsoft.com/office/drawing/2014/main" id="{F8136E40-A7E2-ABD4-6F6F-839E29A3354E}"/>
+              </a:ext>
+            </a:extLst>
+          </p:cNvPr>
+          <p:cNvSpPr/>
           <p:nvPr/>
         </p:nvSpPr>
         <p:spPr>
           <a:xfrm>
-            <a:off x="9672053" y="1876661"/>
-            <a:ext cx="493871" cy="261610"/>
-          </a:xfrm>
-          <a:prstGeom prst="rect">
+            <a:off x="7525961" y="2154525"/>
+            <a:ext cx="980758" cy="341070"/>
+          </a:xfrm>
+          <a:prstGeom prst="ellipse">
             <a:avLst/>
           </a:prstGeom>
           <a:noFill/>
-        </p:spPr>
-        <p:txBody>
-          <a:bodyPr wrap="square" rtlCol="0">
-            <a:spAutoFit/>
-          </a:bodyPr>
-          <a:lstStyle/>
-          <a:p>
-            <a:r>
-              <a:rPr lang="it-IT" sz="1100" dirty="0"/>
-              <a:t>Id: 4</a:t>
-            </a:r>
-          </a:p>
-        </p:txBody>
-      </p:sp>
-      <p:sp>
-        <p:nvSpPr>
-          <p:cNvPr id="21" name="TextBox 20">
-            <a:extLst>
-              <a:ext uri="{FF2B5EF4-FFF2-40B4-BE49-F238E27FC236}">
-                <a16:creationId xmlns:a16="http://schemas.microsoft.com/office/drawing/2014/main" id="{E6399A01-C98C-83A0-13F1-FDCD622FB011}"/>
-              </a:ext>
-            </a:extLst>
-          </p:cNvPr>
-          <p:cNvSpPr txBox="1"/>
+          <a:ln>
+            <a:solidFill>
+              <a:srgbClr val="FF0000"/>
+            </a:solidFill>
+          </a:ln>
+        </p:spPr>
+        <p:style>
+          <a:lnRef idx="2">
+            <a:schemeClr val="accent1">
+              <a:shade val="15000"/>
+            </a:schemeClr>
+          </a:lnRef>
+          <a:fillRef idx="1">
+            <a:schemeClr val="accent1"/>
+          </a:fillRef>
+          <a:effectRef idx="0">
+            <a:schemeClr val="accent1"/>
+          </a:effectRef>
+          <a:fontRef idx="minor">
+            <a:schemeClr val="lt1"/>
+          </a:fontRef>
+        </p:style>
+        <p:txBody>
+          <a:bodyPr rtlCol="0" anchor="ctr"/>
+          <a:lstStyle/>
+          <a:p>
+            <a:pPr algn="ctr"/>
+            <a:r>
+              <a:rPr lang="it-IT" sz="1400" dirty="0">
+                <a:solidFill>
+                  <a:schemeClr val="tx1"/>
+                </a:solidFill>
+              </a:rPr>
+              <a:t>Child4</a:t>
+            </a:r>
+          </a:p>
+        </p:txBody>
+      </p:sp>
+      <p:sp>
+        <p:nvSpPr>
+          <p:cNvPr id="55" name="Ovale 5">
+            <a:extLst>
+              <a:ext uri="{FF2B5EF4-FFF2-40B4-BE49-F238E27FC236}">
+                <a16:creationId xmlns:a16="http://schemas.microsoft.com/office/drawing/2014/main" id="{0B36A520-CC0A-6DA2-8C65-62E54A755D23}"/>
+              </a:ext>
+            </a:extLst>
+          </p:cNvPr>
+          <p:cNvSpPr/>
           <p:nvPr/>
         </p:nvSpPr>
         <p:spPr>
           <a:xfrm>
-            <a:off x="1396518" y="3635603"/>
-            <a:ext cx="493871" cy="261610"/>
-          </a:xfrm>
-          <a:prstGeom prst="rect">
+            <a:off x="3528824" y="2117532"/>
+            <a:ext cx="1131635" cy="457887"/>
+          </a:xfrm>
+          <a:prstGeom prst="ellipse">
             <a:avLst/>
           </a:prstGeom>
           <a:noFill/>
-        </p:spPr>
-        <p:txBody>
-          <a:bodyPr wrap="square" rtlCol="0">
-            <a:spAutoFit/>
-          </a:bodyPr>
-          <a:lstStyle/>
-          <a:p>
-            <a:r>
-              <a:rPr lang="it-IT" sz="1100" dirty="0"/>
-              <a:t>Id: 5</a:t>
-            </a:r>
-          </a:p>
-        </p:txBody>
-      </p:sp>
-      <p:sp>
-        <p:nvSpPr>
-          <p:cNvPr id="22" name="TextBox 21">
-            <a:extLst>
-              <a:ext uri="{FF2B5EF4-FFF2-40B4-BE49-F238E27FC236}">
-                <a16:creationId xmlns:a16="http://schemas.microsoft.com/office/drawing/2014/main" id="{D7F96E2E-E54B-DF0F-7BCF-6FFC2555FDC5}"/>
-              </a:ext>
-            </a:extLst>
-          </p:cNvPr>
-          <p:cNvSpPr txBox="1"/>
-          <p:nvPr/>
-        </p:nvSpPr>
-        <p:spPr>
-          <a:xfrm>
-            <a:off x="3380152" y="3618581"/>
-            <a:ext cx="493871" cy="261610"/>
-          </a:xfrm>
-          <a:prstGeom prst="rect">
-            <a:avLst/>
-          </a:prstGeom>
-          <a:noFill/>
-        </p:spPr>
-        <p:txBody>
-          <a:bodyPr wrap="square" rtlCol="0">
-            <a:spAutoFit/>
-          </a:bodyPr>
-          <a:lstStyle/>
-          <a:p>
-            <a:r>
-              <a:rPr lang="it-IT" sz="1100" dirty="0"/>
-              <a:t>Id: 6</a:t>
-            </a:r>
-          </a:p>
-        </p:txBody>
-      </p:sp>
-      <p:sp>
-        <p:nvSpPr>
-          <p:cNvPr id="24" name="TextBox 23">
-            <a:extLst>
-              <a:ext uri="{FF2B5EF4-FFF2-40B4-BE49-F238E27FC236}">
-                <a16:creationId xmlns:a16="http://schemas.microsoft.com/office/drawing/2014/main" id="{D061C767-6F92-4C16-F1AD-5BE3C47519BB}"/>
-              </a:ext>
-            </a:extLst>
-          </p:cNvPr>
-          <p:cNvSpPr txBox="1"/>
-          <p:nvPr/>
-        </p:nvSpPr>
-        <p:spPr>
-          <a:xfrm>
-            <a:off x="9801949" y="3058684"/>
-            <a:ext cx="493871" cy="261610"/>
-          </a:xfrm>
-          <a:prstGeom prst="rect">
-            <a:avLst/>
-          </a:prstGeom>
-          <a:noFill/>
-        </p:spPr>
-        <p:txBody>
-          <a:bodyPr wrap="square" rtlCol="0">
-            <a:spAutoFit/>
-          </a:bodyPr>
-          <a:lstStyle/>
-          <a:p>
-            <a:r>
-              <a:rPr lang="it-IT" sz="1100" dirty="0"/>
-              <a:t>Id: 7</a:t>
-            </a:r>
-          </a:p>
-        </p:txBody>
-      </p:sp>
-      <p:sp>
-        <p:nvSpPr>
-          <p:cNvPr id="26" name="TextBox 25">
-            <a:extLst>
-              <a:ext uri="{FF2B5EF4-FFF2-40B4-BE49-F238E27FC236}">
-                <a16:creationId xmlns:a16="http://schemas.microsoft.com/office/drawing/2014/main" id="{C9DDBCF8-E8F9-A08E-34D4-EAF90BF0D16E}"/>
-              </a:ext>
-            </a:extLst>
-          </p:cNvPr>
-          <p:cNvSpPr txBox="1"/>
-          <p:nvPr/>
-        </p:nvSpPr>
-        <p:spPr>
-          <a:xfrm>
-            <a:off x="837" y="2446707"/>
-            <a:ext cx="493871" cy="261610"/>
-          </a:xfrm>
-          <a:prstGeom prst="rect">
-            <a:avLst/>
-          </a:prstGeom>
-          <a:noFill/>
-        </p:spPr>
-        <p:txBody>
-          <a:bodyPr wrap="square" rtlCol="0">
-            <a:spAutoFit/>
-          </a:bodyPr>
-          <a:lstStyle/>
-          <a:p>
-            <a:r>
-              <a:rPr lang="it-IT" sz="1100" dirty="0"/>
-              <a:t>Id: 1</a:t>
-            </a:r>
-          </a:p>
-        </p:txBody>
-      </p:sp>
-      <p:sp>
-        <p:nvSpPr>
-          <p:cNvPr id="30" name="TextBox 29">
-            <a:extLst>
-              <a:ext uri="{FF2B5EF4-FFF2-40B4-BE49-F238E27FC236}">
-                <a16:creationId xmlns:a16="http://schemas.microsoft.com/office/drawing/2014/main" id="{4FCFF7B2-2C4B-FF38-3C2E-54E94AA28438}"/>
-              </a:ext>
-            </a:extLst>
-          </p:cNvPr>
-          <p:cNvSpPr txBox="1"/>
-          <p:nvPr/>
-        </p:nvSpPr>
-        <p:spPr>
-          <a:xfrm>
-            <a:off x="3761346" y="2694587"/>
-            <a:ext cx="493871" cy="261610"/>
-          </a:xfrm>
-          <a:prstGeom prst="rect">
-            <a:avLst/>
-          </a:prstGeom>
-          <a:noFill/>
-        </p:spPr>
-        <p:txBody>
-          <a:bodyPr wrap="square" rtlCol="0">
-            <a:spAutoFit/>
-          </a:bodyPr>
-          <a:lstStyle/>
-          <a:p>
-            <a:r>
-              <a:rPr lang="it-IT" sz="1100" dirty="0"/>
-              <a:t>Id: 2</a:t>
-            </a:r>
-          </a:p>
-        </p:txBody>
-      </p:sp>
-      <p:sp>
-        <p:nvSpPr>
-          <p:cNvPr id="31" name="TextBox 30">
-            <a:extLst>
-              <a:ext uri="{FF2B5EF4-FFF2-40B4-BE49-F238E27FC236}">
-                <a16:creationId xmlns:a16="http://schemas.microsoft.com/office/drawing/2014/main" id="{0417A90A-27BB-137C-97A8-FE72350D0910}"/>
-              </a:ext>
-            </a:extLst>
-          </p:cNvPr>
-          <p:cNvSpPr txBox="1"/>
-          <p:nvPr/>
-        </p:nvSpPr>
-        <p:spPr>
-          <a:xfrm>
-            <a:off x="6721223" y="2694587"/>
-            <a:ext cx="493871" cy="261610"/>
-          </a:xfrm>
-          <a:prstGeom prst="rect">
-            <a:avLst/>
-          </a:prstGeom>
-          <a:noFill/>
-        </p:spPr>
-        <p:txBody>
-          <a:bodyPr wrap="square" rtlCol="0">
-            <a:spAutoFit/>
-          </a:bodyPr>
-          <a:lstStyle/>
-          <a:p>
-            <a:r>
-              <a:rPr lang="it-IT" sz="1100" dirty="0"/>
-              <a:t>Id: 3</a:t>
-            </a:r>
-          </a:p>
-        </p:txBody>
-      </p:sp>
-      <p:sp>
-        <p:nvSpPr>
-          <p:cNvPr id="33" name="TextBox 32">
-            <a:extLst>
-              <a:ext uri="{FF2B5EF4-FFF2-40B4-BE49-F238E27FC236}">
-                <a16:creationId xmlns:a16="http://schemas.microsoft.com/office/drawing/2014/main" id="{54F32633-DFA9-3617-677C-049E55EE348D}"/>
-              </a:ext>
-            </a:extLst>
-          </p:cNvPr>
-          <p:cNvSpPr txBox="1"/>
-          <p:nvPr/>
-        </p:nvSpPr>
-        <p:spPr>
-          <a:xfrm>
-            <a:off x="1348823" y="4445305"/>
-            <a:ext cx="493871" cy="261610"/>
-          </a:xfrm>
-          <a:prstGeom prst="rect">
-            <a:avLst/>
-          </a:prstGeom>
-          <a:noFill/>
-        </p:spPr>
-        <p:txBody>
-          <a:bodyPr wrap="square" rtlCol="0">
-            <a:spAutoFit/>
-          </a:bodyPr>
-          <a:lstStyle/>
-          <a:p>
-            <a:r>
-              <a:rPr lang="it-IT" sz="1100" dirty="0"/>
-              <a:t>Id: 4</a:t>
-            </a:r>
-          </a:p>
-        </p:txBody>
-      </p:sp>
-      <p:sp>
-        <p:nvSpPr>
-          <p:cNvPr id="34" name="TextBox 33">
-            <a:extLst>
-              <a:ext uri="{FF2B5EF4-FFF2-40B4-BE49-F238E27FC236}">
-                <a16:creationId xmlns:a16="http://schemas.microsoft.com/office/drawing/2014/main" id="{7047163B-B97A-4289-C288-DA2E87732D4F}"/>
-              </a:ext>
-            </a:extLst>
-          </p:cNvPr>
-          <p:cNvSpPr txBox="1"/>
-          <p:nvPr/>
-        </p:nvSpPr>
-        <p:spPr>
-          <a:xfrm>
-            <a:off x="4765893" y="5398522"/>
-            <a:ext cx="493871" cy="261610"/>
-          </a:xfrm>
-          <a:prstGeom prst="rect">
-            <a:avLst/>
-          </a:prstGeom>
-          <a:noFill/>
-        </p:spPr>
-        <p:txBody>
-          <a:bodyPr wrap="square" rtlCol="0">
-            <a:spAutoFit/>
-          </a:bodyPr>
-          <a:lstStyle/>
-          <a:p>
-            <a:r>
-              <a:rPr lang="it-IT" sz="1100" dirty="0"/>
-              <a:t>Id: 5</a:t>
-            </a:r>
+          <a:ln>
+            <a:solidFill>
+              <a:srgbClr val="FF0000"/>
+            </a:solidFill>
+          </a:ln>
+        </p:spPr>
+        <p:style>
+          <a:lnRef idx="2">
+            <a:schemeClr val="accent1">
+              <a:shade val="15000"/>
+            </a:schemeClr>
+          </a:lnRef>
+          <a:fillRef idx="1">
+            <a:schemeClr val="accent1"/>
+          </a:fillRef>
+          <a:effectRef idx="0">
+            <a:schemeClr val="accent1"/>
+          </a:effectRef>
+          <a:fontRef idx="minor">
+            <a:schemeClr val="lt1"/>
+          </a:fontRef>
+        </p:style>
+        <p:txBody>
+          <a:bodyPr rtlCol="0" anchor="ctr"/>
+          <a:lstStyle/>
+          <a:p>
+            <a:pPr algn="ctr"/>
+            <a:r>
+              <a:rPr lang="it-IT" sz="1400" dirty="0">
+                <a:solidFill>
+                  <a:schemeClr val="tx1"/>
+                </a:solidFill>
+              </a:rPr>
+              <a:t>Child1 </a:t>
+            </a:r>
+            <a:r>
+              <a:rPr lang="it-IT" sz="1400" dirty="0" err="1">
+                <a:solidFill>
+                  <a:schemeClr val="tx1"/>
+                </a:solidFill>
+              </a:rPr>
+              <a:t>Conj</a:t>
+            </a:r>
+            <a:endParaRPr lang="it-IT" sz="1400" dirty="0">
+              <a:solidFill>
+                <a:schemeClr val="tx1"/>
+              </a:solidFill>
+            </a:endParaRPr>
           </a:p>
         </p:txBody>
       </p:sp>
     </p:spTree>
     <p:extLst>
       <p:ext uri="{BB962C8B-B14F-4D97-AF65-F5344CB8AC3E}">
-        <p14:creationId xmlns:p14="http://schemas.microsoft.com/office/powerpoint/2010/main" val="2317498819"/>
+        <p14:creationId xmlns:p14="http://schemas.microsoft.com/office/powerpoint/2010/main" val="2509792380"/>
       </p:ext>
     </p:extLst>
   </p:cSld>
@@ -6009,4 +7939,299 @@
     </a:ext>
   </a:extLst>
 </a:theme>
+</file>
+
+<file path=ppt/theme/theme2.xml><?xml version="1.0" encoding="utf-8"?>
+<a:theme xmlns:a="http://schemas.openxmlformats.org/drawingml/2006/main" name="Office Theme">
+  <a:themeElements>
+    <a:clrScheme name="Office">
+      <a:dk1>
+        <a:sysClr val="windowText" lastClr="000000"/>
+      </a:dk1>
+      <a:lt1>
+        <a:sysClr val="window" lastClr="FFFFFF"/>
+      </a:lt1>
+      <a:dk2>
+        <a:srgbClr val="44546A"/>
+      </a:dk2>
+      <a:lt2>
+        <a:srgbClr val="E7E6E6"/>
+      </a:lt2>
+      <a:accent1>
+        <a:srgbClr val="4472C4"/>
+      </a:accent1>
+      <a:accent2>
+        <a:srgbClr val="ED7D31"/>
+      </a:accent2>
+      <a:accent3>
+        <a:srgbClr val="A5A5A5"/>
+      </a:accent3>
+      <a:accent4>
+        <a:srgbClr val="FFC000"/>
+      </a:accent4>
+      <a:accent5>
+        <a:srgbClr val="5B9BD5"/>
+      </a:accent5>
+      <a:accent6>
+        <a:srgbClr val="70AD47"/>
+      </a:accent6>
+      <a:hlink>
+        <a:srgbClr val="0563C1"/>
+      </a:hlink>
+      <a:folHlink>
+        <a:srgbClr val="954F72"/>
+      </a:folHlink>
+    </a:clrScheme>
+    <a:fontScheme name="Office">
+      <a:majorFont>
+        <a:latin typeface="Calibri Light" panose="020F0302020204030204"/>
+        <a:ea typeface=""/>
+        <a:cs typeface=""/>
+        <a:font script="Jpan" typeface="游ゴシック Light"/>
+        <a:font script="Hang" typeface="맑은 고딕"/>
+        <a:font script="Hans" typeface="等线 Light"/>
+        <a:font script="Hant" typeface="新細明體"/>
+        <a:font script="Arab" typeface="Times New Roman"/>
+        <a:font script="Hebr" typeface="Times New Roman"/>
+        <a:font script="Thai" typeface="Angsana New"/>
+        <a:font script="Ethi" typeface="Nyala"/>
+        <a:font script="Beng" typeface="Vrinda"/>
+        <a:font script="Gujr" typeface="Shruti"/>
+        <a:font script="Khmr" typeface="MoolBoran"/>
+        <a:font script="Knda" typeface="Tunga"/>
+        <a:font script="Guru" typeface="Raavi"/>
+        <a:font script="Cans" typeface="Euphemia"/>
+        <a:font script="Cher" typeface="Plantagenet Cherokee"/>
+        <a:font script="Yiii" typeface="Microsoft Yi Baiti"/>
+        <a:font script="Tibt" typeface="Microsoft Himalaya"/>
+        <a:font script="Thaa" typeface="MV Boli"/>
+        <a:font script="Deva" typeface="Mangal"/>
+        <a:font script="Telu" typeface="Gautami"/>
+        <a:font script="Taml" typeface="Latha"/>
+        <a:font script="Syrc" typeface="Estrangelo Edessa"/>
+        <a:font script="Orya" typeface="Kalinga"/>
+        <a:font script="Mlym" typeface="Kartika"/>
+        <a:font script="Laoo" typeface="DokChampa"/>
+        <a:font script="Sinh" typeface="Iskoola Pota"/>
+        <a:font script="Mong" typeface="Mongolian Baiti"/>
+        <a:font script="Viet" typeface="Times New Roman"/>
+        <a:font script="Uigh" typeface="Microsoft Uighur"/>
+        <a:font script="Geor" typeface="Sylfaen"/>
+        <a:font script="Armn" typeface="Arial"/>
+        <a:font script="Bugi" typeface="Leelawadee UI"/>
+        <a:font script="Bopo" typeface="Microsoft JhengHei"/>
+        <a:font script="Java" typeface="Javanese Text"/>
+        <a:font script="Lisu" typeface="Segoe UI"/>
+        <a:font script="Mymr" typeface="Myanmar Text"/>
+        <a:font script="Nkoo" typeface="Ebrima"/>
+        <a:font script="Olck" typeface="Nirmala UI"/>
+        <a:font script="Osma" typeface="Ebrima"/>
+        <a:font script="Phag" typeface="Phagspa"/>
+        <a:font script="Syrn" typeface="Estrangelo Edessa"/>
+        <a:font script="Syrj" typeface="Estrangelo Edessa"/>
+        <a:font script="Syre" typeface="Estrangelo Edessa"/>
+        <a:font script="Sora" typeface="Nirmala UI"/>
+        <a:font script="Tale" typeface="Microsoft Tai Le"/>
+        <a:font script="Talu" typeface="Microsoft New Tai Lue"/>
+        <a:font script="Tfng" typeface="Ebrima"/>
+      </a:majorFont>
+      <a:minorFont>
+        <a:latin typeface="Calibri" panose="020F0502020204030204"/>
+        <a:ea typeface=""/>
+        <a:cs typeface=""/>
+        <a:font script="Jpan" typeface="游ゴシック"/>
+        <a:font script="Hang" typeface="맑은 고딕"/>
+        <a:font script="Hans" typeface="等线"/>
+        <a:font script="Hant" typeface="新細明體"/>
+        <a:font script="Arab" typeface="Arial"/>
+        <a:font script="Hebr" typeface="Arial"/>
+        <a:font script="Thai" typeface="Cordia New"/>
+        <a:font script="Ethi" typeface="Nyala"/>
+        <a:font script="Beng" typeface="Vrinda"/>
+        <a:font script="Gujr" typeface="Shruti"/>
+        <a:font script="Khmr" typeface="DaunPenh"/>
+        <a:font script="Knda" typeface="Tunga"/>
+        <a:font script="Guru" typeface="Raavi"/>
+        <a:font script="Cans" typeface="Euphemia"/>
+        <a:font script="Cher" typeface="Plantagenet Cherokee"/>
+        <a:font script="Yiii" typeface="Microsoft Yi Baiti"/>
+        <a:font script="Tibt" typeface="Microsoft Himalaya"/>
+        <a:font script="Thaa" typeface="MV Boli"/>
+        <a:font script="Deva" typeface="Mangal"/>
+        <a:font script="Telu" typeface="Gautami"/>
+        <a:font script="Taml" typeface="Latha"/>
+        <a:font script="Syrc" typeface="Estrangelo Edessa"/>
+        <a:font script="Orya" typeface="Kalinga"/>
+        <a:font script="Mlym" typeface="Kartika"/>
+        <a:font script="Laoo" typeface="DokChampa"/>
+        <a:font script="Sinh" typeface="Iskoola Pota"/>
+        <a:font script="Mong" typeface="Mongolian Baiti"/>
+        <a:font script="Viet" typeface="Arial"/>
+        <a:font script="Uigh" typeface="Microsoft Uighur"/>
+        <a:font script="Geor" typeface="Sylfaen"/>
+        <a:font script="Armn" typeface="Arial"/>
+        <a:font script="Bugi" typeface="Leelawadee UI"/>
+        <a:font script="Bopo" typeface="Microsoft JhengHei"/>
+        <a:font script="Java" typeface="Javanese Text"/>
+        <a:font script="Lisu" typeface="Segoe UI"/>
+        <a:font script="Mymr" typeface="Myanmar Text"/>
+        <a:font script="Nkoo" typeface="Ebrima"/>
+        <a:font script="Olck" typeface="Nirmala UI"/>
+        <a:font script="Osma" typeface="Ebrima"/>
+        <a:font script="Phag" typeface="Phagspa"/>
+        <a:font script="Syrn" typeface="Estrangelo Edessa"/>
+        <a:font script="Syrj" typeface="Estrangelo Edessa"/>
+        <a:font script="Syre" typeface="Estrangelo Edessa"/>
+        <a:font script="Sora" typeface="Nirmala UI"/>
+        <a:font script="Tale" typeface="Microsoft Tai Le"/>
+        <a:font script="Talu" typeface="Microsoft New Tai Lue"/>
+        <a:font script="Tfng" typeface="Ebrima"/>
+      </a:minorFont>
+    </a:fontScheme>
+    <a:fmtScheme name="Office">
+      <a:fillStyleLst>
+        <a:solidFill>
+          <a:schemeClr val="phClr"/>
+        </a:solidFill>
+        <a:gradFill rotWithShape="1">
+          <a:gsLst>
+            <a:gs pos="0">
+              <a:schemeClr val="phClr">
+                <a:lumMod val="110000"/>
+                <a:satMod val="105000"/>
+                <a:tint val="67000"/>
+              </a:schemeClr>
+            </a:gs>
+            <a:gs pos="50000">
+              <a:schemeClr val="phClr">
+                <a:lumMod val="105000"/>
+                <a:satMod val="103000"/>
+                <a:tint val="73000"/>
+              </a:schemeClr>
+            </a:gs>
+            <a:gs pos="100000">
+              <a:schemeClr val="phClr">
+                <a:lumMod val="105000"/>
+                <a:satMod val="109000"/>
+                <a:tint val="81000"/>
+              </a:schemeClr>
+            </a:gs>
+          </a:gsLst>
+          <a:lin ang="5400000" scaled="0"/>
+        </a:gradFill>
+        <a:gradFill rotWithShape="1">
+          <a:gsLst>
+            <a:gs pos="0">
+              <a:schemeClr val="phClr">
+                <a:satMod val="103000"/>
+                <a:lumMod val="102000"/>
+                <a:tint val="94000"/>
+              </a:schemeClr>
+            </a:gs>
+            <a:gs pos="50000">
+              <a:schemeClr val="phClr">
+                <a:satMod val="110000"/>
+                <a:lumMod val="100000"/>
+                <a:shade val="100000"/>
+              </a:schemeClr>
+            </a:gs>
+            <a:gs pos="100000">
+              <a:schemeClr val="phClr">
+                <a:lumMod val="99000"/>
+                <a:satMod val="120000"/>
+                <a:shade val="78000"/>
+              </a:schemeClr>
+            </a:gs>
+          </a:gsLst>
+          <a:lin ang="5400000" scaled="0"/>
+        </a:gradFill>
+      </a:fillStyleLst>
+      <a:lnStyleLst>
+        <a:ln w="6350" cap="flat" cmpd="sng" algn="ctr">
+          <a:solidFill>
+            <a:schemeClr val="phClr"/>
+          </a:solidFill>
+          <a:prstDash val="solid"/>
+          <a:miter lim="800000"/>
+        </a:ln>
+        <a:ln w="12700" cap="flat" cmpd="sng" algn="ctr">
+          <a:solidFill>
+            <a:schemeClr val="phClr"/>
+          </a:solidFill>
+          <a:prstDash val="solid"/>
+          <a:miter lim="800000"/>
+        </a:ln>
+        <a:ln w="19050" cap="flat" cmpd="sng" algn="ctr">
+          <a:solidFill>
+            <a:schemeClr val="phClr"/>
+          </a:solidFill>
+          <a:prstDash val="solid"/>
+          <a:miter lim="800000"/>
+        </a:ln>
+      </a:lnStyleLst>
+      <a:effectStyleLst>
+        <a:effectStyle>
+          <a:effectLst/>
+        </a:effectStyle>
+        <a:effectStyle>
+          <a:effectLst/>
+        </a:effectStyle>
+        <a:effectStyle>
+          <a:effectLst>
+            <a:outerShdw blurRad="57150" dist="19050" dir="5400000" algn="ctr" rotWithShape="0">
+              <a:srgbClr val="000000">
+                <a:alpha val="63000"/>
+              </a:srgbClr>
+            </a:outerShdw>
+          </a:effectLst>
+        </a:effectStyle>
+      </a:effectStyleLst>
+      <a:bgFillStyleLst>
+        <a:solidFill>
+          <a:schemeClr val="phClr"/>
+        </a:solidFill>
+        <a:solidFill>
+          <a:schemeClr val="phClr">
+            <a:tint val="95000"/>
+            <a:satMod val="170000"/>
+          </a:schemeClr>
+        </a:solidFill>
+        <a:gradFill rotWithShape="1">
+          <a:gsLst>
+            <a:gs pos="0">
+              <a:schemeClr val="phClr">
+                <a:tint val="93000"/>
+                <a:satMod val="150000"/>
+                <a:shade val="98000"/>
+                <a:lumMod val="102000"/>
+              </a:schemeClr>
+            </a:gs>
+            <a:gs pos="50000">
+              <a:schemeClr val="phClr">
+                <a:tint val="98000"/>
+                <a:satMod val="130000"/>
+                <a:shade val="90000"/>
+                <a:lumMod val="103000"/>
+              </a:schemeClr>
+            </a:gs>
+            <a:gs pos="100000">
+              <a:schemeClr val="phClr">
+                <a:shade val="63000"/>
+                <a:satMod val="120000"/>
+              </a:schemeClr>
+            </a:gs>
+          </a:gsLst>
+          <a:lin ang="5400000" scaled="0"/>
+        </a:gradFill>
+      </a:bgFillStyleLst>
+    </a:fmtScheme>
+  </a:themeElements>
+  <a:objectDefaults/>
+  <a:extraClrSchemeLst/>
+  <a:extLst>
+    <a:ext uri="{05A4C25C-085E-4340-85A3-A5531E510DB2}">
+      <thm15:themeFamily xmlns:thm15="http://schemas.microsoft.com/office/thememl/2012/main" name="Office Theme" id="{62F939B6-93AF-4DB8-9C6B-D6C7DFDC589F}" vid="{4A3C46E8-61CC-4603-A589-7422A47A8E4A}"/>
+    </a:ext>
+  </a:extLst>
+</a:theme>
 </file>
--- a/TreeAlchemist/Code/TreeAlchemizer/Input-Files/test-tree/tree.pptx
+++ b/TreeAlchemist/Code/TreeAlchemizer/Input-Files/test-tree/tree.pptx
@@ -3985,21 +3985,8 @@
                   <a:schemeClr val="tx1"/>
                 </a:solidFill>
               </a:rPr>
-              <a:t>Child2 </a:t>
-            </a:r>
-            <a:r>
-              <a:rPr lang="it-IT" sz="1400" dirty="0" err="1">
-                <a:solidFill>
-                  <a:schemeClr val="tx1"/>
-                </a:solidFill>
-              </a:rPr>
-              <a:t>Conj</a:t>
-            </a:r>
-            <a:endParaRPr lang="it-IT" sz="1400" dirty="0">
-              <a:solidFill>
-                <a:schemeClr val="tx1"/>
-              </a:solidFill>
-            </a:endParaRPr>
+              <a:t>Child2 Conj</a:t>
+            </a:r>
           </a:p>
         </p:txBody>
       </p:sp>
@@ -4453,16 +4440,25 @@
           <a:prstGeom prst="line">
             <a:avLst/>
           </a:prstGeom>
+          <a:ln w="9525" cap="flat" cmpd="sng" algn="ctr">
+            <a:solidFill>
+              <a:schemeClr val="dk1"/>
+            </a:solidFill>
+            <a:prstDash val="dash"/>
+            <a:round/>
+            <a:headEnd type="none" w="med" len="med"/>
+            <a:tailEnd type="none" w="med" len="med"/>
+          </a:ln>
         </p:spPr>
         <p:style>
-          <a:lnRef idx="2">
-            <a:schemeClr val="dk1"/>
+          <a:lnRef idx="0">
+            <a:scrgbClr r="0" g="0" b="0"/>
           </a:lnRef>
           <a:fillRef idx="0">
-            <a:schemeClr val="dk1"/>
+            <a:scrgbClr r="0" g="0" b="0"/>
           </a:fillRef>
-          <a:effectRef idx="1">
-            <a:schemeClr val="dk1"/>
+          <a:effectRef idx="0">
+            <a:scrgbClr r="0" g="0" b="0"/>
           </a:effectRef>
           <a:fontRef idx="minor">
             <a:schemeClr val="tx1"/>
@@ -4493,16 +4489,25 @@
           <a:prstGeom prst="line">
             <a:avLst/>
           </a:prstGeom>
+          <a:ln w="9525" cap="flat" cmpd="sng" algn="ctr">
+            <a:solidFill>
+              <a:schemeClr val="dk1"/>
+            </a:solidFill>
+            <a:prstDash val="dash"/>
+            <a:round/>
+            <a:headEnd type="none" w="med" len="med"/>
+            <a:tailEnd type="none" w="med" len="med"/>
+          </a:ln>
         </p:spPr>
         <p:style>
-          <a:lnRef idx="2">
-            <a:schemeClr val="dk1"/>
+          <a:lnRef idx="0">
+            <a:scrgbClr r="0" g="0" b="0"/>
           </a:lnRef>
           <a:fillRef idx="0">
-            <a:schemeClr val="dk1"/>
+            <a:scrgbClr r="0" g="0" b="0"/>
           </a:fillRef>
-          <a:effectRef idx="1">
-            <a:schemeClr val="dk1"/>
+          <a:effectRef idx="0">
+            <a:scrgbClr r="0" g="0" b="0"/>
           </a:effectRef>
           <a:fontRef idx="minor">
             <a:schemeClr val="tx1"/>
@@ -4689,15 +4694,7 @@
             </a:r>
             <a:r>
               <a:rPr lang="it-IT" sz="1000" dirty="0"/>
-              <a:t> Child1 </a:t>
-            </a:r>
-            <a:r>
-              <a:rPr lang="it-IT" sz="1000" dirty="0" err="1"/>
-              <a:t>Conj</a:t>
-            </a:r>
-            <a:r>
-              <a:rPr lang="it-IT" sz="1000" dirty="0"/>
-              <a:t> log»</a:t>
+              <a:t> Child1 Conj log»</a:t>
             </a:r>
           </a:p>
         </p:txBody>
@@ -4750,15 +4747,7 @@
             </a:r>
             <a:r>
               <a:rPr lang="it-IT" sz="1000" dirty="0"/>
-              <a:t> Child2 </a:t>
-            </a:r>
-            <a:r>
-              <a:rPr lang="it-IT" sz="1000" dirty="0" err="1"/>
-              <a:t>Conj</a:t>
-            </a:r>
-            <a:r>
-              <a:rPr lang="it-IT" sz="1000" dirty="0"/>
-              <a:t> log»</a:t>
+              <a:t> Child2 Conj log»</a:t>
             </a:r>
           </a:p>
         </p:txBody>
@@ -5052,16 +5041,25 @@
           <a:prstGeom prst="line">
             <a:avLst/>
           </a:prstGeom>
+          <a:ln w="9525" cap="flat" cmpd="sng" algn="ctr">
+            <a:solidFill>
+              <a:schemeClr val="dk1"/>
+            </a:solidFill>
+            <a:prstDash val="dash"/>
+            <a:round/>
+            <a:headEnd type="none" w="med" len="med"/>
+            <a:tailEnd type="none" w="med" len="med"/>
+          </a:ln>
         </p:spPr>
         <p:style>
-          <a:lnRef idx="2">
-            <a:schemeClr val="dk1"/>
+          <a:lnRef idx="0">
+            <a:scrgbClr r="0" g="0" b="0"/>
           </a:lnRef>
           <a:fillRef idx="0">
-            <a:schemeClr val="dk1"/>
+            <a:scrgbClr r="0" g="0" b="0"/>
           </a:fillRef>
-          <a:effectRef idx="1">
-            <a:schemeClr val="dk1"/>
+          <a:effectRef idx="0">
+            <a:scrgbClr r="0" g="0" b="0"/>
           </a:effectRef>
           <a:fontRef idx="minor">
             <a:schemeClr val="tx1"/>
@@ -5092,16 +5090,25 @@
           <a:prstGeom prst="line">
             <a:avLst/>
           </a:prstGeom>
+          <a:ln w="9525" cap="flat" cmpd="sng" algn="ctr">
+            <a:solidFill>
+              <a:schemeClr val="dk1"/>
+            </a:solidFill>
+            <a:prstDash val="dash"/>
+            <a:round/>
+            <a:headEnd type="none" w="med" len="med"/>
+            <a:tailEnd type="none" w="med" len="med"/>
+          </a:ln>
         </p:spPr>
         <p:style>
-          <a:lnRef idx="2">
-            <a:schemeClr val="dk1"/>
+          <a:lnRef idx="0">
+            <a:scrgbClr r="0" g="0" b="0"/>
           </a:lnRef>
           <a:fillRef idx="0">
-            <a:schemeClr val="dk1"/>
+            <a:scrgbClr r="0" g="0" b="0"/>
           </a:fillRef>
-          <a:effectRef idx="1">
-            <a:schemeClr val="dk1"/>
+          <a:effectRef idx="0">
+            <a:scrgbClr r="0" g="0" b="0"/>
           </a:effectRef>
           <a:fontRef idx="minor">
             <a:schemeClr val="tx1"/>
@@ -5221,21 +5228,8 @@
                   <a:schemeClr val="tx1"/>
                 </a:solidFill>
               </a:rPr>
-              <a:t>Child1 </a:t>
-            </a:r>
-            <a:r>
-              <a:rPr lang="it-IT" sz="1400" dirty="0" err="1">
-                <a:solidFill>
-                  <a:schemeClr val="tx1"/>
-                </a:solidFill>
-              </a:rPr>
-              <a:t>Conj</a:t>
-            </a:r>
-            <a:endParaRPr lang="it-IT" sz="1400" dirty="0">
-              <a:solidFill>
-                <a:schemeClr val="tx1"/>
-              </a:solidFill>
-            </a:endParaRPr>
+              <a:t>Child1 Conj</a:t>
+            </a:r>
           </a:p>
         </p:txBody>
       </p:sp>
@@ -5806,15 +5800,7 @@
           <a:p>
             <a:r>
               <a:rPr lang="it-IT" sz="1000" dirty="0"/>
-              <a:t>[Child2 </a:t>
-            </a:r>
-            <a:r>
-              <a:rPr lang="it-IT" sz="1000" dirty="0" err="1"/>
-              <a:t>Conj</a:t>
-            </a:r>
-            <a:r>
-              <a:rPr lang="it-IT" sz="1000" dirty="0"/>
-              <a:t>]</a:t>
+              <a:t>[Child2 Conj]</a:t>
             </a:r>
           </a:p>
         </p:txBody>
@@ -5920,15 +5906,7 @@
           <a:p>
             <a:r>
               <a:rPr lang="it-IT" sz="1000" dirty="0"/>
-              <a:t>[Child1 </a:t>
-            </a:r>
-            <a:r>
-              <a:rPr lang="it-IT" sz="1000" dirty="0" err="1"/>
-              <a:t>Conj</a:t>
-            </a:r>
-            <a:r>
-              <a:rPr lang="it-IT" sz="1000" dirty="0"/>
-              <a:t>]</a:t>
+              <a:t>[Child1 Conj]</a:t>
             </a:r>
           </a:p>
         </p:txBody>
@@ -6135,21 +6113,8 @@
                   <a:schemeClr val="tx1"/>
                 </a:solidFill>
               </a:rPr>
-              <a:t>Child2 </a:t>
-            </a:r>
-            <a:r>
-              <a:rPr lang="it-IT" sz="1400" dirty="0" err="1">
-                <a:solidFill>
-                  <a:schemeClr val="tx1"/>
-                </a:solidFill>
-              </a:rPr>
-              <a:t>Conj</a:t>
-            </a:r>
-            <a:endParaRPr lang="it-IT" sz="1400" dirty="0">
-              <a:solidFill>
-                <a:schemeClr val="tx1"/>
-              </a:solidFill>
-            </a:endParaRPr>
+              <a:t>Child2 Conj</a:t>
+            </a:r>
           </a:p>
         </p:txBody>
       </p:sp>
@@ -6523,16 +6488,25 @@
           <a:prstGeom prst="line">
             <a:avLst/>
           </a:prstGeom>
+          <a:ln w="9525" cap="flat" cmpd="sng" algn="ctr">
+            <a:solidFill>
+              <a:schemeClr val="dk1"/>
+            </a:solidFill>
+            <a:prstDash val="dash"/>
+            <a:round/>
+            <a:headEnd type="none" w="med" len="med"/>
+            <a:tailEnd type="none" w="med" len="med"/>
+          </a:ln>
         </p:spPr>
         <p:style>
-          <a:lnRef idx="2">
-            <a:schemeClr val="dk1"/>
+          <a:lnRef idx="0">
+            <a:scrgbClr r="0" g="0" b="0"/>
           </a:lnRef>
           <a:fillRef idx="0">
-            <a:schemeClr val="dk1"/>
+            <a:scrgbClr r="0" g="0" b="0"/>
           </a:fillRef>
-          <a:effectRef idx="1">
-            <a:schemeClr val="dk1"/>
+          <a:effectRef idx="0">
+            <a:scrgbClr r="0" g="0" b="0"/>
           </a:effectRef>
           <a:fontRef idx="minor">
             <a:schemeClr val="tx1"/>
@@ -6563,16 +6537,25 @@
           <a:prstGeom prst="line">
             <a:avLst/>
           </a:prstGeom>
+          <a:ln w="9525" cap="flat" cmpd="sng" algn="ctr">
+            <a:solidFill>
+              <a:schemeClr val="dk1"/>
+            </a:solidFill>
+            <a:prstDash val="dash"/>
+            <a:round/>
+            <a:headEnd type="none" w="med" len="med"/>
+            <a:tailEnd type="none" w="med" len="med"/>
+          </a:ln>
         </p:spPr>
         <p:style>
-          <a:lnRef idx="2">
-            <a:schemeClr val="dk1"/>
+          <a:lnRef idx="0">
+            <a:scrgbClr r="0" g="0" b="0"/>
           </a:lnRef>
           <a:fillRef idx="0">
-            <a:schemeClr val="dk1"/>
+            <a:scrgbClr r="0" g="0" b="0"/>
           </a:fillRef>
-          <a:effectRef idx="1">
-            <a:schemeClr val="dk1"/>
+          <a:effectRef idx="0">
+            <a:scrgbClr r="0" g="0" b="0"/>
           </a:effectRef>
           <a:fontRef idx="minor">
             <a:schemeClr val="tx1"/>
@@ -6591,28 +6574,37 @@
           <p:cNvCxnSpPr>
             <a:cxnSpLocks/>
             <a:stCxn id="117" idx="0"/>
-            <a:endCxn id="97" idx="5"/>
+            <a:endCxn id="92" idx="5"/>
           </p:cNvCxnSpPr>
           <p:nvPr/>
         </p:nvCxnSpPr>
         <p:spPr>
           <a:xfrm flipH="1" flipV="1">
-            <a:off x="3828943" y="3975691"/>
-            <a:ext cx="2352680" cy="837380"/>
+            <a:off x="5261283" y="3980854"/>
+            <a:ext cx="920340" cy="832217"/>
           </a:xfrm>
           <a:prstGeom prst="line">
             <a:avLst/>
           </a:prstGeom>
+          <a:ln w="9525" cap="flat" cmpd="sng" algn="ctr">
+            <a:solidFill>
+              <a:schemeClr val="dk1"/>
+            </a:solidFill>
+            <a:prstDash val="dash"/>
+            <a:round/>
+            <a:headEnd type="none" w="med" len="med"/>
+            <a:tailEnd type="none" w="med" len="med"/>
+          </a:ln>
         </p:spPr>
         <p:style>
-          <a:lnRef idx="2">
-            <a:schemeClr val="dk1"/>
+          <a:lnRef idx="0">
+            <a:scrgbClr r="0" g="0" b="0"/>
           </a:lnRef>
           <a:fillRef idx="0">
-            <a:schemeClr val="dk1"/>
+            <a:scrgbClr r="0" g="0" b="0"/>
           </a:fillRef>
-          <a:effectRef idx="1">
-            <a:schemeClr val="dk1"/>
+          <a:effectRef idx="0">
+            <a:scrgbClr r="0" g="0" b="0"/>
           </a:effectRef>
           <a:fontRef idx="minor">
             <a:schemeClr val="tx1"/>
@@ -6643,16 +6635,25 @@
           <a:prstGeom prst="line">
             <a:avLst/>
           </a:prstGeom>
+          <a:ln w="9525" cap="flat" cmpd="sng" algn="ctr">
+            <a:solidFill>
+              <a:schemeClr val="dk1"/>
+            </a:solidFill>
+            <a:prstDash val="dash"/>
+            <a:round/>
+            <a:headEnd type="none" w="med" len="med"/>
+            <a:tailEnd type="none" w="med" len="med"/>
+          </a:ln>
         </p:spPr>
         <p:style>
-          <a:lnRef idx="2">
-            <a:schemeClr val="dk1"/>
+          <a:lnRef idx="0">
+            <a:scrgbClr r="0" g="0" b="0"/>
           </a:lnRef>
           <a:fillRef idx="0">
-            <a:schemeClr val="dk1"/>
+            <a:scrgbClr r="0" g="0" b="0"/>
           </a:fillRef>
-          <a:effectRef idx="1">
-            <a:schemeClr val="dk1"/>
+          <a:effectRef idx="0">
+            <a:scrgbClr r="0" g="0" b="0"/>
           </a:effectRef>
           <a:fontRef idx="minor">
             <a:schemeClr val="tx1"/>
@@ -6683,16 +6684,25 @@
           <a:prstGeom prst="line">
             <a:avLst/>
           </a:prstGeom>
+          <a:ln w="9525" cap="flat" cmpd="sng" algn="ctr">
+            <a:solidFill>
+              <a:schemeClr val="dk1"/>
+            </a:solidFill>
+            <a:prstDash val="dash"/>
+            <a:round/>
+            <a:headEnd type="none" w="med" len="med"/>
+            <a:tailEnd type="none" w="med" len="med"/>
+          </a:ln>
         </p:spPr>
         <p:style>
-          <a:lnRef idx="2">
-            <a:schemeClr val="dk1"/>
+          <a:lnRef idx="0">
+            <a:scrgbClr r="0" g="0" b="0"/>
           </a:lnRef>
           <a:fillRef idx="0">
-            <a:schemeClr val="dk1"/>
+            <a:scrgbClr r="0" g="0" b="0"/>
           </a:fillRef>
-          <a:effectRef idx="1">
-            <a:schemeClr val="dk1"/>
+          <a:effectRef idx="0">
+            <a:scrgbClr r="0" g="0" b="0"/>
           </a:effectRef>
           <a:fontRef idx="minor">
             <a:schemeClr val="tx1"/>
@@ -6763,16 +6773,25 @@
           <a:prstGeom prst="line">
             <a:avLst/>
           </a:prstGeom>
+          <a:ln w="9525" cap="flat" cmpd="sng" algn="ctr">
+            <a:solidFill>
+              <a:schemeClr val="dk1"/>
+            </a:solidFill>
+            <a:prstDash val="dash"/>
+            <a:round/>
+            <a:headEnd type="none" w="med" len="med"/>
+            <a:tailEnd type="none" w="med" len="med"/>
+          </a:ln>
         </p:spPr>
         <p:style>
-          <a:lnRef idx="2">
-            <a:schemeClr val="dk1"/>
+          <a:lnRef idx="0">
+            <a:scrgbClr r="0" g="0" b="0"/>
           </a:lnRef>
           <a:fillRef idx="0">
-            <a:schemeClr val="dk1"/>
+            <a:scrgbClr r="0" g="0" b="0"/>
           </a:fillRef>
-          <a:effectRef idx="1">
-            <a:schemeClr val="dk1"/>
+          <a:effectRef idx="0">
+            <a:scrgbClr r="0" g="0" b="0"/>
           </a:effectRef>
           <a:fontRef idx="minor">
             <a:schemeClr val="tx1"/>
@@ -6803,16 +6822,25 @@
           <a:prstGeom prst="line">
             <a:avLst/>
           </a:prstGeom>
+          <a:ln w="9525" cap="flat" cmpd="sng" algn="ctr">
+            <a:solidFill>
+              <a:schemeClr val="dk1"/>
+            </a:solidFill>
+            <a:prstDash val="dash"/>
+            <a:round/>
+            <a:headEnd type="none" w="med" len="med"/>
+            <a:tailEnd type="none" w="med" len="med"/>
+          </a:ln>
         </p:spPr>
         <p:style>
-          <a:lnRef idx="2">
-            <a:schemeClr val="dk1"/>
+          <a:lnRef idx="0">
+            <a:scrgbClr r="0" g="0" b="0"/>
           </a:lnRef>
           <a:fillRef idx="0">
-            <a:schemeClr val="dk1"/>
+            <a:scrgbClr r="0" g="0" b="0"/>
           </a:fillRef>
-          <a:effectRef idx="1">
-            <a:schemeClr val="dk1"/>
+          <a:effectRef idx="0">
+            <a:scrgbClr r="0" g="0" b="0"/>
           </a:effectRef>
           <a:fontRef idx="minor">
             <a:schemeClr val="tx1"/>
@@ -7356,15 +7384,7 @@
           <a:p>
             <a:r>
               <a:rPr lang="it-IT" sz="1000" dirty="0"/>
-              <a:t>[Child2 </a:t>
-            </a:r>
-            <a:r>
-              <a:rPr lang="it-IT" sz="1000" dirty="0" err="1"/>
-              <a:t>Conj</a:t>
-            </a:r>
-            <a:r>
-              <a:rPr lang="it-IT" sz="1000" dirty="0"/>
-              <a:t>]</a:t>
+              <a:t>[Child2 Conj]</a:t>
             </a:r>
           </a:p>
         </p:txBody>
@@ -7434,15 +7454,7 @@
           <a:p>
             <a:r>
               <a:rPr lang="it-IT" sz="1000" dirty="0"/>
-              <a:t>[Child1 </a:t>
-            </a:r>
-            <a:r>
-              <a:rPr lang="it-IT" sz="1000" dirty="0" err="1"/>
-              <a:t>Conj</a:t>
-            </a:r>
-            <a:r>
-              <a:rPr lang="it-IT" sz="1000" dirty="0"/>
-              <a:t>]</a:t>
+              <a:t>[Child1 Conj]</a:t>
             </a:r>
           </a:p>
         </p:txBody>
@@ -7595,21 +7607,8 @@
                   <a:schemeClr val="tx1"/>
                 </a:solidFill>
               </a:rPr>
-              <a:t>Child1 </a:t>
-            </a:r>
-            <a:r>
-              <a:rPr lang="it-IT" sz="1400" dirty="0" err="1">
-                <a:solidFill>
-                  <a:schemeClr val="tx1"/>
-                </a:solidFill>
-              </a:rPr>
-              <a:t>Conj</a:t>
-            </a:r>
-            <a:endParaRPr lang="it-IT" sz="1400" dirty="0">
-              <a:solidFill>
-                <a:schemeClr val="tx1"/>
-              </a:solidFill>
-            </a:endParaRPr>
+              <a:t>Child1 Conj</a:t>
+            </a:r>
           </a:p>
         </p:txBody>
       </p:sp>
